--- a/022_91893+_+91897+Documentation.pptx
+++ b/022_91893+_+91897+Documentation.pptx
@@ -266,16 +266,56 @@
 </p:presentation>
 </file>
 
-<file path=ppt/revisionInfo.xml><?xml version="1.0" encoding="utf-8"?>
-<p1510:revInfo xmlns:a="http://schemas.openxmlformats.org/drawingml/2006/main" xmlns:r="http://schemas.openxmlformats.org/officeDocument/2006/relationships" xmlns:p1510="http://schemas.microsoft.com/office/powerpoint/2015/10/main">
-  <p1510:revLst>
-    <p1510:client id="{4F71BE14-C53D-0861-4E1D-406D0C4E55B4}" v="10" dt="2022-02-05T23:55:44.511"/>
-  </p1510:revLst>
-</p1510:revInfo>
-</file>
-
 <file path=ppt/changesInfos/changesInfo1.xml><?xml version="1.0" encoding="utf-8"?>
 <pc:chgInfo xmlns:a="http://schemas.openxmlformats.org/drawingml/2006/main" xmlns:r="http://schemas.openxmlformats.org/officeDocument/2006/relationships" xmlns:ac="http://schemas.microsoft.com/office/drawing/2013/main/command" xmlns:pc="http://schemas.microsoft.com/office/powerpoint/2013/main/command">
+  <pc:docChgLst>
+    <pc:chgData name="Daniel Pereira" userId="9d9a6c6d5611e777" providerId="LiveId" clId="{FAACEEAB-46CB-4F54-BC5F-BC4B34800FB7}"/>
+    <pc:docChg chg="custSel modSld">
+      <pc:chgData name="Daniel Pereira" userId="9d9a6c6d5611e777" providerId="LiveId" clId="{FAACEEAB-46CB-4F54-BC5F-BC4B34800FB7}" dt="2022-02-09T23:11:34.582" v="117" actId="1076"/>
+      <pc:docMkLst>
+        <pc:docMk/>
+      </pc:docMkLst>
+      <pc:sldChg chg="addSp modSp mod">
+        <pc:chgData name="Daniel Pereira" userId="9d9a6c6d5611e777" providerId="LiveId" clId="{FAACEEAB-46CB-4F54-BC5F-BC4B34800FB7}" dt="2022-02-09T23:11:34.582" v="117" actId="1076"/>
+        <pc:sldMkLst>
+          <pc:docMk/>
+          <pc:sldMk cId="0" sldId="260"/>
+        </pc:sldMkLst>
+        <pc:spChg chg="mod">
+          <ac:chgData name="Daniel Pereira" userId="9d9a6c6d5611e777" providerId="LiveId" clId="{FAACEEAB-46CB-4F54-BC5F-BC4B34800FB7}" dt="2022-02-09T23:07:46.163" v="0" actId="20577"/>
+          <ac:spMkLst>
+            <pc:docMk/>
+            <pc:sldMk cId="0" sldId="260"/>
+            <ac:spMk id="78" creationId="{00000000-0000-0000-0000-000000000000}"/>
+          </ac:spMkLst>
+        </pc:spChg>
+        <pc:graphicFrameChg chg="mod modGraphic">
+          <ac:chgData name="Daniel Pereira" userId="9d9a6c6d5611e777" providerId="LiveId" clId="{FAACEEAB-46CB-4F54-BC5F-BC4B34800FB7}" dt="2022-02-09T23:11:34.582" v="117" actId="1076"/>
+          <ac:graphicFrameMkLst>
+            <pc:docMk/>
+            <pc:sldMk cId="0" sldId="260"/>
+            <ac:graphicFrameMk id="79" creationId="{00000000-0000-0000-0000-000000000000}"/>
+          </ac:graphicFrameMkLst>
+        </pc:graphicFrameChg>
+        <pc:picChg chg="add mod">
+          <ac:chgData name="Daniel Pereira" userId="9d9a6c6d5611e777" providerId="LiveId" clId="{FAACEEAB-46CB-4F54-BC5F-BC4B34800FB7}" dt="2022-02-09T23:08:15.299" v="5" actId="14100"/>
+          <ac:picMkLst>
+            <pc:docMk/>
+            <pc:sldMk cId="0" sldId="260"/>
+            <ac:picMk id="3" creationId="{B5C9E6B3-F982-48AC-BC08-2376F810F0A0}"/>
+          </ac:picMkLst>
+        </pc:picChg>
+        <pc:picChg chg="add mod">
+          <ac:chgData name="Daniel Pereira" userId="9d9a6c6d5611e777" providerId="LiveId" clId="{FAACEEAB-46CB-4F54-BC5F-BC4B34800FB7}" dt="2022-02-09T23:08:47.787" v="7" actId="1076"/>
+          <ac:picMkLst>
+            <pc:docMk/>
+            <pc:sldMk cId="0" sldId="260"/>
+            <ac:picMk id="5" creationId="{E8750712-8FF6-4E63-901E-046A7A15C35D}"/>
+          </ac:picMkLst>
+        </pc:picChg>
+      </pc:sldChg>
+    </pc:docChg>
+  </pc:docChgLst>
   <pc:docChgLst>
     <pc:chgData name="Mark Glasse" userId="S::m.glasse@sanctamaria.school.nz::4001b6f1-9796-4fe4-a857-9145db2b6168" providerId="AD" clId="Web-{4F71BE14-C53D-0861-4E1D-406D0C4E55B4}"/>
     <pc:docChg chg="modSld">
@@ -6988,10 +7028,10 @@
               <a:buNone/>
             </a:pPr>
             <a:r>
-              <a:rPr lang="en"/>
-              <a:t>Component 1 - Test Plan (?and screenshot)</a:t>
+              <a:rPr lang="en" dirty="0"/>
+              <a:t>Component 1 - Test Plan (and screenshot)</a:t>
             </a:r>
-            <a:endParaRPr/>
+            <a:endParaRPr dirty="0"/>
           </a:p>
         </p:txBody>
       </p:sp>
@@ -6999,11 +7039,17 @@
         <p:nvGraphicFramePr>
           <p:cNvPr id="79" name="Google Shape;79;p17"/>
           <p:cNvGraphicFramePr/>
-          <p:nvPr/>
+          <p:nvPr>
+            <p:extLst>
+              <p:ext uri="{D42A27DB-BD31-4B8C-83A1-F6EECF244321}">
+                <p14:modId xmlns:p14="http://schemas.microsoft.com/office/powerpoint/2010/main" val="548086198"/>
+              </p:ext>
+            </p:extLst>
+          </p:nvPr>
         </p:nvGraphicFramePr>
         <p:xfrm>
-          <a:off x="382475" y="1267725"/>
-          <a:ext cx="8520600" cy="914340"/>
+          <a:off x="311700" y="3226042"/>
+          <a:ext cx="8520600" cy="1462980"/>
         </p:xfrm>
         <a:graphic>
           <a:graphicData uri="http://schemas.openxmlformats.org/drawingml/2006/table">
@@ -7104,7 +7150,11 @@
                         </a:spcAft>
                         <a:buNone/>
                       </a:pPr>
-                      <a:endParaRPr sz="1800"/>
+                      <a:r>
+                        <a:rPr lang="en-NZ" sz="1800" dirty="0"/>
+                        <a:t>Run Program</a:t>
+                      </a:r>
+                      <a:endParaRPr sz="1800" dirty="0"/>
                     </a:p>
                   </a:txBody>
                   <a:tcPr marL="91425" marR="91425" marT="91425" marB="91425"/>
@@ -7123,7 +7173,11 @@
                         </a:spcAft>
                         <a:buNone/>
                       </a:pPr>
-                      <a:endParaRPr sz="1800"/>
+                      <a:r>
+                        <a:rPr lang="en-NZ" sz="1800" dirty="0"/>
+                        <a:t>Print Welcome message with random names from list of names – Runs correctly</a:t>
+                      </a:r>
+                      <a:endParaRPr sz="1800" dirty="0"/>
                     </a:p>
                   </a:txBody>
                   <a:tcPr marL="91425" marR="91425" marT="91425" marB="91425"/>
@@ -7138,6 +7192,66 @@
           </a:graphicData>
         </a:graphic>
       </p:graphicFrame>
+      <p:pic>
+        <p:nvPicPr>
+          <p:cNvPr id="3" name="Picture 2">
+            <a:extLst>
+              <a:ext uri="{FF2B5EF4-FFF2-40B4-BE49-F238E27FC236}">
+                <a16:creationId xmlns:a16="http://schemas.microsoft.com/office/drawing/2014/main" id="{B5C9E6B3-F982-48AC-BC08-2376F810F0A0}"/>
+              </a:ext>
+            </a:extLst>
+          </p:cNvPr>
+          <p:cNvPicPr>
+            <a:picLocks noChangeAspect="1"/>
+          </p:cNvPicPr>
+          <p:nvPr/>
+        </p:nvPicPr>
+        <p:blipFill>
+          <a:blip r:embed="rId3"/>
+          <a:stretch>
+            <a:fillRect/>
+          </a:stretch>
+        </p:blipFill>
+        <p:spPr>
+          <a:xfrm>
+            <a:off x="311700" y="1403951"/>
+            <a:ext cx="4208261" cy="1027016"/>
+          </a:xfrm>
+          <a:prstGeom prst="rect">
+            <a:avLst/>
+          </a:prstGeom>
+        </p:spPr>
+      </p:pic>
+      <p:pic>
+        <p:nvPicPr>
+          <p:cNvPr id="5" name="Picture 4">
+            <a:extLst>
+              <a:ext uri="{FF2B5EF4-FFF2-40B4-BE49-F238E27FC236}">
+                <a16:creationId xmlns:a16="http://schemas.microsoft.com/office/drawing/2014/main" id="{E8750712-8FF6-4E63-901E-046A7A15C35D}"/>
+              </a:ext>
+            </a:extLst>
+          </p:cNvPr>
+          <p:cNvPicPr>
+            <a:picLocks noChangeAspect="1"/>
+          </p:cNvPicPr>
+          <p:nvPr/>
+        </p:nvPicPr>
+        <p:blipFill>
+          <a:blip r:embed="rId4"/>
+          <a:stretch>
+            <a:fillRect/>
+          </a:stretch>
+        </p:blipFill>
+        <p:spPr>
+          <a:xfrm>
+            <a:off x="4624041" y="1376392"/>
+            <a:ext cx="3749365" cy="541067"/>
+          </a:xfrm>
+          <a:prstGeom prst="rect">
+            <a:avLst/>
+          </a:prstGeom>
+        </p:spPr>
+      </p:pic>
     </p:spTree>
   </p:cSld>
   <p:clrMapOvr>

--- a/022_91893+_+91897+Documentation.pptx
+++ b/022_91893+_+91897+Documentation.pptx
@@ -5,7 +5,7 @@
     <p:sldMasterId id="2147483659" r:id="rId1"/>
   </p:sldMasterIdLst>
   <p:notesMasterIdLst>
-    <p:notesMasterId r:id="rId9"/>
+    <p:notesMasterId r:id="rId10"/>
   </p:notesMasterIdLst>
   <p:sldIdLst>
     <p:sldId id="256" r:id="rId2"/>
@@ -13,8 +13,9 @@
     <p:sldId id="258" r:id="rId4"/>
     <p:sldId id="259" r:id="rId5"/>
     <p:sldId id="260" r:id="rId6"/>
-    <p:sldId id="261" r:id="rId7"/>
-    <p:sldId id="262" r:id="rId8"/>
+    <p:sldId id="263" r:id="rId7"/>
+    <p:sldId id="261" r:id="rId8"/>
+    <p:sldId id="262" r:id="rId9"/>
   </p:sldIdLst>
   <p:sldSz cx="9144000" cy="5143500" type="screen16x9"/>
   <p:notesSz cx="6858000" cy="9144000"/>
@@ -270,8 +271,8 @@
 <pc:chgInfo xmlns:a="http://schemas.openxmlformats.org/drawingml/2006/main" xmlns:r="http://schemas.openxmlformats.org/officeDocument/2006/relationships" xmlns:ac="http://schemas.microsoft.com/office/drawing/2013/main/command" xmlns:pc="http://schemas.microsoft.com/office/powerpoint/2013/main/command">
   <pc:docChgLst>
     <pc:chgData name="Daniel Pereira" userId="9d9a6c6d5611e777" providerId="LiveId" clId="{FAACEEAB-46CB-4F54-BC5F-BC4B34800FB7}"/>
-    <pc:docChg chg="custSel modSld">
-      <pc:chgData name="Daniel Pereira" userId="9d9a6c6d5611e777" providerId="LiveId" clId="{FAACEEAB-46CB-4F54-BC5F-BC4B34800FB7}" dt="2022-02-09T23:11:34.582" v="117" actId="1076"/>
+    <pc:docChg chg="custSel addSld modSld">
+      <pc:chgData name="Daniel Pereira" userId="9d9a6c6d5611e777" providerId="LiveId" clId="{FAACEEAB-46CB-4F54-BC5F-BC4B34800FB7}" dt="2022-02-09T23:23:59.671" v="120" actId="478"/>
       <pc:docMkLst>
         <pc:docMk/>
       </pc:docMkLst>
@@ -310,6 +311,29 @@
           <ac:picMkLst>
             <pc:docMk/>
             <pc:sldMk cId="0" sldId="260"/>
+            <ac:picMk id="5" creationId="{E8750712-8FF6-4E63-901E-046A7A15C35D}"/>
+          </ac:picMkLst>
+        </pc:picChg>
+      </pc:sldChg>
+      <pc:sldChg chg="delSp add mod">
+        <pc:chgData name="Daniel Pereira" userId="9d9a6c6d5611e777" providerId="LiveId" clId="{FAACEEAB-46CB-4F54-BC5F-BC4B34800FB7}" dt="2022-02-09T23:23:59.671" v="120" actId="478"/>
+        <pc:sldMkLst>
+          <pc:docMk/>
+          <pc:sldMk cId="1059849626" sldId="263"/>
+        </pc:sldMkLst>
+        <pc:picChg chg="del">
+          <ac:chgData name="Daniel Pereira" userId="9d9a6c6d5611e777" providerId="LiveId" clId="{FAACEEAB-46CB-4F54-BC5F-BC4B34800FB7}" dt="2022-02-09T23:23:57.674" v="119" actId="478"/>
+          <ac:picMkLst>
+            <pc:docMk/>
+            <pc:sldMk cId="1059849626" sldId="263"/>
+            <ac:picMk id="3" creationId="{B5C9E6B3-F982-48AC-BC08-2376F810F0A0}"/>
+          </ac:picMkLst>
+        </pc:picChg>
+        <pc:picChg chg="del">
+          <ac:chgData name="Daniel Pereira" userId="9d9a6c6d5611e777" providerId="LiveId" clId="{FAACEEAB-46CB-4F54-BC5F-BC4B34800FB7}" dt="2022-02-09T23:23:59.671" v="120" actId="478"/>
+          <ac:picMkLst>
+            <pc:docMk/>
+            <pc:sldMk cId="1059849626" sldId="263"/>
             <ac:picMk id="5" creationId="{E8750712-8FF6-4E63-901E-046A7A15C35D}"/>
           </ac:picMkLst>
         </pc:picChg>
@@ -1349,6 +1373,115 @@
   <p:cSld>
     <p:spTree>
       <p:nvGrpSpPr>
+        <p:cNvPr id="1" name="Shape 74"/>
+        <p:cNvGrpSpPr/>
+        <p:nvPr/>
+      </p:nvGrpSpPr>
+      <p:grpSpPr>
+        <a:xfrm>
+          <a:off x="0" y="0"/>
+          <a:ext cx="0" cy="0"/>
+          <a:chOff x="0" y="0"/>
+          <a:chExt cx="0" cy="0"/>
+        </a:xfrm>
+      </p:grpSpPr>
+      <p:sp>
+        <p:nvSpPr>
+          <p:cNvPr id="75" name="Google Shape;75;gac10fef634_0_20:notes"/>
+          <p:cNvSpPr>
+            <a:spLocks noGrp="1" noRot="1" noChangeAspect="1"/>
+          </p:cNvSpPr>
+          <p:nvPr>
+            <p:ph type="sldImg" idx="2"/>
+          </p:nvPr>
+        </p:nvSpPr>
+        <p:spPr>
+          <a:xfrm>
+            <a:off x="381000" y="685800"/>
+            <a:ext cx="6096000" cy="3429000"/>
+          </a:xfrm>
+          <a:custGeom>
+            <a:avLst/>
+            <a:gdLst/>
+            <a:ahLst/>
+            <a:cxnLst/>
+            <a:rect l="l" t="t" r="r" b="b"/>
+            <a:pathLst>
+              <a:path w="120000" h="120000" extrusionOk="0">
+                <a:moveTo>
+                  <a:pt x="0" y="0"/>
+                </a:moveTo>
+                <a:lnTo>
+                  <a:pt x="120000" y="0"/>
+                </a:lnTo>
+                <a:lnTo>
+                  <a:pt x="120000" y="120000"/>
+                </a:lnTo>
+                <a:lnTo>
+                  <a:pt x="0" y="120000"/>
+                </a:lnTo>
+                <a:close/>
+              </a:path>
+            </a:pathLst>
+          </a:custGeom>
+        </p:spPr>
+      </p:sp>
+      <p:sp>
+        <p:nvSpPr>
+          <p:cNvPr id="76" name="Google Shape;76;gac10fef634_0_20:notes"/>
+          <p:cNvSpPr txBox="1">
+            <a:spLocks noGrp="1"/>
+          </p:cNvSpPr>
+          <p:nvPr>
+            <p:ph type="body" idx="1"/>
+          </p:nvPr>
+        </p:nvSpPr>
+        <p:spPr>
+          <a:xfrm>
+            <a:off x="685800" y="4343400"/>
+            <a:ext cx="5486400" cy="4114800"/>
+          </a:xfrm>
+          <a:prstGeom prst="rect">
+            <a:avLst/>
+          </a:prstGeom>
+        </p:spPr>
+        <p:txBody>
+          <a:bodyPr spcFirstLastPara="1" wrap="square" lIns="91425" tIns="91425" rIns="91425" bIns="91425" anchor="t" anchorCtr="0">
+            <a:noAutofit/>
+          </a:bodyPr>
+          <a:lstStyle/>
+          <a:p>
+            <a:pPr marL="0" lvl="0" indent="0" algn="l" rtl="0">
+              <a:spcBef>
+                <a:spcPts val="0"/>
+              </a:spcBef>
+              <a:spcAft>
+                <a:spcPts val="0"/>
+              </a:spcAft>
+              <a:buNone/>
+            </a:pPr>
+            <a:endParaRPr/>
+          </a:p>
+        </p:txBody>
+      </p:sp>
+    </p:spTree>
+    <p:extLst>
+      <p:ext uri="{BB962C8B-B14F-4D97-AF65-F5344CB8AC3E}">
+        <p14:creationId xmlns:p14="http://schemas.microsoft.com/office/powerpoint/2010/main" val="1386617391"/>
+      </p:ext>
+    </p:extLst>
+  </p:cSld>
+  <p:clrMapOvr>
+    <a:masterClrMapping/>
+  </p:clrMapOvr>
+</p:notes>
+</file>
+
+<file path=ppt/notesSlides/notesSlide7.xml><?xml version="1.0" encoding="utf-8"?>
+<p:notes xmlns:a="http://schemas.openxmlformats.org/drawingml/2006/main" xmlns:r="http://schemas.openxmlformats.org/officeDocument/2006/relationships" xmlns:p="http://schemas.openxmlformats.org/presentationml/2006/main" showMasterSp="0" showMasterPhAnim="0">
+  <p:cSld>
+    <p:spTree>
+      <p:nvGrpSpPr>
         <p:cNvPr id="1" name="Shape 80"/>
         <p:cNvGrpSpPr/>
         <p:nvPr/>
@@ -1469,7 +1602,7 @@
 </p:notes>
 </file>
 
-<file path=ppt/notesSlides/notesSlide7.xml><?xml version="1.0" encoding="utf-8"?>
+<file path=ppt/notesSlides/notesSlide8.xml><?xml version="1.0" encoding="utf-8"?>
 <p:notes xmlns:a="http://schemas.openxmlformats.org/drawingml/2006/main" xmlns:r="http://schemas.openxmlformats.org/officeDocument/2006/relationships" xmlns:p="http://schemas.openxmlformats.org/presentationml/2006/main" showMasterSp="0" showMasterPhAnim="0">
   <p:cSld>
     <p:spTree>
@@ -7263,6 +7396,229 @@
 <file path=ppt/slides/slide6.xml><?xml version="1.0" encoding="utf-8"?>
 <p:sld xmlns:a="http://schemas.openxmlformats.org/drawingml/2006/main" xmlns:r="http://schemas.openxmlformats.org/officeDocument/2006/relationships" xmlns:p="http://schemas.openxmlformats.org/presentationml/2006/main">
   <p:cSld>
+    <p:spTree>
+      <p:nvGrpSpPr>
+        <p:cNvPr id="1" name="Shape 77"/>
+        <p:cNvGrpSpPr/>
+        <p:nvPr/>
+      </p:nvGrpSpPr>
+      <p:grpSpPr>
+        <a:xfrm>
+          <a:off x="0" y="0"/>
+          <a:ext cx="0" cy="0"/>
+          <a:chOff x="0" y="0"/>
+          <a:chExt cx="0" cy="0"/>
+        </a:xfrm>
+      </p:grpSpPr>
+      <p:sp>
+        <p:nvSpPr>
+          <p:cNvPr id="78" name="Google Shape;78;p17"/>
+          <p:cNvSpPr txBox="1">
+            <a:spLocks noGrp="1"/>
+          </p:cNvSpPr>
+          <p:nvPr>
+            <p:ph type="title"/>
+          </p:nvPr>
+        </p:nvSpPr>
+        <p:spPr>
+          <a:xfrm>
+            <a:off x="311700" y="445025"/>
+            <a:ext cx="8520600" cy="572700"/>
+          </a:xfrm>
+          <a:prstGeom prst="rect">
+            <a:avLst/>
+          </a:prstGeom>
+        </p:spPr>
+        <p:txBody>
+          <a:bodyPr spcFirstLastPara="1" wrap="square" lIns="91425" tIns="91425" rIns="91425" bIns="91425" anchor="t" anchorCtr="0">
+            <a:noAutofit/>
+          </a:bodyPr>
+          <a:lstStyle/>
+          <a:p>
+            <a:pPr marL="0" lvl="0" indent="0" algn="l" rtl="0">
+              <a:spcBef>
+                <a:spcPts val="0"/>
+              </a:spcBef>
+              <a:spcAft>
+                <a:spcPts val="0"/>
+              </a:spcAft>
+              <a:buNone/>
+            </a:pPr>
+            <a:r>
+              <a:rPr lang="en" dirty="0"/>
+              <a:t>Component 1 - Test Plan (and screenshot)</a:t>
+            </a:r>
+            <a:endParaRPr dirty="0"/>
+          </a:p>
+        </p:txBody>
+      </p:sp>
+      <p:graphicFrame>
+        <p:nvGraphicFramePr>
+          <p:cNvPr id="79" name="Google Shape;79;p17"/>
+          <p:cNvGraphicFramePr/>
+          <p:nvPr/>
+        </p:nvGraphicFramePr>
+        <p:xfrm>
+          <a:off x="311700" y="3226042"/>
+          <a:ext cx="8520600" cy="1462980"/>
+        </p:xfrm>
+        <a:graphic>
+          <a:graphicData uri="http://schemas.openxmlformats.org/drawingml/2006/table">
+            <a:tbl>
+              <a:tblPr>
+                <a:noFill/>
+                <a:tableStyleId>{E1099E06-0E6B-448D-9D27-60429F06E6F4}</a:tableStyleId>
+              </a:tblPr>
+              <a:tblGrid>
+                <a:gridCol w="4260300">
+                  <a:extLst>
+                    <a:ext uri="{9D8B030D-6E8A-4147-A177-3AD203B41FA5}">
+                      <a16:colId xmlns:a16="http://schemas.microsoft.com/office/drawing/2014/main" val="20000"/>
+                    </a:ext>
+                  </a:extLst>
+                </a:gridCol>
+                <a:gridCol w="4260300">
+                  <a:extLst>
+                    <a:ext uri="{9D8B030D-6E8A-4147-A177-3AD203B41FA5}">
+                      <a16:colId xmlns:a16="http://schemas.microsoft.com/office/drawing/2014/main" val="20001"/>
+                    </a:ext>
+                  </a:extLst>
+                </a:gridCol>
+              </a:tblGrid>
+              <a:tr h="381000">
+                <a:tc>
+                  <a:txBody>
+                    <a:bodyPr/>
+                    <a:lstStyle/>
+                    <a:p>
+                      <a:pPr marL="0" lvl="0" indent="0" algn="l" rtl="0">
+                        <a:spcBef>
+                          <a:spcPts val="0"/>
+                        </a:spcBef>
+                        <a:spcAft>
+                          <a:spcPts val="0"/>
+                        </a:spcAft>
+                        <a:buNone/>
+                      </a:pPr>
+                      <a:r>
+                        <a:rPr lang="en" sz="1800" b="1"/>
+                        <a:t>Test Case</a:t>
+                      </a:r>
+                      <a:endParaRPr sz="1800" b="1"/>
+                    </a:p>
+                  </a:txBody>
+                  <a:tcPr marL="91425" marR="91425" marT="91425" marB="91425">
+                    <a:solidFill>
+                      <a:srgbClr val="CCCCCC"/>
+                    </a:solidFill>
+                  </a:tcPr>
+                </a:tc>
+                <a:tc>
+                  <a:txBody>
+                    <a:bodyPr/>
+                    <a:lstStyle/>
+                    <a:p>
+                      <a:pPr marL="0" lvl="0" indent="0" algn="l" rtl="0">
+                        <a:spcBef>
+                          <a:spcPts val="0"/>
+                        </a:spcBef>
+                        <a:spcAft>
+                          <a:spcPts val="0"/>
+                        </a:spcAft>
+                        <a:buNone/>
+                      </a:pPr>
+                      <a:r>
+                        <a:rPr lang="en" sz="1800" b="1"/>
+                        <a:t>Expected Values</a:t>
+                      </a:r>
+                      <a:endParaRPr sz="1800" b="1"/>
+                    </a:p>
+                  </a:txBody>
+                  <a:tcPr marL="91425" marR="91425" marT="91425" marB="91425">
+                    <a:solidFill>
+                      <a:srgbClr val="CCCCCC"/>
+                    </a:solidFill>
+                  </a:tcPr>
+                </a:tc>
+                <a:extLst>
+                  <a:ext uri="{0D108BD9-81ED-4DB2-BD59-A6C34878D82A}">
+                    <a16:rowId xmlns:a16="http://schemas.microsoft.com/office/drawing/2014/main" val="10000"/>
+                  </a:ext>
+                </a:extLst>
+              </a:tr>
+              <a:tr h="396200">
+                <a:tc>
+                  <a:txBody>
+                    <a:bodyPr/>
+                    <a:lstStyle/>
+                    <a:p>
+                      <a:pPr marL="0" lvl="0" indent="0" algn="l" rtl="0">
+                        <a:spcBef>
+                          <a:spcPts val="0"/>
+                        </a:spcBef>
+                        <a:spcAft>
+                          <a:spcPts val="0"/>
+                        </a:spcAft>
+                        <a:buNone/>
+                      </a:pPr>
+                      <a:r>
+                        <a:rPr lang="en-NZ" sz="1800" dirty="0"/>
+                        <a:t>Run Program</a:t>
+                      </a:r>
+                      <a:endParaRPr sz="1800" dirty="0"/>
+                    </a:p>
+                  </a:txBody>
+                  <a:tcPr marL="91425" marR="91425" marT="91425" marB="91425"/>
+                </a:tc>
+                <a:tc>
+                  <a:txBody>
+                    <a:bodyPr/>
+                    <a:lstStyle/>
+                    <a:p>
+                      <a:pPr marL="0" lvl="0" indent="0" algn="l" rtl="0">
+                        <a:spcBef>
+                          <a:spcPts val="0"/>
+                        </a:spcBef>
+                        <a:spcAft>
+                          <a:spcPts val="0"/>
+                        </a:spcAft>
+                        <a:buNone/>
+                      </a:pPr>
+                      <a:r>
+                        <a:rPr lang="en-NZ" sz="1800" dirty="0"/>
+                        <a:t>Print Welcome message with random names from list of names – Runs correctly</a:t>
+                      </a:r>
+                      <a:endParaRPr sz="1800" dirty="0"/>
+                    </a:p>
+                  </a:txBody>
+                  <a:tcPr marL="91425" marR="91425" marT="91425" marB="91425"/>
+                </a:tc>
+                <a:extLst>
+                  <a:ext uri="{0D108BD9-81ED-4DB2-BD59-A6C34878D82A}">
+                    <a16:rowId xmlns:a16="http://schemas.microsoft.com/office/drawing/2014/main" val="10001"/>
+                  </a:ext>
+                </a:extLst>
+              </a:tr>
+            </a:tbl>
+          </a:graphicData>
+        </a:graphic>
+      </p:graphicFrame>
+    </p:spTree>
+    <p:extLst>
+      <p:ext uri="{BB962C8B-B14F-4D97-AF65-F5344CB8AC3E}">
+        <p14:creationId xmlns:p14="http://schemas.microsoft.com/office/powerpoint/2010/main" val="1059849626"/>
+      </p:ext>
+    </p:extLst>
+  </p:cSld>
+  <p:clrMapOvr>
+    <a:masterClrMapping/>
+  </p:clrMapOvr>
+</p:sld>
+</file>
+
+<file path=ppt/slides/slide7.xml><?xml version="1.0" encoding="utf-8"?>
+<p:sld xmlns:a="http://schemas.openxmlformats.org/drawingml/2006/main" xmlns:r="http://schemas.openxmlformats.org/officeDocument/2006/relationships" xmlns:p="http://schemas.openxmlformats.org/presentationml/2006/main">
+  <p:cSld>
     <p:bg>
       <p:bgPr>
         <a:solidFill>
@@ -7377,7 +7733,7 @@
 </p:sld>
 </file>
 
-<file path=ppt/slides/slide7.xml><?xml version="1.0" encoding="utf-8"?>
+<file path=ppt/slides/slide8.xml><?xml version="1.0" encoding="utf-8"?>
 <p:sld xmlns:a="http://schemas.openxmlformats.org/drawingml/2006/main" xmlns:r="http://schemas.openxmlformats.org/officeDocument/2006/relationships" xmlns:p="http://schemas.openxmlformats.org/presentationml/2006/main">
   <p:cSld>
     <p:bg>

--- a/022_91893+_+91897+Documentation.pptx
+++ b/022_91893+_+91897+Documentation.pptx
@@ -271,13 +271,52 @@
 <pc:chgInfo xmlns:a="http://schemas.openxmlformats.org/drawingml/2006/main" xmlns:r="http://schemas.openxmlformats.org/officeDocument/2006/relationships" xmlns:ac="http://schemas.microsoft.com/office/drawing/2013/main/command" xmlns:pc="http://schemas.microsoft.com/office/powerpoint/2013/main/command">
   <pc:docChgLst>
     <pc:chgData name="Daniel Pereira" userId="9d9a6c6d5611e777" providerId="LiveId" clId="{FAACEEAB-46CB-4F54-BC5F-BC4B34800FB7}"/>
-    <pc:docChg chg="custSel addSld modSld">
-      <pc:chgData name="Daniel Pereira" userId="9d9a6c6d5611e777" providerId="LiveId" clId="{FAACEEAB-46CB-4F54-BC5F-BC4B34800FB7}" dt="2022-02-09T23:23:59.671" v="120" actId="478"/>
+    <pc:docChg chg="undo custSel addSld modSld">
+      <pc:chgData name="Daniel Pereira" userId="9d9a6c6d5611e777" providerId="LiveId" clId="{FAACEEAB-46CB-4F54-BC5F-BC4B34800FB7}" dt="2022-02-14T00:20:25.925" v="345" actId="20577"/>
       <pc:docMkLst>
         <pc:docMk/>
       </pc:docMkLst>
+      <pc:sldChg chg="addSp delSp modSp mod">
+        <pc:chgData name="Daniel Pereira" userId="9d9a6c6d5611e777" providerId="LiveId" clId="{FAACEEAB-46CB-4F54-BC5F-BC4B34800FB7}" dt="2022-02-14T00:20:25.925" v="345" actId="20577"/>
+        <pc:sldMkLst>
+          <pc:docMk/>
+          <pc:sldMk cId="0" sldId="259"/>
+        </pc:sldMkLst>
+        <pc:spChg chg="mod">
+          <ac:chgData name="Daniel Pereira" userId="9d9a6c6d5611e777" providerId="LiveId" clId="{FAACEEAB-46CB-4F54-BC5F-BC4B34800FB7}" dt="2022-02-14T00:20:25.925" v="345" actId="20577"/>
+          <ac:spMkLst>
+            <pc:docMk/>
+            <pc:sldMk cId="0" sldId="259"/>
+            <ac:spMk id="73" creationId="{00000000-0000-0000-0000-000000000000}"/>
+          </ac:spMkLst>
+        </pc:spChg>
+        <pc:picChg chg="add del">
+          <ac:chgData name="Daniel Pereira" userId="9d9a6c6d5611e777" providerId="LiveId" clId="{FAACEEAB-46CB-4F54-BC5F-BC4B34800FB7}" dt="2022-02-13T23:49:56.425" v="122" actId="22"/>
+          <ac:picMkLst>
+            <pc:docMk/>
+            <pc:sldMk cId="0" sldId="259"/>
+            <ac:picMk id="3" creationId="{01B7F40E-7E45-4D6D-A9C5-62508B8AEDEC}"/>
+          </ac:picMkLst>
+        </pc:picChg>
+        <pc:picChg chg="add mod">
+          <ac:chgData name="Daniel Pereira" userId="9d9a6c6d5611e777" providerId="LiveId" clId="{FAACEEAB-46CB-4F54-BC5F-BC4B34800FB7}" dt="2022-02-14T00:20:11.812" v="326" actId="1076"/>
+          <ac:picMkLst>
+            <pc:docMk/>
+            <pc:sldMk cId="0" sldId="259"/>
+            <ac:picMk id="5" creationId="{FF020B5E-747E-42D1-8E22-C582E558722A}"/>
+          </ac:picMkLst>
+        </pc:picChg>
+        <pc:picChg chg="add mod">
+          <ac:chgData name="Daniel Pereira" userId="9d9a6c6d5611e777" providerId="LiveId" clId="{FAACEEAB-46CB-4F54-BC5F-BC4B34800FB7}" dt="2022-02-14T00:20:13.777" v="327" actId="1076"/>
+          <ac:picMkLst>
+            <pc:docMk/>
+            <pc:sldMk cId="0" sldId="259"/>
+            <ac:picMk id="7" creationId="{9D3FFD21-52C3-4EEE-B0D4-688402A048AF}"/>
+          </ac:picMkLst>
+        </pc:picChg>
+      </pc:sldChg>
       <pc:sldChg chg="addSp modSp mod">
-        <pc:chgData name="Daniel Pereira" userId="9d9a6c6d5611e777" providerId="LiveId" clId="{FAACEEAB-46CB-4F54-BC5F-BC4B34800FB7}" dt="2022-02-09T23:11:34.582" v="117" actId="1076"/>
+        <pc:chgData name="Daniel Pereira" userId="9d9a6c6d5611e777" providerId="LiveId" clId="{FAACEEAB-46CB-4F54-BC5F-BC4B34800FB7}" dt="2022-02-13T23:54:20.124" v="127" actId="1076"/>
         <pc:sldMkLst>
           <pc:docMk/>
           <pc:sldMk cId="0" sldId="260"/>
@@ -299,7 +338,7 @@
           </ac:graphicFrameMkLst>
         </pc:graphicFrameChg>
         <pc:picChg chg="add mod">
-          <ac:chgData name="Daniel Pereira" userId="9d9a6c6d5611e777" providerId="LiveId" clId="{FAACEEAB-46CB-4F54-BC5F-BC4B34800FB7}" dt="2022-02-09T23:08:15.299" v="5" actId="14100"/>
+          <ac:chgData name="Daniel Pereira" userId="9d9a6c6d5611e777" providerId="LiveId" clId="{FAACEEAB-46CB-4F54-BC5F-BC4B34800FB7}" dt="2022-02-13T23:54:17.372" v="126" actId="14100"/>
           <ac:picMkLst>
             <pc:docMk/>
             <pc:sldMk cId="0" sldId="260"/>
@@ -307,7 +346,7 @@
           </ac:picMkLst>
         </pc:picChg>
         <pc:picChg chg="add mod">
-          <ac:chgData name="Daniel Pereira" userId="9d9a6c6d5611e777" providerId="LiveId" clId="{FAACEEAB-46CB-4F54-BC5F-BC4B34800FB7}" dt="2022-02-09T23:08:47.787" v="7" actId="1076"/>
+          <ac:chgData name="Daniel Pereira" userId="9d9a6c6d5611e777" providerId="LiveId" clId="{FAACEEAB-46CB-4F54-BC5F-BC4B34800FB7}" dt="2022-02-13T23:54:20.124" v="127" actId="1076"/>
           <ac:picMkLst>
             <pc:docMk/>
             <pc:sldMk cId="0" sldId="260"/>
@@ -315,18 +354,50 @@
           </ac:picMkLst>
         </pc:picChg>
       </pc:sldChg>
-      <pc:sldChg chg="delSp add mod">
-        <pc:chgData name="Daniel Pereira" userId="9d9a6c6d5611e777" providerId="LiveId" clId="{FAACEEAB-46CB-4F54-BC5F-BC4B34800FB7}" dt="2022-02-09T23:23:59.671" v="120" actId="478"/>
+      <pc:sldChg chg="addSp delSp modSp add mod">
+        <pc:chgData name="Daniel Pereira" userId="9d9a6c6d5611e777" providerId="LiveId" clId="{FAACEEAB-46CB-4F54-BC5F-BC4B34800FB7}" dt="2022-02-14T00:17:44.824" v="304" actId="20577"/>
         <pc:sldMkLst>
           <pc:docMk/>
           <pc:sldMk cId="1059849626" sldId="263"/>
         </pc:sldMkLst>
+        <pc:spChg chg="mod">
+          <ac:chgData name="Daniel Pereira" userId="9d9a6c6d5611e777" providerId="LiveId" clId="{FAACEEAB-46CB-4F54-BC5F-BC4B34800FB7}" dt="2022-02-14T00:12:11.155" v="137" actId="20577"/>
+          <ac:spMkLst>
+            <pc:docMk/>
+            <pc:sldMk cId="1059849626" sldId="263"/>
+            <ac:spMk id="78" creationId="{00000000-0000-0000-0000-000000000000}"/>
+          </ac:spMkLst>
+        </pc:spChg>
+        <pc:graphicFrameChg chg="mod modGraphic">
+          <ac:chgData name="Daniel Pereira" userId="9d9a6c6d5611e777" providerId="LiveId" clId="{FAACEEAB-46CB-4F54-BC5F-BC4B34800FB7}" dt="2022-02-14T00:17:44.824" v="304" actId="20577"/>
+          <ac:graphicFrameMkLst>
+            <pc:docMk/>
+            <pc:sldMk cId="1059849626" sldId="263"/>
+            <ac:graphicFrameMk id="79" creationId="{00000000-0000-0000-0000-000000000000}"/>
+          </ac:graphicFrameMkLst>
+        </pc:graphicFrameChg>
         <pc:picChg chg="del">
           <ac:chgData name="Daniel Pereira" userId="9d9a6c6d5611e777" providerId="LiveId" clId="{FAACEEAB-46CB-4F54-BC5F-BC4B34800FB7}" dt="2022-02-09T23:23:57.674" v="119" actId="478"/>
           <ac:picMkLst>
             <pc:docMk/>
             <pc:sldMk cId="1059849626" sldId="263"/>
             <ac:picMk id="3" creationId="{B5C9E6B3-F982-48AC-BC08-2376F810F0A0}"/>
+          </ac:picMkLst>
+        </pc:picChg>
+        <pc:picChg chg="add mod">
+          <ac:chgData name="Daniel Pereira" userId="9d9a6c6d5611e777" providerId="LiveId" clId="{FAACEEAB-46CB-4F54-BC5F-BC4B34800FB7}" dt="2022-02-14T00:16:32.027" v="146" actId="14100"/>
+          <ac:picMkLst>
+            <pc:docMk/>
+            <pc:sldMk cId="1059849626" sldId="263"/>
+            <ac:picMk id="3" creationId="{D2E9902A-758D-403F-AA4D-504512D40CD0}"/>
+          </ac:picMkLst>
+        </pc:picChg>
+        <pc:picChg chg="add mod">
+          <ac:chgData name="Daniel Pereira" userId="9d9a6c6d5611e777" providerId="LiveId" clId="{FAACEEAB-46CB-4F54-BC5F-BC4B34800FB7}" dt="2022-02-14T00:16:23.587" v="144" actId="1076"/>
+          <ac:picMkLst>
+            <pc:docMk/>
+            <pc:sldMk cId="1059849626" sldId="263"/>
+            <ac:picMk id="5" creationId="{9F17454D-D691-436E-93D5-1E0B6F752A09}"/>
           </ac:picMkLst>
         </pc:picChg>
         <pc:picChg chg="del">
@@ -7094,13 +7165,83 @@
               <a:buNone/>
             </a:pPr>
             <a:r>
-              <a:rPr lang="en"/>
+              <a:rPr lang="en" dirty="0"/>
               <a:t>Component 1 (Trello screenshot)</a:t>
             </a:r>
-            <a:endParaRPr/>
+            <a:br>
+              <a:rPr lang="en" dirty="0"/>
+            </a:br>
+            <a:br>
+              <a:rPr lang="en"/>
+            </a:br>
+            <a:r>
+              <a:rPr lang="en"/>
+              <a:t>Version 1				Version 2</a:t>
+            </a:r>
+            <a:endParaRPr dirty="0"/>
           </a:p>
         </p:txBody>
       </p:sp>
+      <p:pic>
+        <p:nvPicPr>
+          <p:cNvPr id="5" name="Picture 4">
+            <a:extLst>
+              <a:ext uri="{FF2B5EF4-FFF2-40B4-BE49-F238E27FC236}">
+                <a16:creationId xmlns:a16="http://schemas.microsoft.com/office/drawing/2014/main" id="{FF020B5E-747E-42D1-8E22-C582E558722A}"/>
+              </a:ext>
+            </a:extLst>
+          </p:cNvPr>
+          <p:cNvPicPr>
+            <a:picLocks noChangeAspect="1"/>
+          </p:cNvPicPr>
+          <p:nvPr/>
+        </p:nvPicPr>
+        <p:blipFill>
+          <a:blip r:embed="rId3"/>
+          <a:stretch>
+            <a:fillRect/>
+          </a:stretch>
+        </p:blipFill>
+        <p:spPr>
+          <a:xfrm>
+            <a:off x="152373" y="2289012"/>
+            <a:ext cx="4191027" cy="2195266"/>
+          </a:xfrm>
+          <a:prstGeom prst="rect">
+            <a:avLst/>
+          </a:prstGeom>
+        </p:spPr>
+      </p:pic>
+      <p:pic>
+        <p:nvPicPr>
+          <p:cNvPr id="7" name="Picture 6">
+            <a:extLst>
+              <a:ext uri="{FF2B5EF4-FFF2-40B4-BE49-F238E27FC236}">
+                <a16:creationId xmlns:a16="http://schemas.microsoft.com/office/drawing/2014/main" id="{9D3FFD21-52C3-4EEE-B0D4-688402A048AF}"/>
+              </a:ext>
+            </a:extLst>
+          </p:cNvPr>
+          <p:cNvPicPr>
+            <a:picLocks noChangeAspect="1"/>
+          </p:cNvPicPr>
+          <p:nvPr/>
+        </p:nvPicPr>
+        <p:blipFill>
+          <a:blip r:embed="rId4"/>
+          <a:stretch>
+            <a:fillRect/>
+          </a:stretch>
+        </p:blipFill>
+        <p:spPr>
+          <a:xfrm>
+            <a:off x="4475018" y="2289012"/>
+            <a:ext cx="4668982" cy="1915843"/>
+          </a:xfrm>
+          <a:prstGeom prst="rect">
+            <a:avLst/>
+          </a:prstGeom>
+        </p:spPr>
+      </p:pic>
     </p:spTree>
   </p:cSld>
   <p:clrMapOvr>
@@ -7348,7 +7489,7 @@
         <p:spPr>
           <a:xfrm>
             <a:off x="311700" y="1403951"/>
-            <a:ext cx="4208261" cy="1027016"/>
+            <a:ext cx="5994650" cy="1462980"/>
           </a:xfrm>
           <a:prstGeom prst="rect">
             <a:avLst/>
@@ -7377,7 +7518,7 @@
         </p:blipFill>
         <p:spPr>
           <a:xfrm>
-            <a:off x="4624041" y="1376392"/>
+            <a:off x="5203904" y="2234886"/>
             <a:ext cx="3749365" cy="541067"/>
           </a:xfrm>
           <a:prstGeom prst="rect">
@@ -7446,7 +7587,7 @@
             </a:pPr>
             <a:r>
               <a:rPr lang="en" dirty="0"/>
-              <a:t>Component 1 - Test Plan (and screenshot)</a:t>
+              <a:t>Component 1 version 2 - Test Plan (and screenshot)</a:t>
             </a:r>
             <a:endParaRPr dirty="0"/>
           </a:p>
@@ -7456,10 +7597,16 @@
         <p:nvGraphicFramePr>
           <p:cNvPr id="79" name="Google Shape;79;p17"/>
           <p:cNvGraphicFramePr/>
-          <p:nvPr/>
+          <p:nvPr>
+            <p:extLst>
+              <p:ext uri="{D42A27DB-BD31-4B8C-83A1-F6EECF244321}">
+                <p14:modId xmlns:p14="http://schemas.microsoft.com/office/powerpoint/2010/main" val="1116788218"/>
+              </p:ext>
+            </p:extLst>
+          </p:nvPr>
         </p:nvGraphicFramePr>
         <p:xfrm>
-          <a:off x="311700" y="3226042"/>
+          <a:off x="311700" y="3428237"/>
           <a:ext cx="8520600" cy="1462980"/>
         </p:xfrm>
         <a:graphic>
@@ -7586,7 +7733,22 @@
                       </a:pPr>
                       <a:r>
                         <a:rPr lang="en-NZ" sz="1800" dirty="0"/>
-                        <a:t>Print Welcome message with random names from list of names – Runs correctly</a:t>
+                        <a:t>Main and welcome run correctly.</a:t>
+                      </a:r>
+                    </a:p>
+                    <a:p>
+                      <a:pPr marL="0" lvl="0" indent="0" algn="l" rtl="0">
+                        <a:spcBef>
+                          <a:spcPts val="0"/>
+                        </a:spcBef>
+                        <a:spcAft>
+                          <a:spcPts val="0"/>
+                        </a:spcAft>
+                        <a:buNone/>
+                      </a:pPr>
+                      <a:r>
+                        <a:rPr lang="en-NZ" sz="1800" dirty="0"/>
+                        <a:t>Welcome message prints with random name</a:t>
                       </a:r>
                       <a:endParaRPr sz="1800" dirty="0"/>
                     </a:p>
@@ -7603,6 +7765,66 @@
           </a:graphicData>
         </a:graphic>
       </p:graphicFrame>
+      <p:pic>
+        <p:nvPicPr>
+          <p:cNvPr id="3" name="Picture 2">
+            <a:extLst>
+              <a:ext uri="{FF2B5EF4-FFF2-40B4-BE49-F238E27FC236}">
+                <a16:creationId xmlns:a16="http://schemas.microsoft.com/office/drawing/2014/main" id="{D2E9902A-758D-403F-AA4D-504512D40CD0}"/>
+              </a:ext>
+            </a:extLst>
+          </p:cNvPr>
+          <p:cNvPicPr>
+            <a:picLocks noChangeAspect="1"/>
+          </p:cNvPicPr>
+          <p:nvPr/>
+        </p:nvPicPr>
+        <p:blipFill>
+          <a:blip r:embed="rId3"/>
+          <a:stretch>
+            <a:fillRect/>
+          </a:stretch>
+        </p:blipFill>
+        <p:spPr>
+          <a:xfrm>
+            <a:off x="311700" y="1017725"/>
+            <a:ext cx="3423528" cy="2328148"/>
+          </a:xfrm>
+          <a:prstGeom prst="rect">
+            <a:avLst/>
+          </a:prstGeom>
+        </p:spPr>
+      </p:pic>
+      <p:pic>
+        <p:nvPicPr>
+          <p:cNvPr id="5" name="Picture 4">
+            <a:extLst>
+              <a:ext uri="{FF2B5EF4-FFF2-40B4-BE49-F238E27FC236}">
+                <a16:creationId xmlns:a16="http://schemas.microsoft.com/office/drawing/2014/main" id="{9F17454D-D691-436E-93D5-1E0B6F752A09}"/>
+              </a:ext>
+            </a:extLst>
+          </p:cNvPr>
+          <p:cNvPicPr>
+            <a:picLocks noChangeAspect="1"/>
+          </p:cNvPicPr>
+          <p:nvPr/>
+        </p:nvPicPr>
+        <p:blipFill>
+          <a:blip r:embed="rId4"/>
+          <a:stretch>
+            <a:fillRect/>
+          </a:stretch>
+        </p:blipFill>
+        <p:spPr>
+          <a:xfrm>
+            <a:off x="4487670" y="1338288"/>
+            <a:ext cx="3756986" cy="579170"/>
+          </a:xfrm>
+          <a:prstGeom prst="rect">
+            <a:avLst/>
+          </a:prstGeom>
+        </p:spPr>
+      </p:pic>
     </p:spTree>
     <p:extLst>
       <p:ext uri="{BB962C8B-B14F-4D97-AF65-F5344CB8AC3E}">

--- a/022_91893+_+91897+Documentation.pptx
+++ b/022_91893+_+91897+Documentation.pptx
@@ -5,7 +5,7 @@
     <p:sldMasterId id="2147483659" r:id="rId1"/>
   </p:sldMasterIdLst>
   <p:notesMasterIdLst>
-    <p:notesMasterId r:id="rId10"/>
+    <p:notesMasterId r:id="rId14"/>
   </p:notesMasterIdLst>
   <p:sldIdLst>
     <p:sldId id="256" r:id="rId2"/>
@@ -14,8 +14,12 @@
     <p:sldId id="259" r:id="rId5"/>
     <p:sldId id="260" r:id="rId6"/>
     <p:sldId id="263" r:id="rId7"/>
-    <p:sldId id="261" r:id="rId8"/>
-    <p:sldId id="262" r:id="rId9"/>
+    <p:sldId id="264" r:id="rId8"/>
+    <p:sldId id="265" r:id="rId9"/>
+    <p:sldId id="266" r:id="rId10"/>
+    <p:sldId id="267" r:id="rId11"/>
+    <p:sldId id="261" r:id="rId12"/>
+    <p:sldId id="262" r:id="rId13"/>
   </p:sldIdLst>
   <p:sldSz cx="9144000" cy="5143500" type="screen16x9"/>
   <p:notesSz cx="6858000" cy="9144000"/>
@@ -267,17 +271,25 @@
 </p:presentation>
 </file>
 
+<file path=ppt/revisionInfo.xml><?xml version="1.0" encoding="utf-8"?>
+<p1510:revInfo xmlns:a="http://schemas.openxmlformats.org/drawingml/2006/main" xmlns:r="http://schemas.openxmlformats.org/officeDocument/2006/relationships" xmlns:p1510="http://schemas.microsoft.com/office/powerpoint/2015/10/main">
+  <p1510:revLst>
+    <p1510:client id="{FAACEEAB-46CB-4F54-BC5F-BC4B34800FB7}" v="12" dt="2022-02-20T21:39:32.377"/>
+  </p1510:revLst>
+</p1510:revInfo>
+</file>
+
 <file path=ppt/changesInfos/changesInfo1.xml><?xml version="1.0" encoding="utf-8"?>
 <pc:chgInfo xmlns:a="http://schemas.openxmlformats.org/drawingml/2006/main" xmlns:r="http://schemas.openxmlformats.org/officeDocument/2006/relationships" xmlns:ac="http://schemas.microsoft.com/office/drawing/2013/main/command" xmlns:pc="http://schemas.microsoft.com/office/powerpoint/2013/main/command">
   <pc:docChgLst>
     <pc:chgData name="Daniel Pereira" userId="9d9a6c6d5611e777" providerId="LiveId" clId="{FAACEEAB-46CB-4F54-BC5F-BC4B34800FB7}"/>
-    <pc:docChg chg="undo custSel addSld modSld">
-      <pc:chgData name="Daniel Pereira" userId="9d9a6c6d5611e777" providerId="LiveId" clId="{FAACEEAB-46CB-4F54-BC5F-BC4B34800FB7}" dt="2022-02-14T00:20:25.925" v="345" actId="20577"/>
+    <pc:docChg chg="undo custSel addSld delSld modSld sldOrd">
+      <pc:chgData name="Daniel Pereira" userId="9d9a6c6d5611e777" providerId="LiveId" clId="{FAACEEAB-46CB-4F54-BC5F-BC4B34800FB7}" dt="2022-02-20T21:39:39.921" v="660" actId="478"/>
       <pc:docMkLst>
         <pc:docMk/>
       </pc:docMkLst>
-      <pc:sldChg chg="addSp delSp modSp mod">
-        <pc:chgData name="Daniel Pereira" userId="9d9a6c6d5611e777" providerId="LiveId" clId="{FAACEEAB-46CB-4F54-BC5F-BC4B34800FB7}" dt="2022-02-14T00:20:25.925" v="345" actId="20577"/>
+      <pc:sldChg chg="addSp delSp modSp mod setBg">
+        <pc:chgData name="Daniel Pereira" userId="9d9a6c6d5611e777" providerId="LiveId" clId="{FAACEEAB-46CB-4F54-BC5F-BC4B34800FB7}" dt="2022-02-18T01:52:25.910" v="353"/>
         <pc:sldMkLst>
           <pc:docMk/>
           <pc:sldMk cId="0" sldId="259"/>
@@ -406,6 +418,225 @@
             <pc:docMk/>
             <pc:sldMk cId="1059849626" sldId="263"/>
             <ac:picMk id="5" creationId="{E8750712-8FF6-4E63-901E-046A7A15C35D}"/>
+          </ac:picMkLst>
+        </pc:picChg>
+      </pc:sldChg>
+      <pc:sldChg chg="add del setBg">
+        <pc:chgData name="Daniel Pereira" userId="9d9a6c6d5611e777" providerId="LiveId" clId="{FAACEEAB-46CB-4F54-BC5F-BC4B34800FB7}" dt="2022-02-18T01:50:44.015" v="347"/>
+        <pc:sldMkLst>
+          <pc:docMk/>
+          <pc:sldMk cId="1177779669" sldId="264"/>
+        </pc:sldMkLst>
+      </pc:sldChg>
+      <pc:sldChg chg="addSp delSp modSp add mod ord setBg">
+        <pc:chgData name="Daniel Pereira" userId="9d9a6c6d5611e777" providerId="LiveId" clId="{FAACEEAB-46CB-4F54-BC5F-BC4B34800FB7}" dt="2022-02-18T02:02:30.889" v="410" actId="14100"/>
+        <pc:sldMkLst>
+          <pc:docMk/>
+          <pc:sldMk cId="2184574201" sldId="264"/>
+        </pc:sldMkLst>
+        <pc:spChg chg="mod">
+          <ac:chgData name="Daniel Pereira" userId="9d9a6c6d5611e777" providerId="LiveId" clId="{FAACEEAB-46CB-4F54-BC5F-BC4B34800FB7}" dt="2022-02-18T01:55:37.509" v="405" actId="20577"/>
+          <ac:spMkLst>
+            <pc:docMk/>
+            <pc:sldMk cId="2184574201" sldId="264"/>
+            <ac:spMk id="73" creationId="{00000000-0000-0000-0000-000000000000}"/>
+          </ac:spMkLst>
+        </pc:spChg>
+        <pc:picChg chg="add mod">
+          <ac:chgData name="Daniel Pereira" userId="9d9a6c6d5611e777" providerId="LiveId" clId="{FAACEEAB-46CB-4F54-BC5F-BC4B34800FB7}" dt="2022-02-18T02:02:30.889" v="410" actId="14100"/>
+          <ac:picMkLst>
+            <pc:docMk/>
+            <pc:sldMk cId="2184574201" sldId="264"/>
+            <ac:picMk id="3" creationId="{197D0697-87BD-40C4-BD69-675F260A2009}"/>
+          </ac:picMkLst>
+        </pc:picChg>
+        <pc:picChg chg="del">
+          <ac:chgData name="Daniel Pereira" userId="9d9a6c6d5611e777" providerId="LiveId" clId="{FAACEEAB-46CB-4F54-BC5F-BC4B34800FB7}" dt="2022-02-18T01:55:23.735" v="376" actId="478"/>
+          <ac:picMkLst>
+            <pc:docMk/>
+            <pc:sldMk cId="2184574201" sldId="264"/>
+            <ac:picMk id="5" creationId="{FF020B5E-747E-42D1-8E22-C582E558722A}"/>
+          </ac:picMkLst>
+        </pc:picChg>
+        <pc:picChg chg="del">
+          <ac:chgData name="Daniel Pereira" userId="9d9a6c6d5611e777" providerId="LiveId" clId="{FAACEEAB-46CB-4F54-BC5F-BC4B34800FB7}" dt="2022-02-18T01:55:25.499" v="377" actId="478"/>
+          <ac:picMkLst>
+            <pc:docMk/>
+            <pc:sldMk cId="2184574201" sldId="264"/>
+            <ac:picMk id="7" creationId="{9D3FFD21-52C3-4EEE-B0D4-688402A048AF}"/>
+          </ac:picMkLst>
+        </pc:picChg>
+      </pc:sldChg>
+      <pc:sldChg chg="addSp delSp modSp add mod">
+        <pc:chgData name="Daniel Pereira" userId="9d9a6c6d5611e777" providerId="LiveId" clId="{FAACEEAB-46CB-4F54-BC5F-BC4B34800FB7}" dt="2022-02-20T21:33:00.769" v="550" actId="1076"/>
+        <pc:sldMkLst>
+          <pc:docMk/>
+          <pc:sldMk cId="1708805901" sldId="265"/>
+        </pc:sldMkLst>
+        <pc:spChg chg="mod">
+          <ac:chgData name="Daniel Pereira" userId="9d9a6c6d5611e777" providerId="LiveId" clId="{FAACEEAB-46CB-4F54-BC5F-BC4B34800FB7}" dt="2022-02-18T01:55:07.540" v="361" actId="20577"/>
+          <ac:spMkLst>
+            <pc:docMk/>
+            <pc:sldMk cId="1708805901" sldId="265"/>
+            <ac:spMk id="78" creationId="{00000000-0000-0000-0000-000000000000}"/>
+          </ac:spMkLst>
+        </pc:spChg>
+        <pc:graphicFrameChg chg="modGraphic">
+          <ac:chgData name="Daniel Pereira" userId="9d9a6c6d5611e777" providerId="LiveId" clId="{FAACEEAB-46CB-4F54-BC5F-BC4B34800FB7}" dt="2022-02-20T21:30:23.836" v="544" actId="20577"/>
+          <ac:graphicFrameMkLst>
+            <pc:docMk/>
+            <pc:sldMk cId="1708805901" sldId="265"/>
+            <ac:graphicFrameMk id="79" creationId="{00000000-0000-0000-0000-000000000000}"/>
+          </ac:graphicFrameMkLst>
+        </pc:graphicFrameChg>
+        <pc:picChg chg="add mod">
+          <ac:chgData name="Daniel Pereira" userId="9d9a6c6d5611e777" providerId="LiveId" clId="{FAACEEAB-46CB-4F54-BC5F-BC4B34800FB7}" dt="2022-02-20T21:26:58.744" v="416" actId="14100"/>
+          <ac:picMkLst>
+            <pc:docMk/>
+            <pc:sldMk cId="1708805901" sldId="265"/>
+            <ac:picMk id="3" creationId="{B8BF7FB4-B9AF-4E66-B789-79D79B11BBB0}"/>
+          </ac:picMkLst>
+        </pc:picChg>
+        <pc:picChg chg="del">
+          <ac:chgData name="Daniel Pereira" userId="9d9a6c6d5611e777" providerId="LiveId" clId="{FAACEEAB-46CB-4F54-BC5F-BC4B34800FB7}" dt="2022-02-18T01:55:09.462" v="362" actId="478"/>
+          <ac:picMkLst>
+            <pc:docMk/>
+            <pc:sldMk cId="1708805901" sldId="265"/>
+            <ac:picMk id="3" creationId="{D2E9902A-758D-403F-AA4D-504512D40CD0}"/>
+          </ac:picMkLst>
+        </pc:picChg>
+        <pc:picChg chg="add mod">
+          <ac:chgData name="Daniel Pereira" userId="9d9a6c6d5611e777" providerId="LiveId" clId="{FAACEEAB-46CB-4F54-BC5F-BC4B34800FB7}" dt="2022-02-20T21:33:00.769" v="550" actId="1076"/>
+          <ac:picMkLst>
+            <pc:docMk/>
+            <pc:sldMk cId="1708805901" sldId="265"/>
+            <ac:picMk id="5" creationId="{608389D4-B7E5-4903-A648-96A3DC606C0C}"/>
+          </ac:picMkLst>
+        </pc:picChg>
+        <pc:picChg chg="del">
+          <ac:chgData name="Daniel Pereira" userId="9d9a6c6d5611e777" providerId="LiveId" clId="{FAACEEAB-46CB-4F54-BC5F-BC4B34800FB7}" dt="2022-02-18T01:55:11.143" v="363" actId="478"/>
+          <ac:picMkLst>
+            <pc:docMk/>
+            <pc:sldMk cId="1708805901" sldId="265"/>
+            <ac:picMk id="5" creationId="{9F17454D-D691-436E-93D5-1E0B6F752A09}"/>
+          </ac:picMkLst>
+        </pc:picChg>
+        <pc:picChg chg="add mod">
+          <ac:chgData name="Daniel Pereira" userId="9d9a6c6d5611e777" providerId="LiveId" clId="{FAACEEAB-46CB-4F54-BC5F-BC4B34800FB7}" dt="2022-02-20T21:32:56.059" v="549" actId="14100"/>
+          <ac:picMkLst>
+            <pc:docMk/>
+            <pc:sldMk cId="1708805901" sldId="265"/>
+            <ac:picMk id="7" creationId="{777C52D0-8C4F-45F1-A447-F1FF11B77E89}"/>
+          </ac:picMkLst>
+        </pc:picChg>
+      </pc:sldChg>
+      <pc:sldChg chg="addSp delSp modSp add mod">
+        <pc:chgData name="Daniel Pereira" userId="9d9a6c6d5611e777" providerId="LiveId" clId="{FAACEEAB-46CB-4F54-BC5F-BC4B34800FB7}" dt="2022-02-20T21:39:13.591" v="654" actId="1076"/>
+        <pc:sldMkLst>
+          <pc:docMk/>
+          <pc:sldMk cId="545315332" sldId="266"/>
+        </pc:sldMkLst>
+        <pc:spChg chg="mod">
+          <ac:chgData name="Daniel Pereira" userId="9d9a6c6d5611e777" providerId="LiveId" clId="{FAACEEAB-46CB-4F54-BC5F-BC4B34800FB7}" dt="2022-02-20T21:33:08.349" v="553" actId="20577"/>
+          <ac:spMkLst>
+            <pc:docMk/>
+            <pc:sldMk cId="545315332" sldId="266"/>
+            <ac:spMk id="78" creationId="{00000000-0000-0000-0000-000000000000}"/>
+          </ac:spMkLst>
+        </pc:spChg>
+        <pc:graphicFrameChg chg="mod modGraphic">
+          <ac:chgData name="Daniel Pereira" userId="9d9a6c6d5611e777" providerId="LiveId" clId="{FAACEEAB-46CB-4F54-BC5F-BC4B34800FB7}" dt="2022-02-20T21:37:17.322" v="641" actId="1076"/>
+          <ac:graphicFrameMkLst>
+            <pc:docMk/>
+            <pc:sldMk cId="545315332" sldId="266"/>
+            <ac:graphicFrameMk id="79" creationId="{00000000-0000-0000-0000-000000000000}"/>
+          </ac:graphicFrameMkLst>
+        </pc:graphicFrameChg>
+        <pc:picChg chg="del">
+          <ac:chgData name="Daniel Pereira" userId="9d9a6c6d5611e777" providerId="LiveId" clId="{FAACEEAB-46CB-4F54-BC5F-BC4B34800FB7}" dt="2022-02-20T21:33:10.345" v="554" actId="478"/>
+          <ac:picMkLst>
+            <pc:docMk/>
+            <pc:sldMk cId="545315332" sldId="266"/>
+            <ac:picMk id="3" creationId="{B8BF7FB4-B9AF-4E66-B789-79D79B11BBB0}"/>
+          </ac:picMkLst>
+        </pc:picChg>
+        <pc:picChg chg="add mod">
+          <ac:chgData name="Daniel Pereira" userId="9d9a6c6d5611e777" providerId="LiveId" clId="{FAACEEAB-46CB-4F54-BC5F-BC4B34800FB7}" dt="2022-02-20T21:36:45.218" v="560" actId="14100"/>
+          <ac:picMkLst>
+            <pc:docMk/>
+            <pc:sldMk cId="545315332" sldId="266"/>
+            <ac:picMk id="4" creationId="{3832E362-3159-442B-A847-06D8EF6B7A6A}"/>
+          </ac:picMkLst>
+        </pc:picChg>
+        <pc:picChg chg="del">
+          <ac:chgData name="Daniel Pereira" userId="9d9a6c6d5611e777" providerId="LiveId" clId="{FAACEEAB-46CB-4F54-BC5F-BC4B34800FB7}" dt="2022-02-20T21:33:12.012" v="555" actId="478"/>
+          <ac:picMkLst>
+            <pc:docMk/>
+            <pc:sldMk cId="545315332" sldId="266"/>
+            <ac:picMk id="5" creationId="{608389D4-B7E5-4903-A648-96A3DC606C0C}"/>
+          </ac:picMkLst>
+        </pc:picChg>
+        <pc:picChg chg="del">
+          <ac:chgData name="Daniel Pereira" userId="9d9a6c6d5611e777" providerId="LiveId" clId="{FAACEEAB-46CB-4F54-BC5F-BC4B34800FB7}" dt="2022-02-20T21:33:13.839" v="556" actId="478"/>
+          <ac:picMkLst>
+            <pc:docMk/>
+            <pc:sldMk cId="545315332" sldId="266"/>
+            <ac:picMk id="7" creationId="{777C52D0-8C4F-45F1-A447-F1FF11B77E89}"/>
+          </ac:picMkLst>
+        </pc:picChg>
+        <pc:picChg chg="add mod">
+          <ac:chgData name="Daniel Pereira" userId="9d9a6c6d5611e777" providerId="LiveId" clId="{FAACEEAB-46CB-4F54-BC5F-BC4B34800FB7}" dt="2022-02-20T21:39:08.685" v="653" actId="1076"/>
+          <ac:picMkLst>
+            <pc:docMk/>
+            <pc:sldMk cId="545315332" sldId="266"/>
+            <ac:picMk id="8" creationId="{057C1079-588F-4790-9229-59FB718FC3F7}"/>
+          </ac:picMkLst>
+        </pc:picChg>
+        <pc:picChg chg="add mod">
+          <ac:chgData name="Daniel Pereira" userId="9d9a6c6d5611e777" providerId="LiveId" clId="{FAACEEAB-46CB-4F54-BC5F-BC4B34800FB7}" dt="2022-02-20T21:39:13.591" v="654" actId="1076"/>
+          <ac:picMkLst>
+            <pc:docMk/>
+            <pc:sldMk cId="545315332" sldId="266"/>
+            <ac:picMk id="10" creationId="{9940AE9B-D2AE-411F-8657-86D21E039646}"/>
+          </ac:picMkLst>
+        </pc:picChg>
+      </pc:sldChg>
+      <pc:sldChg chg="delSp modSp add mod">
+        <pc:chgData name="Daniel Pereira" userId="9d9a6c6d5611e777" providerId="LiveId" clId="{FAACEEAB-46CB-4F54-BC5F-BC4B34800FB7}" dt="2022-02-20T21:39:39.921" v="660" actId="478"/>
+        <pc:sldMkLst>
+          <pc:docMk/>
+          <pc:sldMk cId="261580919" sldId="267"/>
+        </pc:sldMkLst>
+        <pc:spChg chg="mod">
+          <ac:chgData name="Daniel Pereira" userId="9d9a6c6d5611e777" providerId="LiveId" clId="{FAACEEAB-46CB-4F54-BC5F-BC4B34800FB7}" dt="2022-02-20T21:39:34.959" v="657" actId="20577"/>
+          <ac:spMkLst>
+            <pc:docMk/>
+            <pc:sldMk cId="261580919" sldId="267"/>
+            <ac:spMk id="78" creationId="{00000000-0000-0000-0000-000000000000}"/>
+          </ac:spMkLst>
+        </pc:spChg>
+        <pc:picChg chg="del">
+          <ac:chgData name="Daniel Pereira" userId="9d9a6c6d5611e777" providerId="LiveId" clId="{FAACEEAB-46CB-4F54-BC5F-BC4B34800FB7}" dt="2022-02-20T21:39:36.672" v="658" actId="478"/>
+          <ac:picMkLst>
+            <pc:docMk/>
+            <pc:sldMk cId="261580919" sldId="267"/>
+            <ac:picMk id="4" creationId="{3832E362-3159-442B-A847-06D8EF6B7A6A}"/>
+          </ac:picMkLst>
+        </pc:picChg>
+        <pc:picChg chg="del">
+          <ac:chgData name="Daniel Pereira" userId="9d9a6c6d5611e777" providerId="LiveId" clId="{FAACEEAB-46CB-4F54-BC5F-BC4B34800FB7}" dt="2022-02-20T21:39:38.280" v="659" actId="478"/>
+          <ac:picMkLst>
+            <pc:docMk/>
+            <pc:sldMk cId="261580919" sldId="267"/>
+            <ac:picMk id="8" creationId="{057C1079-588F-4790-9229-59FB718FC3F7}"/>
+          </ac:picMkLst>
+        </pc:picChg>
+        <pc:picChg chg="del">
+          <ac:chgData name="Daniel Pereira" userId="9d9a6c6d5611e777" providerId="LiveId" clId="{FAACEEAB-46CB-4F54-BC5F-BC4B34800FB7}" dt="2022-02-20T21:39:39.921" v="660" actId="478"/>
+          <ac:picMkLst>
+            <pc:docMk/>
+            <pc:sldMk cId="261580919" sldId="267"/>
+            <ac:picMk id="10" creationId="{9940AE9B-D2AE-411F-8657-86D21E039646}"/>
           </ac:picMkLst>
         </pc:picChg>
       </pc:sldChg>
@@ -998,6 +1229,348 @@
 </p:notes>
 </file>
 
+<file path=ppt/notesSlides/notesSlide10.xml><?xml version="1.0" encoding="utf-8"?>
+<p:notes xmlns:a="http://schemas.openxmlformats.org/drawingml/2006/main" xmlns:r="http://schemas.openxmlformats.org/officeDocument/2006/relationships" xmlns:p="http://schemas.openxmlformats.org/presentationml/2006/main" showMasterSp="0" showMasterPhAnim="0">
+  <p:cSld>
+    <p:spTree>
+      <p:nvGrpSpPr>
+        <p:cNvPr id="1" name="Shape 74"/>
+        <p:cNvGrpSpPr/>
+        <p:nvPr/>
+      </p:nvGrpSpPr>
+      <p:grpSpPr>
+        <a:xfrm>
+          <a:off x="0" y="0"/>
+          <a:ext cx="0" cy="0"/>
+          <a:chOff x="0" y="0"/>
+          <a:chExt cx="0" cy="0"/>
+        </a:xfrm>
+      </p:grpSpPr>
+      <p:sp>
+        <p:nvSpPr>
+          <p:cNvPr id="75" name="Google Shape;75;gac10fef634_0_20:notes"/>
+          <p:cNvSpPr>
+            <a:spLocks noGrp="1" noRot="1" noChangeAspect="1"/>
+          </p:cNvSpPr>
+          <p:nvPr>
+            <p:ph type="sldImg" idx="2"/>
+          </p:nvPr>
+        </p:nvSpPr>
+        <p:spPr>
+          <a:xfrm>
+            <a:off x="381000" y="685800"/>
+            <a:ext cx="6096000" cy="3429000"/>
+          </a:xfrm>
+          <a:custGeom>
+            <a:avLst/>
+            <a:gdLst/>
+            <a:ahLst/>
+            <a:cxnLst/>
+            <a:rect l="l" t="t" r="r" b="b"/>
+            <a:pathLst>
+              <a:path w="120000" h="120000" extrusionOk="0">
+                <a:moveTo>
+                  <a:pt x="0" y="0"/>
+                </a:moveTo>
+                <a:lnTo>
+                  <a:pt x="120000" y="0"/>
+                </a:lnTo>
+                <a:lnTo>
+                  <a:pt x="120000" y="120000"/>
+                </a:lnTo>
+                <a:lnTo>
+                  <a:pt x="0" y="120000"/>
+                </a:lnTo>
+                <a:close/>
+              </a:path>
+            </a:pathLst>
+          </a:custGeom>
+        </p:spPr>
+      </p:sp>
+      <p:sp>
+        <p:nvSpPr>
+          <p:cNvPr id="76" name="Google Shape;76;gac10fef634_0_20:notes"/>
+          <p:cNvSpPr txBox="1">
+            <a:spLocks noGrp="1"/>
+          </p:cNvSpPr>
+          <p:nvPr>
+            <p:ph type="body" idx="1"/>
+          </p:nvPr>
+        </p:nvSpPr>
+        <p:spPr>
+          <a:xfrm>
+            <a:off x="685800" y="4343400"/>
+            <a:ext cx="5486400" cy="4114800"/>
+          </a:xfrm>
+          <a:prstGeom prst="rect">
+            <a:avLst/>
+          </a:prstGeom>
+        </p:spPr>
+        <p:txBody>
+          <a:bodyPr spcFirstLastPara="1" wrap="square" lIns="91425" tIns="91425" rIns="91425" bIns="91425" anchor="t" anchorCtr="0">
+            <a:noAutofit/>
+          </a:bodyPr>
+          <a:lstStyle/>
+          <a:p>
+            <a:pPr marL="0" lvl="0" indent="0" algn="l" rtl="0">
+              <a:spcBef>
+                <a:spcPts val="0"/>
+              </a:spcBef>
+              <a:spcAft>
+                <a:spcPts val="0"/>
+              </a:spcAft>
+              <a:buNone/>
+            </a:pPr>
+            <a:endParaRPr/>
+          </a:p>
+        </p:txBody>
+      </p:sp>
+    </p:spTree>
+    <p:extLst>
+      <p:ext uri="{BB962C8B-B14F-4D97-AF65-F5344CB8AC3E}">
+        <p14:creationId xmlns:p14="http://schemas.microsoft.com/office/powerpoint/2010/main" val="870922320"/>
+      </p:ext>
+    </p:extLst>
+  </p:cSld>
+  <p:clrMapOvr>
+    <a:masterClrMapping/>
+  </p:clrMapOvr>
+</p:notes>
+</file>
+
+<file path=ppt/notesSlides/notesSlide11.xml><?xml version="1.0" encoding="utf-8"?>
+<p:notes xmlns:a="http://schemas.openxmlformats.org/drawingml/2006/main" xmlns:r="http://schemas.openxmlformats.org/officeDocument/2006/relationships" xmlns:p="http://schemas.openxmlformats.org/presentationml/2006/main" showMasterSp="0" showMasterPhAnim="0">
+  <p:cSld>
+    <p:spTree>
+      <p:nvGrpSpPr>
+        <p:cNvPr id="1" name="Shape 80"/>
+        <p:cNvGrpSpPr/>
+        <p:nvPr/>
+      </p:nvGrpSpPr>
+      <p:grpSpPr>
+        <a:xfrm>
+          <a:off x="0" y="0"/>
+          <a:ext cx="0" cy="0"/>
+          <a:chOff x="0" y="0"/>
+          <a:chExt cx="0" cy="0"/>
+        </a:xfrm>
+      </p:grpSpPr>
+      <p:sp>
+        <p:nvSpPr>
+          <p:cNvPr id="81" name="Google Shape;81;gac10fef634_0_25:notes"/>
+          <p:cNvSpPr>
+            <a:spLocks noGrp="1" noRot="1" noChangeAspect="1"/>
+          </p:cNvSpPr>
+          <p:nvPr>
+            <p:ph type="sldImg" idx="2"/>
+          </p:nvPr>
+        </p:nvSpPr>
+        <p:spPr>
+          <a:xfrm>
+            <a:off x="381000" y="685800"/>
+            <a:ext cx="6096000" cy="3429000"/>
+          </a:xfrm>
+          <a:custGeom>
+            <a:avLst/>
+            <a:gdLst/>
+            <a:ahLst/>
+            <a:cxnLst/>
+            <a:rect l="l" t="t" r="r" b="b"/>
+            <a:pathLst>
+              <a:path w="120000" h="120000" extrusionOk="0">
+                <a:moveTo>
+                  <a:pt x="0" y="0"/>
+                </a:moveTo>
+                <a:lnTo>
+                  <a:pt x="120000" y="0"/>
+                </a:lnTo>
+                <a:lnTo>
+                  <a:pt x="120000" y="120000"/>
+                </a:lnTo>
+                <a:lnTo>
+                  <a:pt x="0" y="120000"/>
+                </a:lnTo>
+                <a:close/>
+              </a:path>
+            </a:pathLst>
+          </a:custGeom>
+        </p:spPr>
+      </p:sp>
+      <p:sp>
+        <p:nvSpPr>
+          <p:cNvPr id="82" name="Google Shape;82;gac10fef634_0_25:notes"/>
+          <p:cNvSpPr txBox="1">
+            <a:spLocks noGrp="1"/>
+          </p:cNvSpPr>
+          <p:nvPr>
+            <p:ph type="body" idx="1"/>
+          </p:nvPr>
+        </p:nvSpPr>
+        <p:spPr>
+          <a:xfrm>
+            <a:off x="685800" y="4343400"/>
+            <a:ext cx="5486400" cy="4114800"/>
+          </a:xfrm>
+          <a:prstGeom prst="rect">
+            <a:avLst/>
+          </a:prstGeom>
+        </p:spPr>
+        <p:txBody>
+          <a:bodyPr spcFirstLastPara="1" wrap="square" lIns="91425" tIns="91425" rIns="91425" bIns="91425" anchor="t" anchorCtr="0">
+            <a:noAutofit/>
+          </a:bodyPr>
+          <a:lstStyle/>
+          <a:p>
+            <a:pPr marL="0" lvl="0" indent="0" algn="l" rtl="0">
+              <a:spcBef>
+                <a:spcPts val="0"/>
+              </a:spcBef>
+              <a:spcAft>
+                <a:spcPts val="0"/>
+              </a:spcAft>
+              <a:buClr>
+                <a:schemeClr val="dk1"/>
+              </a:buClr>
+              <a:buSzPts val="1100"/>
+              <a:buFont typeface="Arial"/>
+              <a:buNone/>
+            </a:pPr>
+            <a:r>
+              <a:rPr lang="en"/>
+              <a:t>Your version control evidence should go here.  This could be in the form of annotated screenshots which show you you managed this process or you could make a brief screencast explaining how you implemented version control.</a:t>
+            </a:r>
+            <a:endParaRPr/>
+          </a:p>
+          <a:p>
+            <a:pPr marL="0" lvl="0" indent="0" algn="l" rtl="0">
+              <a:spcBef>
+                <a:spcPts val="0"/>
+              </a:spcBef>
+              <a:spcAft>
+                <a:spcPts val="0"/>
+              </a:spcAft>
+              <a:buNone/>
+            </a:pPr>
+            <a:endParaRPr/>
+          </a:p>
+        </p:txBody>
+      </p:sp>
+    </p:spTree>
+  </p:cSld>
+  <p:clrMapOvr>
+    <a:masterClrMapping/>
+  </p:clrMapOvr>
+</p:notes>
+</file>
+
+<file path=ppt/notesSlides/notesSlide12.xml><?xml version="1.0" encoding="utf-8"?>
+<p:notes xmlns:a="http://schemas.openxmlformats.org/drawingml/2006/main" xmlns:r="http://schemas.openxmlformats.org/officeDocument/2006/relationships" xmlns:p="http://schemas.openxmlformats.org/presentationml/2006/main" showMasterSp="0" showMasterPhAnim="0">
+  <p:cSld>
+    <p:spTree>
+      <p:nvGrpSpPr>
+        <p:cNvPr id="1" name="Shape 86"/>
+        <p:cNvGrpSpPr/>
+        <p:nvPr/>
+      </p:nvGrpSpPr>
+      <p:grpSpPr>
+        <a:xfrm>
+          <a:off x="0" y="0"/>
+          <a:ext cx="0" cy="0"/>
+          <a:chOff x="0" y="0"/>
+          <a:chExt cx="0" cy="0"/>
+        </a:xfrm>
+      </p:grpSpPr>
+      <p:sp>
+        <p:nvSpPr>
+          <p:cNvPr id="87" name="Google Shape;87;gac10fef634_0_30:notes"/>
+          <p:cNvSpPr>
+            <a:spLocks noGrp="1" noRot="1" noChangeAspect="1"/>
+          </p:cNvSpPr>
+          <p:nvPr>
+            <p:ph type="sldImg" idx="2"/>
+          </p:nvPr>
+        </p:nvSpPr>
+        <p:spPr>
+          <a:xfrm>
+            <a:off x="381000" y="685800"/>
+            <a:ext cx="6096000" cy="3429000"/>
+          </a:xfrm>
+          <a:custGeom>
+            <a:avLst/>
+            <a:gdLst/>
+            <a:ahLst/>
+            <a:cxnLst/>
+            <a:rect l="l" t="t" r="r" b="b"/>
+            <a:pathLst>
+              <a:path w="120000" h="120000" extrusionOk="0">
+                <a:moveTo>
+                  <a:pt x="0" y="0"/>
+                </a:moveTo>
+                <a:lnTo>
+                  <a:pt x="120000" y="0"/>
+                </a:lnTo>
+                <a:lnTo>
+                  <a:pt x="120000" y="120000"/>
+                </a:lnTo>
+                <a:lnTo>
+                  <a:pt x="0" y="120000"/>
+                </a:lnTo>
+                <a:close/>
+              </a:path>
+            </a:pathLst>
+          </a:custGeom>
+        </p:spPr>
+      </p:sp>
+      <p:sp>
+        <p:nvSpPr>
+          <p:cNvPr id="88" name="Google Shape;88;gac10fef634_0_30:notes"/>
+          <p:cNvSpPr txBox="1">
+            <a:spLocks noGrp="1"/>
+          </p:cNvSpPr>
+          <p:nvPr>
+            <p:ph type="body" idx="1"/>
+          </p:nvPr>
+        </p:nvSpPr>
+        <p:spPr>
+          <a:xfrm>
+            <a:off x="685800" y="4343400"/>
+            <a:ext cx="5486400" cy="4114800"/>
+          </a:xfrm>
+          <a:prstGeom prst="rect">
+            <a:avLst/>
+          </a:prstGeom>
+        </p:spPr>
+        <p:txBody>
+          <a:bodyPr spcFirstLastPara="1" wrap="square" lIns="91425" tIns="91425" rIns="91425" bIns="91425" anchor="t" anchorCtr="0">
+            <a:noAutofit/>
+          </a:bodyPr>
+          <a:lstStyle/>
+          <a:p>
+            <a:pPr marL="0" lvl="0" indent="0" algn="l" rtl="0">
+              <a:spcBef>
+                <a:spcPts val="0"/>
+              </a:spcBef>
+              <a:spcAft>
+                <a:spcPts val="0"/>
+              </a:spcAft>
+              <a:buNone/>
+            </a:pPr>
+            <a:r>
+              <a:rPr lang="en"/>
+              <a:t>Discusses how the information from planning, testing and trialling of components assisted in the development of a high-quality outcome</a:t>
+            </a:r>
+            <a:endParaRPr/>
+          </a:p>
+        </p:txBody>
+      </p:sp>
+    </p:spTree>
+  </p:cSld>
+  <p:clrMapOvr>
+    <a:masterClrMapping/>
+  </p:clrMapOvr>
+</p:notes>
+</file>
+
 <file path=ppt/notesSlides/notesSlide2.xml><?xml version="1.0" encoding="utf-8"?>
 <p:notes xmlns:a="http://schemas.openxmlformats.org/drawingml/2006/main" xmlns:r="http://schemas.openxmlformats.org/officeDocument/2006/relationships" xmlns:p="http://schemas.openxmlformats.org/presentationml/2006/main" showMasterSp="0" showMasterPhAnim="0">
   <p:cSld>
@@ -1553,7 +2126,7 @@
   <p:cSld>
     <p:spTree>
       <p:nvGrpSpPr>
-        <p:cNvPr id="1" name="Shape 80"/>
+        <p:cNvPr id="1" name="Shape 69"/>
         <p:cNvGrpSpPr/>
         <p:nvPr/>
       </p:nvGrpSpPr>
@@ -1567,7 +2140,7 @@
       </p:grpSpPr>
       <p:sp>
         <p:nvSpPr>
-          <p:cNvPr id="81" name="Google Shape;81;gac10fef634_0_25:notes"/>
+          <p:cNvPr id="70" name="Google Shape;70;gac10fef634_0_16:notes"/>
           <p:cNvSpPr>
             <a:spLocks noGrp="1" noRot="1" noChangeAspect="1"/>
           </p:cNvSpPr>
@@ -1608,7 +2181,7 @@
       </p:sp>
       <p:sp>
         <p:nvSpPr>
-          <p:cNvPr id="82" name="Google Shape;82;gac10fef634_0_25:notes"/>
+          <p:cNvPr id="71" name="Google Shape;71;gac10fef634_0_16:notes"/>
           <p:cNvSpPr txBox="1">
             <a:spLocks noGrp="1"/>
           </p:cNvSpPr>
@@ -1638,27 +2211,6 @@
               <a:spcAft>
                 <a:spcPts val="0"/>
               </a:spcAft>
-              <a:buClr>
-                <a:schemeClr val="dk1"/>
-              </a:buClr>
-              <a:buSzPts val="1100"/>
-              <a:buFont typeface="Arial"/>
-              <a:buNone/>
-            </a:pPr>
-            <a:r>
-              <a:rPr lang="en"/>
-              <a:t>Your version control evidence should go here.  This could be in the form of annotated screenshots which show you you managed this process or you could make a brief screencast explaining how you implemented version control.</a:t>
-            </a:r>
-            <a:endParaRPr/>
-          </a:p>
-          <a:p>
-            <a:pPr marL="0" lvl="0" indent="0" algn="l" rtl="0">
-              <a:spcBef>
-                <a:spcPts val="0"/>
-              </a:spcBef>
-              <a:spcAft>
-                <a:spcPts val="0"/>
-              </a:spcAft>
               <a:buNone/>
             </a:pPr>
             <a:endParaRPr/>
@@ -1666,6 +2218,11 @@
         </p:txBody>
       </p:sp>
     </p:spTree>
+    <p:extLst>
+      <p:ext uri="{BB962C8B-B14F-4D97-AF65-F5344CB8AC3E}">
+        <p14:creationId xmlns:p14="http://schemas.microsoft.com/office/powerpoint/2010/main" val="4111395385"/>
+      </p:ext>
+    </p:extLst>
   </p:cSld>
   <p:clrMapOvr>
     <a:masterClrMapping/>
@@ -1678,7 +2235,7 @@
   <p:cSld>
     <p:spTree>
       <p:nvGrpSpPr>
-        <p:cNvPr id="1" name="Shape 86"/>
+        <p:cNvPr id="1" name="Shape 74"/>
         <p:cNvGrpSpPr/>
         <p:nvPr/>
       </p:nvGrpSpPr>
@@ -1692,7 +2249,7 @@
       </p:grpSpPr>
       <p:sp>
         <p:nvSpPr>
-          <p:cNvPr id="87" name="Google Shape;87;gac10fef634_0_30:notes"/>
+          <p:cNvPr id="75" name="Google Shape;75;gac10fef634_0_20:notes"/>
           <p:cNvSpPr>
             <a:spLocks noGrp="1" noRot="1" noChangeAspect="1"/>
           </p:cNvSpPr>
@@ -1733,7 +2290,7 @@
       </p:sp>
       <p:sp>
         <p:nvSpPr>
-          <p:cNvPr id="88" name="Google Shape;88;gac10fef634_0_30:notes"/>
+          <p:cNvPr id="76" name="Google Shape;76;gac10fef634_0_20:notes"/>
           <p:cNvSpPr txBox="1">
             <a:spLocks noGrp="1"/>
           </p:cNvSpPr>
@@ -1765,15 +2322,125 @@
               </a:spcAft>
               <a:buNone/>
             </a:pPr>
-            <a:r>
-              <a:rPr lang="en"/>
-              <a:t>Discusses how the information from planning, testing and trialling of components assisted in the development of a high-quality outcome</a:t>
-            </a:r>
             <a:endParaRPr/>
           </a:p>
         </p:txBody>
       </p:sp>
     </p:spTree>
+    <p:extLst>
+      <p:ext uri="{BB962C8B-B14F-4D97-AF65-F5344CB8AC3E}">
+        <p14:creationId xmlns:p14="http://schemas.microsoft.com/office/powerpoint/2010/main" val="303022213"/>
+      </p:ext>
+    </p:extLst>
+  </p:cSld>
+  <p:clrMapOvr>
+    <a:masterClrMapping/>
+  </p:clrMapOvr>
+</p:notes>
+</file>
+
+<file path=ppt/notesSlides/notesSlide9.xml><?xml version="1.0" encoding="utf-8"?>
+<p:notes xmlns:a="http://schemas.openxmlformats.org/drawingml/2006/main" xmlns:r="http://schemas.openxmlformats.org/officeDocument/2006/relationships" xmlns:p="http://schemas.openxmlformats.org/presentationml/2006/main" showMasterSp="0" showMasterPhAnim="0">
+  <p:cSld>
+    <p:spTree>
+      <p:nvGrpSpPr>
+        <p:cNvPr id="1" name="Shape 74"/>
+        <p:cNvGrpSpPr/>
+        <p:nvPr/>
+      </p:nvGrpSpPr>
+      <p:grpSpPr>
+        <a:xfrm>
+          <a:off x="0" y="0"/>
+          <a:ext cx="0" cy="0"/>
+          <a:chOff x="0" y="0"/>
+          <a:chExt cx="0" cy="0"/>
+        </a:xfrm>
+      </p:grpSpPr>
+      <p:sp>
+        <p:nvSpPr>
+          <p:cNvPr id="75" name="Google Shape;75;gac10fef634_0_20:notes"/>
+          <p:cNvSpPr>
+            <a:spLocks noGrp="1" noRot="1" noChangeAspect="1"/>
+          </p:cNvSpPr>
+          <p:nvPr>
+            <p:ph type="sldImg" idx="2"/>
+          </p:nvPr>
+        </p:nvSpPr>
+        <p:spPr>
+          <a:xfrm>
+            <a:off x="381000" y="685800"/>
+            <a:ext cx="6096000" cy="3429000"/>
+          </a:xfrm>
+          <a:custGeom>
+            <a:avLst/>
+            <a:gdLst/>
+            <a:ahLst/>
+            <a:cxnLst/>
+            <a:rect l="l" t="t" r="r" b="b"/>
+            <a:pathLst>
+              <a:path w="120000" h="120000" extrusionOk="0">
+                <a:moveTo>
+                  <a:pt x="0" y="0"/>
+                </a:moveTo>
+                <a:lnTo>
+                  <a:pt x="120000" y="0"/>
+                </a:lnTo>
+                <a:lnTo>
+                  <a:pt x="120000" y="120000"/>
+                </a:lnTo>
+                <a:lnTo>
+                  <a:pt x="0" y="120000"/>
+                </a:lnTo>
+                <a:close/>
+              </a:path>
+            </a:pathLst>
+          </a:custGeom>
+        </p:spPr>
+      </p:sp>
+      <p:sp>
+        <p:nvSpPr>
+          <p:cNvPr id="76" name="Google Shape;76;gac10fef634_0_20:notes"/>
+          <p:cNvSpPr txBox="1">
+            <a:spLocks noGrp="1"/>
+          </p:cNvSpPr>
+          <p:nvPr>
+            <p:ph type="body" idx="1"/>
+          </p:nvPr>
+        </p:nvSpPr>
+        <p:spPr>
+          <a:xfrm>
+            <a:off x="685800" y="4343400"/>
+            <a:ext cx="5486400" cy="4114800"/>
+          </a:xfrm>
+          <a:prstGeom prst="rect">
+            <a:avLst/>
+          </a:prstGeom>
+        </p:spPr>
+        <p:txBody>
+          <a:bodyPr spcFirstLastPara="1" wrap="square" lIns="91425" tIns="91425" rIns="91425" bIns="91425" anchor="t" anchorCtr="0">
+            <a:noAutofit/>
+          </a:bodyPr>
+          <a:lstStyle/>
+          <a:p>
+            <a:pPr marL="0" lvl="0" indent="0" algn="l" rtl="0">
+              <a:spcBef>
+                <a:spcPts val="0"/>
+              </a:spcBef>
+              <a:spcAft>
+                <a:spcPts val="0"/>
+              </a:spcAft>
+              <a:buNone/>
+            </a:pPr>
+            <a:endParaRPr/>
+          </a:p>
+        </p:txBody>
+      </p:sp>
+    </p:spTree>
+    <p:extLst>
+      <p:ext uri="{BB962C8B-B14F-4D97-AF65-F5344CB8AC3E}">
+        <p14:creationId xmlns:p14="http://schemas.microsoft.com/office/powerpoint/2010/main" val="1488301914"/>
+      </p:ext>
+    </p:extLst>
   </p:cSld>
   <p:clrMapOvr>
     <a:masterClrMapping/>
@@ -6826,6 +7493,455 @@
 </p:sld>
 </file>
 
+<file path=ppt/slides/slide10.xml><?xml version="1.0" encoding="utf-8"?>
+<p:sld xmlns:a="http://schemas.openxmlformats.org/drawingml/2006/main" xmlns:r="http://schemas.openxmlformats.org/officeDocument/2006/relationships" xmlns:p="http://schemas.openxmlformats.org/presentationml/2006/main">
+  <p:cSld>
+    <p:spTree>
+      <p:nvGrpSpPr>
+        <p:cNvPr id="1" name="Shape 77"/>
+        <p:cNvGrpSpPr/>
+        <p:nvPr/>
+      </p:nvGrpSpPr>
+      <p:grpSpPr>
+        <a:xfrm>
+          <a:off x="0" y="0"/>
+          <a:ext cx="0" cy="0"/>
+          <a:chOff x="0" y="0"/>
+          <a:chExt cx="0" cy="0"/>
+        </a:xfrm>
+      </p:grpSpPr>
+      <p:sp>
+        <p:nvSpPr>
+          <p:cNvPr id="78" name="Google Shape;78;p17"/>
+          <p:cNvSpPr txBox="1">
+            <a:spLocks noGrp="1"/>
+          </p:cNvSpPr>
+          <p:nvPr>
+            <p:ph type="title"/>
+          </p:nvPr>
+        </p:nvSpPr>
+        <p:spPr>
+          <a:xfrm>
+            <a:off x="311700" y="445025"/>
+            <a:ext cx="8520600" cy="572700"/>
+          </a:xfrm>
+          <a:prstGeom prst="rect">
+            <a:avLst/>
+          </a:prstGeom>
+        </p:spPr>
+        <p:txBody>
+          <a:bodyPr spcFirstLastPara="1" wrap="square" lIns="91425" tIns="91425" rIns="91425" bIns="91425" anchor="t" anchorCtr="0">
+            <a:noAutofit/>
+          </a:bodyPr>
+          <a:lstStyle/>
+          <a:p>
+            <a:pPr marL="0" lvl="0" indent="0" algn="l" rtl="0">
+              <a:spcBef>
+                <a:spcPts val="0"/>
+              </a:spcBef>
+              <a:spcAft>
+                <a:spcPts val="0"/>
+              </a:spcAft>
+              <a:buNone/>
+            </a:pPr>
+            <a:r>
+              <a:rPr lang="en" dirty="0"/>
+              <a:t>Component 2 version 3 - Test Plan (and screenshot)</a:t>
+            </a:r>
+            <a:endParaRPr dirty="0"/>
+          </a:p>
+        </p:txBody>
+      </p:sp>
+      <p:graphicFrame>
+        <p:nvGraphicFramePr>
+          <p:cNvPr id="79" name="Google Shape;79;p17"/>
+          <p:cNvGraphicFramePr/>
+          <p:nvPr/>
+        </p:nvGraphicFramePr>
+        <p:xfrm>
+          <a:off x="311700" y="3346462"/>
+          <a:ext cx="8520600" cy="1737300"/>
+        </p:xfrm>
+        <a:graphic>
+          <a:graphicData uri="http://schemas.openxmlformats.org/drawingml/2006/table">
+            <a:tbl>
+              <a:tblPr>
+                <a:noFill/>
+                <a:tableStyleId>{E1099E06-0E6B-448D-9D27-60429F06E6F4}</a:tableStyleId>
+              </a:tblPr>
+              <a:tblGrid>
+                <a:gridCol w="4260300">
+                  <a:extLst>
+                    <a:ext uri="{9D8B030D-6E8A-4147-A177-3AD203B41FA5}">
+                      <a16:colId xmlns:a16="http://schemas.microsoft.com/office/drawing/2014/main" val="20000"/>
+                    </a:ext>
+                  </a:extLst>
+                </a:gridCol>
+                <a:gridCol w="4260300">
+                  <a:extLst>
+                    <a:ext uri="{9D8B030D-6E8A-4147-A177-3AD203B41FA5}">
+                      <a16:colId xmlns:a16="http://schemas.microsoft.com/office/drawing/2014/main" val="20001"/>
+                    </a:ext>
+                  </a:extLst>
+                </a:gridCol>
+              </a:tblGrid>
+              <a:tr h="381000">
+                <a:tc>
+                  <a:txBody>
+                    <a:bodyPr/>
+                    <a:lstStyle/>
+                    <a:p>
+                      <a:pPr marL="0" lvl="0" indent="0" algn="l" rtl="0">
+                        <a:spcBef>
+                          <a:spcPts val="0"/>
+                        </a:spcBef>
+                        <a:spcAft>
+                          <a:spcPts val="0"/>
+                        </a:spcAft>
+                        <a:buNone/>
+                      </a:pPr>
+                      <a:r>
+                        <a:rPr lang="en" sz="1800" b="1"/>
+                        <a:t>Test Case</a:t>
+                      </a:r>
+                      <a:endParaRPr sz="1800" b="1"/>
+                    </a:p>
+                  </a:txBody>
+                  <a:tcPr marL="91425" marR="91425" marT="91425" marB="91425">
+                    <a:solidFill>
+                      <a:srgbClr val="CCCCCC"/>
+                    </a:solidFill>
+                  </a:tcPr>
+                </a:tc>
+                <a:tc>
+                  <a:txBody>
+                    <a:bodyPr/>
+                    <a:lstStyle/>
+                    <a:p>
+                      <a:pPr marL="0" lvl="0" indent="0" algn="l" rtl="0">
+                        <a:spcBef>
+                          <a:spcPts val="0"/>
+                        </a:spcBef>
+                        <a:spcAft>
+                          <a:spcPts val="0"/>
+                        </a:spcAft>
+                        <a:buNone/>
+                      </a:pPr>
+                      <a:r>
+                        <a:rPr lang="en" sz="1800" b="1"/>
+                        <a:t>Expected Values</a:t>
+                      </a:r>
+                      <a:endParaRPr sz="1800" b="1"/>
+                    </a:p>
+                  </a:txBody>
+                  <a:tcPr marL="91425" marR="91425" marT="91425" marB="91425">
+                    <a:solidFill>
+                      <a:srgbClr val="CCCCCC"/>
+                    </a:solidFill>
+                  </a:tcPr>
+                </a:tc>
+                <a:extLst>
+                  <a:ext uri="{0D108BD9-81ED-4DB2-BD59-A6C34878D82A}">
+                    <a16:rowId xmlns:a16="http://schemas.microsoft.com/office/drawing/2014/main" val="10000"/>
+                  </a:ext>
+                </a:extLst>
+              </a:tr>
+              <a:tr h="396200">
+                <a:tc>
+                  <a:txBody>
+                    <a:bodyPr/>
+                    <a:lstStyle/>
+                    <a:p>
+                      <a:pPr marL="0" lvl="0" indent="0" algn="l" rtl="0">
+                        <a:spcBef>
+                          <a:spcPts val="0"/>
+                        </a:spcBef>
+                        <a:spcAft>
+                          <a:spcPts val="0"/>
+                        </a:spcAft>
+                        <a:buNone/>
+                      </a:pPr>
+                      <a:r>
+                        <a:rPr lang="en-US" sz="1800" dirty="0"/>
+                        <a:t>Run Program</a:t>
+                      </a:r>
+                      <a:endParaRPr sz="1800" dirty="0"/>
+                    </a:p>
+                  </a:txBody>
+                  <a:tcPr marL="91425" marR="91425" marT="91425" marB="91425"/>
+                </a:tc>
+                <a:tc>
+                  <a:txBody>
+                    <a:bodyPr/>
+                    <a:lstStyle/>
+                    <a:p>
+                      <a:pPr marL="0" lvl="0" indent="0" algn="l" rtl="0">
+                        <a:spcBef>
+                          <a:spcPts val="0"/>
+                        </a:spcBef>
+                        <a:spcAft>
+                          <a:spcPts val="0"/>
+                        </a:spcAft>
+                        <a:buNone/>
+                      </a:pPr>
+                      <a:r>
+                        <a:rPr lang="en-US" sz="1800" dirty="0"/>
+                        <a:t>Enter p, program prints pickup</a:t>
+                      </a:r>
+                    </a:p>
+                    <a:p>
+                      <a:pPr marL="0" lvl="0" indent="0" algn="l" rtl="0">
+                        <a:spcBef>
+                          <a:spcPts val="0"/>
+                        </a:spcBef>
+                        <a:spcAft>
+                          <a:spcPts val="0"/>
+                        </a:spcAft>
+                        <a:buNone/>
+                      </a:pPr>
+                      <a:r>
+                        <a:rPr lang="en-US" sz="1800" dirty="0"/>
+                        <a:t>Enter d, program prints delivery</a:t>
+                      </a:r>
+                    </a:p>
+                    <a:p>
+                      <a:pPr marL="0" lvl="0" indent="0" algn="l" rtl="0">
+                        <a:spcBef>
+                          <a:spcPts val="0"/>
+                        </a:spcBef>
+                        <a:spcAft>
+                          <a:spcPts val="0"/>
+                        </a:spcAft>
+                        <a:buNone/>
+                      </a:pPr>
+                      <a:r>
+                        <a:rPr lang="en-US" sz="1800" dirty="0"/>
+                        <a:t>Enter invalid, program prints error message</a:t>
+                      </a:r>
+                      <a:endParaRPr sz="1800" dirty="0"/>
+                    </a:p>
+                  </a:txBody>
+                  <a:tcPr marL="91425" marR="91425" marT="91425" marB="91425"/>
+                </a:tc>
+                <a:extLst>
+                  <a:ext uri="{0D108BD9-81ED-4DB2-BD59-A6C34878D82A}">
+                    <a16:rowId xmlns:a16="http://schemas.microsoft.com/office/drawing/2014/main" val="10001"/>
+                  </a:ext>
+                </a:extLst>
+              </a:tr>
+            </a:tbl>
+          </a:graphicData>
+        </a:graphic>
+      </p:graphicFrame>
+    </p:spTree>
+    <p:extLst>
+      <p:ext uri="{BB962C8B-B14F-4D97-AF65-F5344CB8AC3E}">
+        <p14:creationId xmlns:p14="http://schemas.microsoft.com/office/powerpoint/2010/main" val="261580919"/>
+      </p:ext>
+    </p:extLst>
+  </p:cSld>
+  <p:clrMapOvr>
+    <a:masterClrMapping/>
+  </p:clrMapOvr>
+</p:sld>
+</file>
+
+<file path=ppt/slides/slide11.xml><?xml version="1.0" encoding="utf-8"?>
+<p:sld xmlns:a="http://schemas.openxmlformats.org/drawingml/2006/main" xmlns:r="http://schemas.openxmlformats.org/officeDocument/2006/relationships" xmlns:p="http://schemas.openxmlformats.org/presentationml/2006/main">
+  <p:cSld>
+    <p:bg>
+      <p:bgPr>
+        <a:solidFill>
+          <a:srgbClr val="D9EAD3"/>
+        </a:solidFill>
+        <a:effectLst/>
+      </p:bgPr>
+    </p:bg>
+    <p:spTree>
+      <p:nvGrpSpPr>
+        <p:cNvPr id="1" name="Shape 83"/>
+        <p:cNvGrpSpPr/>
+        <p:nvPr/>
+      </p:nvGrpSpPr>
+      <p:grpSpPr>
+        <a:xfrm>
+          <a:off x="0" y="0"/>
+          <a:ext cx="0" cy="0"/>
+          <a:chOff x="0" y="0"/>
+          <a:chExt cx="0" cy="0"/>
+        </a:xfrm>
+      </p:grpSpPr>
+      <p:sp>
+        <p:nvSpPr>
+          <p:cNvPr id="84" name="Google Shape;84;p18"/>
+          <p:cNvSpPr txBox="1">
+            <a:spLocks noGrp="1"/>
+          </p:cNvSpPr>
+          <p:nvPr>
+            <p:ph type="title"/>
+          </p:nvPr>
+        </p:nvSpPr>
+        <p:spPr>
+          <a:xfrm>
+            <a:off x="311700" y="445025"/>
+            <a:ext cx="8520600" cy="572700"/>
+          </a:xfrm>
+          <a:prstGeom prst="rect">
+            <a:avLst/>
+          </a:prstGeom>
+        </p:spPr>
+        <p:txBody>
+          <a:bodyPr spcFirstLastPara="1" wrap="square" lIns="91425" tIns="91425" rIns="91425" bIns="91425" anchor="t" anchorCtr="0">
+            <a:noAutofit/>
+          </a:bodyPr>
+          <a:lstStyle/>
+          <a:p>
+            <a:pPr marL="0" lvl="0" indent="0" algn="l" rtl="0">
+              <a:spcBef>
+                <a:spcPts val="0"/>
+              </a:spcBef>
+              <a:spcAft>
+                <a:spcPts val="0"/>
+              </a:spcAft>
+              <a:buNone/>
+            </a:pPr>
+            <a:r>
+              <a:rPr lang="en"/>
+              <a:t>Version Control Evidence</a:t>
+            </a:r>
+            <a:endParaRPr/>
+          </a:p>
+        </p:txBody>
+      </p:sp>
+      <p:sp>
+        <p:nvSpPr>
+          <p:cNvPr id="85" name="Google Shape;85;p18"/>
+          <p:cNvSpPr txBox="1">
+            <a:spLocks noGrp="1"/>
+          </p:cNvSpPr>
+          <p:nvPr>
+            <p:ph type="body" idx="1"/>
+          </p:nvPr>
+        </p:nvSpPr>
+        <p:spPr>
+          <a:xfrm>
+            <a:off x="311700" y="1152475"/>
+            <a:ext cx="8464200" cy="3739200"/>
+          </a:xfrm>
+          <a:prstGeom prst="rect">
+            <a:avLst/>
+          </a:prstGeom>
+        </p:spPr>
+        <p:txBody>
+          <a:bodyPr spcFirstLastPara="1" wrap="square" lIns="91425" tIns="91425" rIns="91425" bIns="91425" anchor="t" anchorCtr="0">
+            <a:noAutofit/>
+          </a:bodyPr>
+          <a:lstStyle/>
+          <a:p>
+            <a:pPr marL="0" lvl="0" indent="0" algn="l" rtl="0">
+              <a:spcBef>
+                <a:spcPts val="0"/>
+              </a:spcBef>
+              <a:spcAft>
+                <a:spcPts val="1600"/>
+              </a:spcAft>
+              <a:buNone/>
+            </a:pPr>
+            <a:r>
+              <a:rPr lang="en" i="1"/>
+              <a:t>Your version control evidence should go here.  This could be in the form of annotated screenshots which show you you managed this process or you could make a brief screencast explaining how you implemented version control.</a:t>
+            </a:r>
+            <a:endParaRPr i="1"/>
+          </a:p>
+        </p:txBody>
+      </p:sp>
+    </p:spTree>
+  </p:cSld>
+  <p:clrMapOvr>
+    <a:masterClrMapping/>
+  </p:clrMapOvr>
+</p:sld>
+</file>
+
+<file path=ppt/slides/slide12.xml><?xml version="1.0" encoding="utf-8"?>
+<p:sld xmlns:a="http://schemas.openxmlformats.org/drawingml/2006/main" xmlns:r="http://schemas.openxmlformats.org/officeDocument/2006/relationships" xmlns:p="http://schemas.openxmlformats.org/presentationml/2006/main">
+  <p:cSld>
+    <p:bg>
+      <p:bgPr>
+        <a:solidFill>
+          <a:srgbClr val="FFE599"/>
+        </a:solidFill>
+        <a:effectLst/>
+      </p:bgPr>
+    </p:bg>
+    <p:spTree>
+      <p:nvGrpSpPr>
+        <p:cNvPr id="1" name="Shape 89"/>
+        <p:cNvGrpSpPr/>
+        <p:nvPr/>
+      </p:nvGrpSpPr>
+      <p:grpSpPr>
+        <a:xfrm>
+          <a:off x="0" y="0"/>
+          <a:ext cx="0" cy="0"/>
+          <a:chOff x="0" y="0"/>
+          <a:chExt cx="0" cy="0"/>
+        </a:xfrm>
+      </p:grpSpPr>
+      <p:sp>
+        <p:nvSpPr>
+          <p:cNvPr id="90" name="Google Shape;90;p19"/>
+          <p:cNvSpPr txBox="1">
+            <a:spLocks noGrp="1"/>
+          </p:cNvSpPr>
+          <p:nvPr>
+            <p:ph type="body" idx="1"/>
+          </p:nvPr>
+        </p:nvSpPr>
+        <p:spPr>
+          <a:xfrm>
+            <a:off x="311700" y="397700"/>
+            <a:ext cx="8520600" cy="4171200"/>
+          </a:xfrm>
+          <a:prstGeom prst="rect">
+            <a:avLst/>
+          </a:prstGeom>
+        </p:spPr>
+        <p:txBody>
+          <a:bodyPr spcFirstLastPara="1" wrap="square" lIns="91425" tIns="91425" rIns="91425" bIns="91425" anchor="t" anchorCtr="0">
+            <a:noAutofit/>
+          </a:bodyPr>
+          <a:lstStyle/>
+          <a:p>
+            <a:pPr marL="0" lvl="0" indent="0" algn="l" rtl="0">
+              <a:spcBef>
+                <a:spcPts val="0"/>
+              </a:spcBef>
+              <a:spcAft>
+                <a:spcPts val="1600"/>
+              </a:spcAft>
+              <a:buNone/>
+            </a:pPr>
+            <a:r>
+              <a:rPr lang="en" b="1" i="1">
+                <a:solidFill>
+                  <a:srgbClr val="595959"/>
+                </a:solidFill>
+              </a:rPr>
+              <a:t>Discusses how the information from planning, testing and trialling of components assisted in the development of a high-quality outcome</a:t>
+            </a:r>
+            <a:endParaRPr/>
+          </a:p>
+        </p:txBody>
+      </p:sp>
+    </p:spTree>
+  </p:cSld>
+  <p:clrMapOvr>
+    <a:masterClrMapping/>
+  </p:clrMapOvr>
+</p:sld>
+</file>
+
 <file path=ppt/slides/slide2.xml><?xml version="1.0" encoding="utf-8"?>
 <p:sld xmlns:a="http://schemas.openxmlformats.org/drawingml/2006/main" xmlns:r="http://schemas.openxmlformats.org/officeDocument/2006/relationships" xmlns:p="http://schemas.openxmlformats.org/presentationml/2006/main">
   <p:cSld>
@@ -7851,7 +8967,7 @@
     </p:bg>
     <p:spTree>
       <p:nvGrpSpPr>
-        <p:cNvPr id="1" name="Shape 83"/>
+        <p:cNvPr id="1" name="Shape 72"/>
         <p:cNvGrpSpPr/>
         <p:nvPr/>
       </p:nvGrpSpPr>
@@ -7865,7 +8981,7 @@
       </p:grpSpPr>
       <p:sp>
         <p:nvSpPr>
-          <p:cNvPr id="84" name="Google Shape;84;p18"/>
+          <p:cNvPr id="73" name="Google Shape;73;p16"/>
           <p:cNvSpPr txBox="1">
             <a:spLocks noGrp="1"/>
           </p:cNvSpPr>
@@ -7898,56 +9014,49 @@
               <a:buNone/>
             </a:pPr>
             <a:r>
-              <a:rPr lang="en"/>
-              <a:t>Version Control Evidence</a:t>
+              <a:rPr lang="en" dirty="0"/>
+              <a:t>Component 2 (Trello screenshot)</a:t>
             </a:r>
-            <a:endParaRPr/>
+            <a:endParaRPr dirty="0"/>
           </a:p>
         </p:txBody>
       </p:sp>
-      <p:sp>
-        <p:nvSpPr>
-          <p:cNvPr id="85" name="Google Shape;85;p18"/>
-          <p:cNvSpPr txBox="1">
-            <a:spLocks noGrp="1"/>
-          </p:cNvSpPr>
-          <p:nvPr>
-            <p:ph type="body" idx="1"/>
-          </p:nvPr>
-        </p:nvSpPr>
+      <p:pic>
+        <p:nvPicPr>
+          <p:cNvPr id="3" name="Picture 2">
+            <a:extLst>
+              <a:ext uri="{FF2B5EF4-FFF2-40B4-BE49-F238E27FC236}">
+                <a16:creationId xmlns:a16="http://schemas.microsoft.com/office/drawing/2014/main" id="{197D0697-87BD-40C4-BD69-675F260A2009}"/>
+              </a:ext>
+            </a:extLst>
+          </p:cNvPr>
+          <p:cNvPicPr>
+            <a:picLocks noChangeAspect="1"/>
+          </p:cNvPicPr>
+          <p:nvPr/>
+        </p:nvPicPr>
+        <p:blipFill>
+          <a:blip r:embed="rId3"/>
+          <a:stretch>
+            <a:fillRect/>
+          </a:stretch>
+        </p:blipFill>
         <p:spPr>
           <a:xfrm>
-            <a:off x="311700" y="1152475"/>
-            <a:ext cx="8464200" cy="3739200"/>
+            <a:off x="170985" y="1761893"/>
+            <a:ext cx="4757854" cy="1944251"/>
           </a:xfrm>
           <a:prstGeom prst="rect">
             <a:avLst/>
           </a:prstGeom>
         </p:spPr>
-        <p:txBody>
-          <a:bodyPr spcFirstLastPara="1" wrap="square" lIns="91425" tIns="91425" rIns="91425" bIns="91425" anchor="t" anchorCtr="0">
-            <a:noAutofit/>
-          </a:bodyPr>
-          <a:lstStyle/>
-          <a:p>
-            <a:pPr marL="0" lvl="0" indent="0" algn="l" rtl="0">
-              <a:spcBef>
-                <a:spcPts val="0"/>
-              </a:spcBef>
-              <a:spcAft>
-                <a:spcPts val="1600"/>
-              </a:spcAft>
-              <a:buNone/>
-            </a:pPr>
-            <a:r>
-              <a:rPr lang="en" i="1"/>
-              <a:t>Your version control evidence should go here.  This could be in the form of annotated screenshots which show you you managed this process or you could make a brief screencast explaining how you implemented version control.</a:t>
-            </a:r>
-            <a:endParaRPr i="1"/>
-          </a:p>
-        </p:txBody>
-      </p:sp>
+      </p:pic>
     </p:spTree>
+    <p:extLst>
+      <p:ext uri="{BB962C8B-B14F-4D97-AF65-F5344CB8AC3E}">
+        <p14:creationId xmlns:p14="http://schemas.microsoft.com/office/powerpoint/2010/main" val="2184574201"/>
+      </p:ext>
+    </p:extLst>
   </p:cSld>
   <p:clrMapOvr>
     <a:masterClrMapping/>
@@ -7958,17 +9067,9 @@
 <file path=ppt/slides/slide8.xml><?xml version="1.0" encoding="utf-8"?>
 <p:sld xmlns:a="http://schemas.openxmlformats.org/drawingml/2006/main" xmlns:r="http://schemas.openxmlformats.org/officeDocument/2006/relationships" xmlns:p="http://schemas.openxmlformats.org/presentationml/2006/main">
   <p:cSld>
-    <p:bg>
-      <p:bgPr>
-        <a:solidFill>
-          <a:srgbClr val="FFE599"/>
-        </a:solidFill>
-        <a:effectLst/>
-      </p:bgPr>
-    </p:bg>
     <p:spTree>
       <p:nvGrpSpPr>
-        <p:cNvPr id="1" name="Shape 89"/>
+        <p:cNvPr id="1" name="Shape 77"/>
         <p:cNvGrpSpPr/>
         <p:nvPr/>
       </p:nvGrpSpPr>
@@ -7982,18 +9083,18 @@
       </p:grpSpPr>
       <p:sp>
         <p:nvSpPr>
-          <p:cNvPr id="90" name="Google Shape;90;p19"/>
+          <p:cNvPr id="78" name="Google Shape;78;p17"/>
           <p:cNvSpPr txBox="1">
             <a:spLocks noGrp="1"/>
           </p:cNvSpPr>
           <p:nvPr>
-            <p:ph type="body" idx="1"/>
+            <p:ph type="title"/>
           </p:nvPr>
         </p:nvSpPr>
         <p:spPr>
           <a:xfrm>
-            <a:off x="311700" y="397700"/>
-            <a:ext cx="8520600" cy="4171200"/>
+            <a:off x="311700" y="445025"/>
+            <a:ext cx="8520600" cy="572700"/>
           </a:xfrm>
           <a:prstGeom prst="rect">
             <a:avLst/>
@@ -8010,23 +9111,650 @@
                 <a:spcPts val="0"/>
               </a:spcBef>
               <a:spcAft>
-                <a:spcPts val="1600"/>
+                <a:spcPts val="0"/>
               </a:spcAft>
               <a:buNone/>
             </a:pPr>
             <a:r>
-              <a:rPr lang="en" b="1" i="1">
-                <a:solidFill>
-                  <a:srgbClr val="595959"/>
-                </a:solidFill>
-              </a:rPr>
-              <a:t>Discusses how the information from planning, testing and trialling of components assisted in the development of a high-quality outcome</a:t>
+              <a:rPr lang="en" dirty="0"/>
+              <a:t>Component 2 version 1 - Test Plan (and screenshot)</a:t>
             </a:r>
-            <a:endParaRPr/>
+            <a:endParaRPr dirty="0"/>
           </a:p>
         </p:txBody>
       </p:sp>
+      <p:graphicFrame>
+        <p:nvGraphicFramePr>
+          <p:cNvPr id="79" name="Google Shape;79;p17"/>
+          <p:cNvGraphicFramePr/>
+          <p:nvPr>
+            <p:extLst>
+              <p:ext uri="{D42A27DB-BD31-4B8C-83A1-F6EECF244321}">
+                <p14:modId xmlns:p14="http://schemas.microsoft.com/office/powerpoint/2010/main" val="1908051130"/>
+              </p:ext>
+            </p:extLst>
+          </p:nvPr>
+        </p:nvGraphicFramePr>
+        <p:xfrm>
+          <a:off x="311700" y="3428237"/>
+          <a:ext cx="8520600" cy="1462980"/>
+        </p:xfrm>
+        <a:graphic>
+          <a:graphicData uri="http://schemas.openxmlformats.org/drawingml/2006/table">
+            <a:tbl>
+              <a:tblPr>
+                <a:noFill/>
+                <a:tableStyleId>{E1099E06-0E6B-448D-9D27-60429F06E6F4}</a:tableStyleId>
+              </a:tblPr>
+              <a:tblGrid>
+                <a:gridCol w="4260300">
+                  <a:extLst>
+                    <a:ext uri="{9D8B030D-6E8A-4147-A177-3AD203B41FA5}">
+                      <a16:colId xmlns:a16="http://schemas.microsoft.com/office/drawing/2014/main" val="20000"/>
+                    </a:ext>
+                  </a:extLst>
+                </a:gridCol>
+                <a:gridCol w="4260300">
+                  <a:extLst>
+                    <a:ext uri="{9D8B030D-6E8A-4147-A177-3AD203B41FA5}">
+                      <a16:colId xmlns:a16="http://schemas.microsoft.com/office/drawing/2014/main" val="20001"/>
+                    </a:ext>
+                  </a:extLst>
+                </a:gridCol>
+              </a:tblGrid>
+              <a:tr h="381000">
+                <a:tc>
+                  <a:txBody>
+                    <a:bodyPr/>
+                    <a:lstStyle/>
+                    <a:p>
+                      <a:pPr marL="0" lvl="0" indent="0" algn="l" rtl="0">
+                        <a:spcBef>
+                          <a:spcPts val="0"/>
+                        </a:spcBef>
+                        <a:spcAft>
+                          <a:spcPts val="0"/>
+                        </a:spcAft>
+                        <a:buNone/>
+                      </a:pPr>
+                      <a:r>
+                        <a:rPr lang="en" sz="1800" b="1"/>
+                        <a:t>Test Case</a:t>
+                      </a:r>
+                      <a:endParaRPr sz="1800" b="1"/>
+                    </a:p>
+                  </a:txBody>
+                  <a:tcPr marL="91425" marR="91425" marT="91425" marB="91425">
+                    <a:solidFill>
+                      <a:srgbClr val="CCCCCC"/>
+                    </a:solidFill>
+                  </a:tcPr>
+                </a:tc>
+                <a:tc>
+                  <a:txBody>
+                    <a:bodyPr/>
+                    <a:lstStyle/>
+                    <a:p>
+                      <a:pPr marL="0" lvl="0" indent="0" algn="l" rtl="0">
+                        <a:spcBef>
+                          <a:spcPts val="0"/>
+                        </a:spcBef>
+                        <a:spcAft>
+                          <a:spcPts val="0"/>
+                        </a:spcAft>
+                        <a:buNone/>
+                      </a:pPr>
+                      <a:r>
+                        <a:rPr lang="en" sz="1800" b="1"/>
+                        <a:t>Expected Values</a:t>
+                      </a:r>
+                      <a:endParaRPr sz="1800" b="1"/>
+                    </a:p>
+                  </a:txBody>
+                  <a:tcPr marL="91425" marR="91425" marT="91425" marB="91425">
+                    <a:solidFill>
+                      <a:srgbClr val="CCCCCC"/>
+                    </a:solidFill>
+                  </a:tcPr>
+                </a:tc>
+                <a:extLst>
+                  <a:ext uri="{0D108BD9-81ED-4DB2-BD59-A6C34878D82A}">
+                    <a16:rowId xmlns:a16="http://schemas.microsoft.com/office/drawing/2014/main" val="10000"/>
+                  </a:ext>
+                </a:extLst>
+              </a:tr>
+              <a:tr h="396200">
+                <a:tc>
+                  <a:txBody>
+                    <a:bodyPr/>
+                    <a:lstStyle/>
+                    <a:p>
+                      <a:pPr marL="0" lvl="0" indent="0" algn="l" rtl="0">
+                        <a:spcBef>
+                          <a:spcPts val="0"/>
+                        </a:spcBef>
+                        <a:spcAft>
+                          <a:spcPts val="0"/>
+                        </a:spcAft>
+                        <a:buNone/>
+                      </a:pPr>
+                      <a:r>
+                        <a:rPr lang="en-US" sz="1800" dirty="0"/>
+                        <a:t>Run Program</a:t>
+                      </a:r>
+                      <a:endParaRPr sz="1800" dirty="0"/>
+                    </a:p>
+                  </a:txBody>
+                  <a:tcPr marL="91425" marR="91425" marT="91425" marB="91425"/>
+                </a:tc>
+                <a:tc>
+                  <a:txBody>
+                    <a:bodyPr/>
+                    <a:lstStyle/>
+                    <a:p>
+                      <a:pPr marL="0" lvl="0" indent="0" algn="l" rtl="0">
+                        <a:spcBef>
+                          <a:spcPts val="0"/>
+                        </a:spcBef>
+                        <a:spcAft>
+                          <a:spcPts val="0"/>
+                        </a:spcAft>
+                        <a:buNone/>
+                      </a:pPr>
+                      <a:r>
+                        <a:rPr lang="en-US" sz="1800" dirty="0"/>
+                        <a:t>Enter p, program prints pickup</a:t>
+                      </a:r>
+                    </a:p>
+                    <a:p>
+                      <a:pPr marL="0" lvl="0" indent="0" algn="l" rtl="0">
+                        <a:spcBef>
+                          <a:spcPts val="0"/>
+                        </a:spcBef>
+                        <a:spcAft>
+                          <a:spcPts val="0"/>
+                        </a:spcAft>
+                        <a:buNone/>
+                      </a:pPr>
+                      <a:r>
+                        <a:rPr lang="en-US" sz="1800" dirty="0"/>
+                        <a:t>Enter d, program prints delivery</a:t>
+                      </a:r>
+                    </a:p>
+                    <a:p>
+                      <a:pPr marL="0" lvl="0" indent="0" algn="l" rtl="0">
+                        <a:spcBef>
+                          <a:spcPts val="0"/>
+                        </a:spcBef>
+                        <a:spcAft>
+                          <a:spcPts val="0"/>
+                        </a:spcAft>
+                        <a:buNone/>
+                      </a:pPr>
+                      <a:r>
+                        <a:rPr lang="en-US" sz="1800" dirty="0"/>
+                        <a:t>Enter invalid program stops</a:t>
+                      </a:r>
+                      <a:endParaRPr sz="1800" dirty="0"/>
+                    </a:p>
+                  </a:txBody>
+                  <a:tcPr marL="91425" marR="91425" marT="91425" marB="91425"/>
+                </a:tc>
+                <a:extLst>
+                  <a:ext uri="{0D108BD9-81ED-4DB2-BD59-A6C34878D82A}">
+                    <a16:rowId xmlns:a16="http://schemas.microsoft.com/office/drawing/2014/main" val="10001"/>
+                  </a:ext>
+                </a:extLst>
+              </a:tr>
+            </a:tbl>
+          </a:graphicData>
+        </a:graphic>
+      </p:graphicFrame>
+      <p:pic>
+        <p:nvPicPr>
+          <p:cNvPr id="3" name="Picture 2">
+            <a:extLst>
+              <a:ext uri="{FF2B5EF4-FFF2-40B4-BE49-F238E27FC236}">
+                <a16:creationId xmlns:a16="http://schemas.microsoft.com/office/drawing/2014/main" id="{B8BF7FB4-B9AF-4E66-B789-79D79B11BBB0}"/>
+              </a:ext>
+            </a:extLst>
+          </p:cNvPr>
+          <p:cNvPicPr>
+            <a:picLocks noChangeAspect="1"/>
+          </p:cNvPicPr>
+          <p:nvPr/>
+        </p:nvPicPr>
+        <p:blipFill>
+          <a:blip r:embed="rId3"/>
+          <a:stretch>
+            <a:fillRect/>
+          </a:stretch>
+        </p:blipFill>
+        <p:spPr>
+          <a:xfrm>
+            <a:off x="311700" y="1144859"/>
+            <a:ext cx="4047272" cy="2054333"/>
+          </a:xfrm>
+          <a:prstGeom prst="rect">
+            <a:avLst/>
+          </a:prstGeom>
+        </p:spPr>
+      </p:pic>
+      <p:pic>
+        <p:nvPicPr>
+          <p:cNvPr id="5" name="Picture 4">
+            <a:extLst>
+              <a:ext uri="{FF2B5EF4-FFF2-40B4-BE49-F238E27FC236}">
+                <a16:creationId xmlns:a16="http://schemas.microsoft.com/office/drawing/2014/main" id="{608389D4-B7E5-4903-A648-96A3DC606C0C}"/>
+              </a:ext>
+            </a:extLst>
+          </p:cNvPr>
+          <p:cNvPicPr>
+            <a:picLocks noChangeAspect="1"/>
+          </p:cNvPicPr>
+          <p:nvPr/>
+        </p:nvPicPr>
+        <p:blipFill>
+          <a:blip r:embed="rId4"/>
+          <a:stretch>
+            <a:fillRect/>
+          </a:stretch>
+        </p:blipFill>
+        <p:spPr>
+          <a:xfrm>
+            <a:off x="4572000" y="1001635"/>
+            <a:ext cx="3528657" cy="1100075"/>
+          </a:xfrm>
+          <a:prstGeom prst="rect">
+            <a:avLst/>
+          </a:prstGeom>
+        </p:spPr>
+      </p:pic>
+      <p:pic>
+        <p:nvPicPr>
+          <p:cNvPr id="7" name="Picture 6">
+            <a:extLst>
+              <a:ext uri="{FF2B5EF4-FFF2-40B4-BE49-F238E27FC236}">
+                <a16:creationId xmlns:a16="http://schemas.microsoft.com/office/drawing/2014/main" id="{777C52D0-8C4F-45F1-A447-F1FF11B77E89}"/>
+              </a:ext>
+            </a:extLst>
+          </p:cNvPr>
+          <p:cNvPicPr>
+            <a:picLocks noChangeAspect="1"/>
+          </p:cNvPicPr>
+          <p:nvPr/>
+        </p:nvPicPr>
+        <p:blipFill>
+          <a:blip r:embed="rId5"/>
+          <a:stretch>
+            <a:fillRect/>
+          </a:stretch>
+        </p:blipFill>
+        <p:spPr>
+          <a:xfrm>
+            <a:off x="4572000" y="2192606"/>
+            <a:ext cx="3633168" cy="1053839"/>
+          </a:xfrm>
+          <a:prstGeom prst="rect">
+            <a:avLst/>
+          </a:prstGeom>
+        </p:spPr>
+      </p:pic>
     </p:spTree>
+    <p:extLst>
+      <p:ext uri="{BB962C8B-B14F-4D97-AF65-F5344CB8AC3E}">
+        <p14:creationId xmlns:p14="http://schemas.microsoft.com/office/powerpoint/2010/main" val="1708805901"/>
+      </p:ext>
+    </p:extLst>
+  </p:cSld>
+  <p:clrMapOvr>
+    <a:masterClrMapping/>
+  </p:clrMapOvr>
+</p:sld>
+</file>
+
+<file path=ppt/slides/slide9.xml><?xml version="1.0" encoding="utf-8"?>
+<p:sld xmlns:a="http://schemas.openxmlformats.org/drawingml/2006/main" xmlns:r="http://schemas.openxmlformats.org/officeDocument/2006/relationships" xmlns:p="http://schemas.openxmlformats.org/presentationml/2006/main">
+  <p:cSld>
+    <p:spTree>
+      <p:nvGrpSpPr>
+        <p:cNvPr id="1" name="Shape 77"/>
+        <p:cNvGrpSpPr/>
+        <p:nvPr/>
+      </p:nvGrpSpPr>
+      <p:grpSpPr>
+        <a:xfrm>
+          <a:off x="0" y="0"/>
+          <a:ext cx="0" cy="0"/>
+          <a:chOff x="0" y="0"/>
+          <a:chExt cx="0" cy="0"/>
+        </a:xfrm>
+      </p:grpSpPr>
+      <p:sp>
+        <p:nvSpPr>
+          <p:cNvPr id="78" name="Google Shape;78;p17"/>
+          <p:cNvSpPr txBox="1">
+            <a:spLocks noGrp="1"/>
+          </p:cNvSpPr>
+          <p:nvPr>
+            <p:ph type="title"/>
+          </p:nvPr>
+        </p:nvSpPr>
+        <p:spPr>
+          <a:xfrm>
+            <a:off x="311700" y="445025"/>
+            <a:ext cx="8520600" cy="572700"/>
+          </a:xfrm>
+          <a:prstGeom prst="rect">
+            <a:avLst/>
+          </a:prstGeom>
+        </p:spPr>
+        <p:txBody>
+          <a:bodyPr spcFirstLastPara="1" wrap="square" lIns="91425" tIns="91425" rIns="91425" bIns="91425" anchor="t" anchorCtr="0">
+            <a:noAutofit/>
+          </a:bodyPr>
+          <a:lstStyle/>
+          <a:p>
+            <a:pPr marL="0" lvl="0" indent="0" algn="l" rtl="0">
+              <a:spcBef>
+                <a:spcPts val="0"/>
+              </a:spcBef>
+              <a:spcAft>
+                <a:spcPts val="0"/>
+              </a:spcAft>
+              <a:buNone/>
+            </a:pPr>
+            <a:r>
+              <a:rPr lang="en" dirty="0"/>
+              <a:t>Component 2 version 2 - Test Plan (and screenshot)</a:t>
+            </a:r>
+            <a:endParaRPr dirty="0"/>
+          </a:p>
+        </p:txBody>
+      </p:sp>
+      <p:graphicFrame>
+        <p:nvGraphicFramePr>
+          <p:cNvPr id="79" name="Google Shape;79;p17"/>
+          <p:cNvGraphicFramePr/>
+          <p:nvPr>
+            <p:extLst>
+              <p:ext uri="{D42A27DB-BD31-4B8C-83A1-F6EECF244321}">
+                <p14:modId xmlns:p14="http://schemas.microsoft.com/office/powerpoint/2010/main" val="1628846609"/>
+              </p:ext>
+            </p:extLst>
+          </p:nvPr>
+        </p:nvGraphicFramePr>
+        <p:xfrm>
+          <a:off x="311700" y="3346462"/>
+          <a:ext cx="8520600" cy="1737300"/>
+        </p:xfrm>
+        <a:graphic>
+          <a:graphicData uri="http://schemas.openxmlformats.org/drawingml/2006/table">
+            <a:tbl>
+              <a:tblPr>
+                <a:noFill/>
+                <a:tableStyleId>{E1099E06-0E6B-448D-9D27-60429F06E6F4}</a:tableStyleId>
+              </a:tblPr>
+              <a:tblGrid>
+                <a:gridCol w="4260300">
+                  <a:extLst>
+                    <a:ext uri="{9D8B030D-6E8A-4147-A177-3AD203B41FA5}">
+                      <a16:colId xmlns:a16="http://schemas.microsoft.com/office/drawing/2014/main" val="20000"/>
+                    </a:ext>
+                  </a:extLst>
+                </a:gridCol>
+                <a:gridCol w="4260300">
+                  <a:extLst>
+                    <a:ext uri="{9D8B030D-6E8A-4147-A177-3AD203B41FA5}">
+                      <a16:colId xmlns:a16="http://schemas.microsoft.com/office/drawing/2014/main" val="20001"/>
+                    </a:ext>
+                  </a:extLst>
+                </a:gridCol>
+              </a:tblGrid>
+              <a:tr h="381000">
+                <a:tc>
+                  <a:txBody>
+                    <a:bodyPr/>
+                    <a:lstStyle/>
+                    <a:p>
+                      <a:pPr marL="0" lvl="0" indent="0" algn="l" rtl="0">
+                        <a:spcBef>
+                          <a:spcPts val="0"/>
+                        </a:spcBef>
+                        <a:spcAft>
+                          <a:spcPts val="0"/>
+                        </a:spcAft>
+                        <a:buNone/>
+                      </a:pPr>
+                      <a:r>
+                        <a:rPr lang="en" sz="1800" b="1"/>
+                        <a:t>Test Case</a:t>
+                      </a:r>
+                      <a:endParaRPr sz="1800" b="1"/>
+                    </a:p>
+                  </a:txBody>
+                  <a:tcPr marL="91425" marR="91425" marT="91425" marB="91425">
+                    <a:solidFill>
+                      <a:srgbClr val="CCCCCC"/>
+                    </a:solidFill>
+                  </a:tcPr>
+                </a:tc>
+                <a:tc>
+                  <a:txBody>
+                    <a:bodyPr/>
+                    <a:lstStyle/>
+                    <a:p>
+                      <a:pPr marL="0" lvl="0" indent="0" algn="l" rtl="0">
+                        <a:spcBef>
+                          <a:spcPts val="0"/>
+                        </a:spcBef>
+                        <a:spcAft>
+                          <a:spcPts val="0"/>
+                        </a:spcAft>
+                        <a:buNone/>
+                      </a:pPr>
+                      <a:r>
+                        <a:rPr lang="en" sz="1800" b="1"/>
+                        <a:t>Expected Values</a:t>
+                      </a:r>
+                      <a:endParaRPr sz="1800" b="1"/>
+                    </a:p>
+                  </a:txBody>
+                  <a:tcPr marL="91425" marR="91425" marT="91425" marB="91425">
+                    <a:solidFill>
+                      <a:srgbClr val="CCCCCC"/>
+                    </a:solidFill>
+                  </a:tcPr>
+                </a:tc>
+                <a:extLst>
+                  <a:ext uri="{0D108BD9-81ED-4DB2-BD59-A6C34878D82A}">
+                    <a16:rowId xmlns:a16="http://schemas.microsoft.com/office/drawing/2014/main" val="10000"/>
+                  </a:ext>
+                </a:extLst>
+              </a:tr>
+              <a:tr h="396200">
+                <a:tc>
+                  <a:txBody>
+                    <a:bodyPr/>
+                    <a:lstStyle/>
+                    <a:p>
+                      <a:pPr marL="0" lvl="0" indent="0" algn="l" rtl="0">
+                        <a:spcBef>
+                          <a:spcPts val="0"/>
+                        </a:spcBef>
+                        <a:spcAft>
+                          <a:spcPts val="0"/>
+                        </a:spcAft>
+                        <a:buNone/>
+                      </a:pPr>
+                      <a:r>
+                        <a:rPr lang="en-US" sz="1800" dirty="0"/>
+                        <a:t>Run Program</a:t>
+                      </a:r>
+                      <a:endParaRPr sz="1800" dirty="0"/>
+                    </a:p>
+                  </a:txBody>
+                  <a:tcPr marL="91425" marR="91425" marT="91425" marB="91425"/>
+                </a:tc>
+                <a:tc>
+                  <a:txBody>
+                    <a:bodyPr/>
+                    <a:lstStyle/>
+                    <a:p>
+                      <a:pPr marL="0" lvl="0" indent="0" algn="l" rtl="0">
+                        <a:spcBef>
+                          <a:spcPts val="0"/>
+                        </a:spcBef>
+                        <a:spcAft>
+                          <a:spcPts val="0"/>
+                        </a:spcAft>
+                        <a:buNone/>
+                      </a:pPr>
+                      <a:r>
+                        <a:rPr lang="en-US" sz="1800" dirty="0"/>
+                        <a:t>Enter p, program prints pickup</a:t>
+                      </a:r>
+                    </a:p>
+                    <a:p>
+                      <a:pPr marL="0" lvl="0" indent="0" algn="l" rtl="0">
+                        <a:spcBef>
+                          <a:spcPts val="0"/>
+                        </a:spcBef>
+                        <a:spcAft>
+                          <a:spcPts val="0"/>
+                        </a:spcAft>
+                        <a:buNone/>
+                      </a:pPr>
+                      <a:r>
+                        <a:rPr lang="en-US" sz="1800" dirty="0"/>
+                        <a:t>Enter d, program prints delivery</a:t>
+                      </a:r>
+                    </a:p>
+                    <a:p>
+                      <a:pPr marL="0" lvl="0" indent="0" algn="l" rtl="0">
+                        <a:spcBef>
+                          <a:spcPts val="0"/>
+                        </a:spcBef>
+                        <a:spcAft>
+                          <a:spcPts val="0"/>
+                        </a:spcAft>
+                        <a:buNone/>
+                      </a:pPr>
+                      <a:r>
+                        <a:rPr lang="en-US" sz="1800" dirty="0"/>
+                        <a:t>Enter invalid, program prints error message</a:t>
+                      </a:r>
+                      <a:endParaRPr sz="1800" dirty="0"/>
+                    </a:p>
+                  </a:txBody>
+                  <a:tcPr marL="91425" marR="91425" marT="91425" marB="91425"/>
+                </a:tc>
+                <a:extLst>
+                  <a:ext uri="{0D108BD9-81ED-4DB2-BD59-A6C34878D82A}">
+                    <a16:rowId xmlns:a16="http://schemas.microsoft.com/office/drawing/2014/main" val="10001"/>
+                  </a:ext>
+                </a:extLst>
+              </a:tr>
+            </a:tbl>
+          </a:graphicData>
+        </a:graphic>
+      </p:graphicFrame>
+      <p:pic>
+        <p:nvPicPr>
+          <p:cNvPr id="4" name="Picture 3">
+            <a:extLst>
+              <a:ext uri="{FF2B5EF4-FFF2-40B4-BE49-F238E27FC236}">
+                <a16:creationId xmlns:a16="http://schemas.microsoft.com/office/drawing/2014/main" id="{3832E362-3159-442B-A847-06D8EF6B7A6A}"/>
+              </a:ext>
+            </a:extLst>
+          </p:cNvPr>
+          <p:cNvPicPr>
+            <a:picLocks noChangeAspect="1"/>
+          </p:cNvPicPr>
+          <p:nvPr/>
+        </p:nvPicPr>
+        <p:blipFill>
+          <a:blip r:embed="rId3"/>
+          <a:stretch>
+            <a:fillRect/>
+          </a:stretch>
+        </p:blipFill>
+        <p:spPr>
+          <a:xfrm>
+            <a:off x="311699" y="1010561"/>
+            <a:ext cx="4104183" cy="2276039"/>
+          </a:xfrm>
+          <a:prstGeom prst="rect">
+            <a:avLst/>
+          </a:prstGeom>
+        </p:spPr>
+      </p:pic>
+      <p:pic>
+        <p:nvPicPr>
+          <p:cNvPr id="8" name="Picture 7">
+            <a:extLst>
+              <a:ext uri="{FF2B5EF4-FFF2-40B4-BE49-F238E27FC236}">
+                <a16:creationId xmlns:a16="http://schemas.microsoft.com/office/drawing/2014/main" id="{057C1079-588F-4790-9229-59FB718FC3F7}"/>
+              </a:ext>
+            </a:extLst>
+          </p:cNvPr>
+          <p:cNvPicPr>
+            <a:picLocks noChangeAspect="1"/>
+          </p:cNvPicPr>
+          <p:nvPr/>
+        </p:nvPicPr>
+        <p:blipFill>
+          <a:blip r:embed="rId4"/>
+          <a:stretch>
+            <a:fillRect/>
+          </a:stretch>
+        </p:blipFill>
+        <p:spPr>
+          <a:xfrm>
+            <a:off x="4950153" y="995637"/>
+            <a:ext cx="3882147" cy="1189575"/>
+          </a:xfrm>
+          <a:prstGeom prst="rect">
+            <a:avLst/>
+          </a:prstGeom>
+        </p:spPr>
+      </p:pic>
+      <p:pic>
+        <p:nvPicPr>
+          <p:cNvPr id="10" name="Picture 9">
+            <a:extLst>
+              <a:ext uri="{FF2B5EF4-FFF2-40B4-BE49-F238E27FC236}">
+                <a16:creationId xmlns:a16="http://schemas.microsoft.com/office/drawing/2014/main" id="{9940AE9B-D2AE-411F-8657-86D21E039646}"/>
+              </a:ext>
+            </a:extLst>
+          </p:cNvPr>
+          <p:cNvPicPr>
+            <a:picLocks noChangeAspect="1"/>
+          </p:cNvPicPr>
+          <p:nvPr/>
+        </p:nvPicPr>
+        <p:blipFill>
+          <a:blip r:embed="rId5"/>
+          <a:stretch>
+            <a:fillRect/>
+          </a:stretch>
+        </p:blipFill>
+        <p:spPr>
+          <a:xfrm>
+            <a:off x="4950153" y="2201020"/>
+            <a:ext cx="3674307" cy="1092550"/>
+          </a:xfrm>
+          <a:prstGeom prst="rect">
+            <a:avLst/>
+          </a:prstGeom>
+        </p:spPr>
+      </p:pic>
+    </p:spTree>
+    <p:extLst>
+      <p:ext uri="{BB962C8B-B14F-4D97-AF65-F5344CB8AC3E}">
+        <p14:creationId xmlns:p14="http://schemas.microsoft.com/office/powerpoint/2010/main" val="545315332"/>
+      </p:ext>
+    </p:extLst>
   </p:cSld>
   <p:clrMapOvr>
     <a:masterClrMapping/>

--- a/022_91893+_+91897+Documentation.pptx
+++ b/022_91893+_+91897+Documentation.pptx
@@ -5,7 +5,7 @@
     <p:sldMasterId id="2147483659" r:id="rId1"/>
   </p:sldMasterIdLst>
   <p:notesMasterIdLst>
-    <p:notesMasterId r:id="rId14"/>
+    <p:notesMasterId r:id="rId16"/>
   </p:notesMasterIdLst>
   <p:sldIdLst>
     <p:sldId id="256" r:id="rId2"/>
@@ -18,8 +18,10 @@
     <p:sldId id="265" r:id="rId9"/>
     <p:sldId id="266" r:id="rId10"/>
     <p:sldId id="267" r:id="rId11"/>
-    <p:sldId id="261" r:id="rId12"/>
-    <p:sldId id="262" r:id="rId13"/>
+    <p:sldId id="268" r:id="rId12"/>
+    <p:sldId id="269" r:id="rId13"/>
+    <p:sldId id="261" r:id="rId14"/>
+    <p:sldId id="262" r:id="rId15"/>
   </p:sldIdLst>
   <p:sldSz cx="9144000" cy="5143500" type="screen16x9"/>
   <p:notesSz cx="6858000" cy="9144000"/>
@@ -274,7 +276,7 @@
 <file path=ppt/revisionInfo.xml><?xml version="1.0" encoding="utf-8"?>
 <p1510:revInfo xmlns:a="http://schemas.openxmlformats.org/drawingml/2006/main" xmlns:r="http://schemas.openxmlformats.org/officeDocument/2006/relationships" xmlns:p1510="http://schemas.microsoft.com/office/powerpoint/2015/10/main">
   <p1510:revLst>
-    <p1510:client id="{FAACEEAB-46CB-4F54-BC5F-BC4B34800FB7}" v="12" dt="2022-02-20T21:39:32.377"/>
+    <p1510:client id="{FAACEEAB-46CB-4F54-BC5F-BC4B34800FB7}" v="17" dt="2022-02-23T01:46:55.550"/>
   </p1510:revLst>
 </p1510:revInfo>
 </file>
@@ -284,7 +286,7 @@
   <pc:docChgLst>
     <pc:chgData name="Daniel Pereira" userId="9d9a6c6d5611e777" providerId="LiveId" clId="{FAACEEAB-46CB-4F54-BC5F-BC4B34800FB7}"/>
     <pc:docChg chg="undo custSel addSld delSld modSld sldOrd">
-      <pc:chgData name="Daniel Pereira" userId="9d9a6c6d5611e777" providerId="LiveId" clId="{FAACEEAB-46CB-4F54-BC5F-BC4B34800FB7}" dt="2022-02-20T21:39:39.921" v="660" actId="478"/>
+      <pc:chgData name="Daniel Pereira" userId="9d9a6c6d5611e777" providerId="LiveId" clId="{FAACEEAB-46CB-4F54-BC5F-BC4B34800FB7}" dt="2022-02-23T01:50:28.033" v="949" actId="20577"/>
       <pc:docMkLst>
         <pc:docMk/>
       </pc:docMkLst>
@@ -640,6 +642,107 @@
           </ac:picMkLst>
         </pc:picChg>
       </pc:sldChg>
+      <pc:sldChg chg="addSp delSp modSp add mod setBg">
+        <pc:chgData name="Daniel Pereira" userId="9d9a6c6d5611e777" providerId="LiveId" clId="{FAACEEAB-46CB-4F54-BC5F-BC4B34800FB7}" dt="2022-02-23T01:46:48.169" v="671" actId="1076"/>
+        <pc:sldMkLst>
+          <pc:docMk/>
+          <pc:sldMk cId="2275947312" sldId="268"/>
+        </pc:sldMkLst>
+        <pc:spChg chg="mod">
+          <ac:chgData name="Daniel Pereira" userId="9d9a6c6d5611e777" providerId="LiveId" clId="{FAACEEAB-46CB-4F54-BC5F-BC4B34800FB7}" dt="2022-02-23T01:46:30.471" v="666" actId="20577"/>
+          <ac:spMkLst>
+            <pc:docMk/>
+            <pc:sldMk cId="2275947312" sldId="268"/>
+            <ac:spMk id="73" creationId="{00000000-0000-0000-0000-000000000000}"/>
+          </ac:spMkLst>
+        </pc:spChg>
+        <pc:picChg chg="del">
+          <ac:chgData name="Daniel Pereira" userId="9d9a6c6d5611e777" providerId="LiveId" clId="{FAACEEAB-46CB-4F54-BC5F-BC4B34800FB7}" dt="2022-02-23T01:46:16.049" v="662" actId="478"/>
+          <ac:picMkLst>
+            <pc:docMk/>
+            <pc:sldMk cId="2275947312" sldId="268"/>
+            <ac:picMk id="3" creationId="{197D0697-87BD-40C4-BD69-675F260A2009}"/>
+          </ac:picMkLst>
+        </pc:picChg>
+        <pc:picChg chg="add mod">
+          <ac:chgData name="Daniel Pereira" userId="9d9a6c6d5611e777" providerId="LiveId" clId="{FAACEEAB-46CB-4F54-BC5F-BC4B34800FB7}" dt="2022-02-23T01:46:48.169" v="671" actId="1076"/>
+          <ac:picMkLst>
+            <pc:docMk/>
+            <pc:sldMk cId="2275947312" sldId="268"/>
+            <ac:picMk id="4" creationId="{08263A9A-7C3C-40A4-AB23-1B639E2D11E3}"/>
+          </ac:picMkLst>
+        </pc:picChg>
+      </pc:sldChg>
+      <pc:sldChg chg="addSp delSp modSp add mod">
+        <pc:chgData name="Daniel Pereira" userId="9d9a6c6d5611e777" providerId="LiveId" clId="{FAACEEAB-46CB-4F54-BC5F-BC4B34800FB7}" dt="2022-02-23T01:50:28.033" v="949" actId="20577"/>
+        <pc:sldMkLst>
+          <pc:docMk/>
+          <pc:sldMk cId="1837728961" sldId="269"/>
+        </pc:sldMkLst>
+        <pc:spChg chg="mod">
+          <ac:chgData name="Daniel Pereira" userId="9d9a6c6d5611e777" providerId="LiveId" clId="{FAACEEAB-46CB-4F54-BC5F-BC4B34800FB7}" dt="2022-02-23T01:47:02.507" v="677" actId="20577"/>
+          <ac:spMkLst>
+            <pc:docMk/>
+            <pc:sldMk cId="1837728961" sldId="269"/>
+            <ac:spMk id="78" creationId="{00000000-0000-0000-0000-000000000000}"/>
+          </ac:spMkLst>
+        </pc:spChg>
+        <pc:graphicFrameChg chg="modGraphic">
+          <ac:chgData name="Daniel Pereira" userId="9d9a6c6d5611e777" providerId="LiveId" clId="{FAACEEAB-46CB-4F54-BC5F-BC4B34800FB7}" dt="2022-02-23T01:50:28.033" v="949" actId="20577"/>
+          <ac:graphicFrameMkLst>
+            <pc:docMk/>
+            <pc:sldMk cId="1837728961" sldId="269"/>
+            <ac:graphicFrameMk id="79" creationId="{00000000-0000-0000-0000-000000000000}"/>
+          </ac:graphicFrameMkLst>
+        </pc:graphicFrameChg>
+        <pc:picChg chg="del">
+          <ac:chgData name="Daniel Pereira" userId="9d9a6c6d5611e777" providerId="LiveId" clId="{FAACEEAB-46CB-4F54-BC5F-BC4B34800FB7}" dt="2022-02-23T01:46:57.284" v="673" actId="478"/>
+          <ac:picMkLst>
+            <pc:docMk/>
+            <pc:sldMk cId="1837728961" sldId="269"/>
+            <ac:picMk id="3" creationId="{B8BF7FB4-B9AF-4E66-B789-79D79B11BBB0}"/>
+          </ac:picMkLst>
+        </pc:picChg>
+        <pc:picChg chg="add mod">
+          <ac:chgData name="Daniel Pereira" userId="9d9a6c6d5611e777" providerId="LiveId" clId="{FAACEEAB-46CB-4F54-BC5F-BC4B34800FB7}" dt="2022-02-23T01:48:15.983" v="681" actId="1076"/>
+          <ac:picMkLst>
+            <pc:docMk/>
+            <pc:sldMk cId="1837728961" sldId="269"/>
+            <ac:picMk id="4" creationId="{FE5E4D52-2794-4DBD-A8DC-0FCABE10AD22}"/>
+          </ac:picMkLst>
+        </pc:picChg>
+        <pc:picChg chg="del">
+          <ac:chgData name="Daniel Pereira" userId="9d9a6c6d5611e777" providerId="LiveId" clId="{FAACEEAB-46CB-4F54-BC5F-BC4B34800FB7}" dt="2022-02-23T01:46:58.880" v="674" actId="478"/>
+          <ac:picMkLst>
+            <pc:docMk/>
+            <pc:sldMk cId="1837728961" sldId="269"/>
+            <ac:picMk id="5" creationId="{608389D4-B7E5-4903-A648-96A3DC606C0C}"/>
+          </ac:picMkLst>
+        </pc:picChg>
+        <pc:picChg chg="del">
+          <ac:chgData name="Daniel Pereira" userId="9d9a6c6d5611e777" providerId="LiveId" clId="{FAACEEAB-46CB-4F54-BC5F-BC4B34800FB7}" dt="2022-02-23T01:47:00.348" v="675" actId="478"/>
+          <ac:picMkLst>
+            <pc:docMk/>
+            <pc:sldMk cId="1837728961" sldId="269"/>
+            <ac:picMk id="7" creationId="{777C52D0-8C4F-45F1-A447-F1FF11B77E89}"/>
+          </ac:picMkLst>
+        </pc:picChg>
+        <pc:picChg chg="add mod">
+          <ac:chgData name="Daniel Pereira" userId="9d9a6c6d5611e777" providerId="LiveId" clId="{FAACEEAB-46CB-4F54-BC5F-BC4B34800FB7}" dt="2022-02-23T01:49:18.228" v="685" actId="1076"/>
+          <ac:picMkLst>
+            <pc:docMk/>
+            <pc:sldMk cId="1837728961" sldId="269"/>
+            <ac:picMk id="8" creationId="{564E5D0D-541D-45C6-996E-C47DB3827D47}"/>
+          </ac:picMkLst>
+        </pc:picChg>
+      </pc:sldChg>
+      <pc:sldChg chg="add del setBg">
+        <pc:chgData name="Daniel Pereira" userId="9d9a6c6d5611e777" providerId="LiveId" clId="{FAACEEAB-46CB-4F54-BC5F-BC4B34800FB7}" dt="2022-02-23T01:46:36.481" v="668"/>
+        <pc:sldMkLst>
+          <pc:docMk/>
+          <pc:sldMk cId="2247430348" sldId="269"/>
+        </pc:sldMkLst>
+      </pc:sldChg>
     </pc:docChg>
   </pc:docChgLst>
   <pc:docChgLst>
@@ -1343,6 +1446,224 @@
   <p:cSld>
     <p:spTree>
       <p:nvGrpSpPr>
+        <p:cNvPr id="1" name="Shape 69"/>
+        <p:cNvGrpSpPr/>
+        <p:nvPr/>
+      </p:nvGrpSpPr>
+      <p:grpSpPr>
+        <a:xfrm>
+          <a:off x="0" y="0"/>
+          <a:ext cx="0" cy="0"/>
+          <a:chOff x="0" y="0"/>
+          <a:chExt cx="0" cy="0"/>
+        </a:xfrm>
+      </p:grpSpPr>
+      <p:sp>
+        <p:nvSpPr>
+          <p:cNvPr id="70" name="Google Shape;70;gac10fef634_0_16:notes"/>
+          <p:cNvSpPr>
+            <a:spLocks noGrp="1" noRot="1" noChangeAspect="1"/>
+          </p:cNvSpPr>
+          <p:nvPr>
+            <p:ph type="sldImg" idx="2"/>
+          </p:nvPr>
+        </p:nvSpPr>
+        <p:spPr>
+          <a:xfrm>
+            <a:off x="381000" y="685800"/>
+            <a:ext cx="6096000" cy="3429000"/>
+          </a:xfrm>
+          <a:custGeom>
+            <a:avLst/>
+            <a:gdLst/>
+            <a:ahLst/>
+            <a:cxnLst/>
+            <a:rect l="l" t="t" r="r" b="b"/>
+            <a:pathLst>
+              <a:path w="120000" h="120000" extrusionOk="0">
+                <a:moveTo>
+                  <a:pt x="0" y="0"/>
+                </a:moveTo>
+                <a:lnTo>
+                  <a:pt x="120000" y="0"/>
+                </a:lnTo>
+                <a:lnTo>
+                  <a:pt x="120000" y="120000"/>
+                </a:lnTo>
+                <a:lnTo>
+                  <a:pt x="0" y="120000"/>
+                </a:lnTo>
+                <a:close/>
+              </a:path>
+            </a:pathLst>
+          </a:custGeom>
+        </p:spPr>
+      </p:sp>
+      <p:sp>
+        <p:nvSpPr>
+          <p:cNvPr id="71" name="Google Shape;71;gac10fef634_0_16:notes"/>
+          <p:cNvSpPr txBox="1">
+            <a:spLocks noGrp="1"/>
+          </p:cNvSpPr>
+          <p:nvPr>
+            <p:ph type="body" idx="1"/>
+          </p:nvPr>
+        </p:nvSpPr>
+        <p:spPr>
+          <a:xfrm>
+            <a:off x="685800" y="4343400"/>
+            <a:ext cx="5486400" cy="4114800"/>
+          </a:xfrm>
+          <a:prstGeom prst="rect">
+            <a:avLst/>
+          </a:prstGeom>
+        </p:spPr>
+        <p:txBody>
+          <a:bodyPr spcFirstLastPara="1" wrap="square" lIns="91425" tIns="91425" rIns="91425" bIns="91425" anchor="t" anchorCtr="0">
+            <a:noAutofit/>
+          </a:bodyPr>
+          <a:lstStyle/>
+          <a:p>
+            <a:pPr marL="0" lvl="0" indent="0" algn="l" rtl="0">
+              <a:spcBef>
+                <a:spcPts val="0"/>
+              </a:spcBef>
+              <a:spcAft>
+                <a:spcPts val="0"/>
+              </a:spcAft>
+              <a:buNone/>
+            </a:pPr>
+            <a:endParaRPr/>
+          </a:p>
+        </p:txBody>
+      </p:sp>
+    </p:spTree>
+    <p:extLst>
+      <p:ext uri="{BB962C8B-B14F-4D97-AF65-F5344CB8AC3E}">
+        <p14:creationId xmlns:p14="http://schemas.microsoft.com/office/powerpoint/2010/main" val="834250748"/>
+      </p:ext>
+    </p:extLst>
+  </p:cSld>
+  <p:clrMapOvr>
+    <a:masterClrMapping/>
+  </p:clrMapOvr>
+</p:notes>
+</file>
+
+<file path=ppt/notesSlides/notesSlide12.xml><?xml version="1.0" encoding="utf-8"?>
+<p:notes xmlns:a="http://schemas.openxmlformats.org/drawingml/2006/main" xmlns:r="http://schemas.openxmlformats.org/officeDocument/2006/relationships" xmlns:p="http://schemas.openxmlformats.org/presentationml/2006/main" showMasterSp="0" showMasterPhAnim="0">
+  <p:cSld>
+    <p:spTree>
+      <p:nvGrpSpPr>
+        <p:cNvPr id="1" name="Shape 74"/>
+        <p:cNvGrpSpPr/>
+        <p:nvPr/>
+      </p:nvGrpSpPr>
+      <p:grpSpPr>
+        <a:xfrm>
+          <a:off x="0" y="0"/>
+          <a:ext cx="0" cy="0"/>
+          <a:chOff x="0" y="0"/>
+          <a:chExt cx="0" cy="0"/>
+        </a:xfrm>
+      </p:grpSpPr>
+      <p:sp>
+        <p:nvSpPr>
+          <p:cNvPr id="75" name="Google Shape;75;gac10fef634_0_20:notes"/>
+          <p:cNvSpPr>
+            <a:spLocks noGrp="1" noRot="1" noChangeAspect="1"/>
+          </p:cNvSpPr>
+          <p:nvPr>
+            <p:ph type="sldImg" idx="2"/>
+          </p:nvPr>
+        </p:nvSpPr>
+        <p:spPr>
+          <a:xfrm>
+            <a:off x="381000" y="685800"/>
+            <a:ext cx="6096000" cy="3429000"/>
+          </a:xfrm>
+          <a:custGeom>
+            <a:avLst/>
+            <a:gdLst/>
+            <a:ahLst/>
+            <a:cxnLst/>
+            <a:rect l="l" t="t" r="r" b="b"/>
+            <a:pathLst>
+              <a:path w="120000" h="120000" extrusionOk="0">
+                <a:moveTo>
+                  <a:pt x="0" y="0"/>
+                </a:moveTo>
+                <a:lnTo>
+                  <a:pt x="120000" y="0"/>
+                </a:lnTo>
+                <a:lnTo>
+                  <a:pt x="120000" y="120000"/>
+                </a:lnTo>
+                <a:lnTo>
+                  <a:pt x="0" y="120000"/>
+                </a:lnTo>
+                <a:close/>
+              </a:path>
+            </a:pathLst>
+          </a:custGeom>
+        </p:spPr>
+      </p:sp>
+      <p:sp>
+        <p:nvSpPr>
+          <p:cNvPr id="76" name="Google Shape;76;gac10fef634_0_20:notes"/>
+          <p:cNvSpPr txBox="1">
+            <a:spLocks noGrp="1"/>
+          </p:cNvSpPr>
+          <p:nvPr>
+            <p:ph type="body" idx="1"/>
+          </p:nvPr>
+        </p:nvSpPr>
+        <p:spPr>
+          <a:xfrm>
+            <a:off x="685800" y="4343400"/>
+            <a:ext cx="5486400" cy="4114800"/>
+          </a:xfrm>
+          <a:prstGeom prst="rect">
+            <a:avLst/>
+          </a:prstGeom>
+        </p:spPr>
+        <p:txBody>
+          <a:bodyPr spcFirstLastPara="1" wrap="square" lIns="91425" tIns="91425" rIns="91425" bIns="91425" anchor="t" anchorCtr="0">
+            <a:noAutofit/>
+          </a:bodyPr>
+          <a:lstStyle/>
+          <a:p>
+            <a:pPr marL="0" lvl="0" indent="0" algn="l" rtl="0">
+              <a:spcBef>
+                <a:spcPts val="0"/>
+              </a:spcBef>
+              <a:spcAft>
+                <a:spcPts val="0"/>
+              </a:spcAft>
+              <a:buNone/>
+            </a:pPr>
+            <a:endParaRPr/>
+          </a:p>
+        </p:txBody>
+      </p:sp>
+    </p:spTree>
+    <p:extLst>
+      <p:ext uri="{BB962C8B-B14F-4D97-AF65-F5344CB8AC3E}">
+        <p14:creationId xmlns:p14="http://schemas.microsoft.com/office/powerpoint/2010/main" val="1482139651"/>
+      </p:ext>
+    </p:extLst>
+  </p:cSld>
+  <p:clrMapOvr>
+    <a:masterClrMapping/>
+  </p:clrMapOvr>
+</p:notes>
+</file>
+
+<file path=ppt/notesSlides/notesSlide13.xml><?xml version="1.0" encoding="utf-8"?>
+<p:notes xmlns:a="http://schemas.openxmlformats.org/drawingml/2006/main" xmlns:r="http://schemas.openxmlformats.org/officeDocument/2006/relationships" xmlns:p="http://schemas.openxmlformats.org/presentationml/2006/main" showMasterSp="0" showMasterPhAnim="0">
+  <p:cSld>
+    <p:spTree>
+      <p:nvGrpSpPr>
         <p:cNvPr id="1" name="Shape 80"/>
         <p:cNvGrpSpPr/>
         <p:nvPr/>
@@ -1463,7 +1784,7 @@
 </p:notes>
 </file>
 
-<file path=ppt/notesSlides/notesSlide12.xml><?xml version="1.0" encoding="utf-8"?>
+<file path=ppt/notesSlides/notesSlide14.xml><?xml version="1.0" encoding="utf-8"?>
 <p:notes xmlns:a="http://schemas.openxmlformats.org/drawingml/2006/main" xmlns:r="http://schemas.openxmlformats.org/officeDocument/2006/relationships" xmlns:p="http://schemas.openxmlformats.org/presentationml/2006/main" showMasterSp="0" showMasterPhAnim="0">
   <p:cSld>
     <p:spTree>
@@ -7759,6 +8080,464 @@
     </p:bg>
     <p:spTree>
       <p:nvGrpSpPr>
+        <p:cNvPr id="1" name="Shape 72"/>
+        <p:cNvGrpSpPr/>
+        <p:nvPr/>
+      </p:nvGrpSpPr>
+      <p:grpSpPr>
+        <a:xfrm>
+          <a:off x="0" y="0"/>
+          <a:ext cx="0" cy="0"/>
+          <a:chOff x="0" y="0"/>
+          <a:chExt cx="0" cy="0"/>
+        </a:xfrm>
+      </p:grpSpPr>
+      <p:sp>
+        <p:nvSpPr>
+          <p:cNvPr id="73" name="Google Shape;73;p16"/>
+          <p:cNvSpPr txBox="1">
+            <a:spLocks noGrp="1"/>
+          </p:cNvSpPr>
+          <p:nvPr>
+            <p:ph type="title"/>
+          </p:nvPr>
+        </p:nvSpPr>
+        <p:spPr>
+          <a:xfrm>
+            <a:off x="311700" y="445025"/>
+            <a:ext cx="8520600" cy="572700"/>
+          </a:xfrm>
+          <a:prstGeom prst="rect">
+            <a:avLst/>
+          </a:prstGeom>
+        </p:spPr>
+        <p:txBody>
+          <a:bodyPr spcFirstLastPara="1" wrap="square" lIns="91425" tIns="91425" rIns="91425" bIns="91425" anchor="t" anchorCtr="0">
+            <a:noAutofit/>
+          </a:bodyPr>
+          <a:lstStyle/>
+          <a:p>
+            <a:pPr marL="0" lvl="0" indent="0" algn="l" rtl="0">
+              <a:spcBef>
+                <a:spcPts val="0"/>
+              </a:spcBef>
+              <a:spcAft>
+                <a:spcPts val="0"/>
+              </a:spcAft>
+              <a:buNone/>
+            </a:pPr>
+            <a:r>
+              <a:rPr lang="en" dirty="0"/>
+              <a:t>Component 3 (Trello screenshot)</a:t>
+            </a:r>
+            <a:endParaRPr dirty="0"/>
+          </a:p>
+        </p:txBody>
+      </p:sp>
+      <p:pic>
+        <p:nvPicPr>
+          <p:cNvPr id="4" name="Picture 3">
+            <a:extLst>
+              <a:ext uri="{FF2B5EF4-FFF2-40B4-BE49-F238E27FC236}">
+                <a16:creationId xmlns:a16="http://schemas.microsoft.com/office/drawing/2014/main" id="{08263A9A-7C3C-40A4-AB23-1B639E2D11E3}"/>
+              </a:ext>
+            </a:extLst>
+          </p:cNvPr>
+          <p:cNvPicPr>
+            <a:picLocks noChangeAspect="1"/>
+          </p:cNvPicPr>
+          <p:nvPr/>
+        </p:nvPicPr>
+        <p:blipFill>
+          <a:blip r:embed="rId3"/>
+          <a:stretch>
+            <a:fillRect/>
+          </a:stretch>
+        </p:blipFill>
+        <p:spPr>
+          <a:xfrm>
+            <a:off x="162481" y="1161134"/>
+            <a:ext cx="8520601" cy="3156231"/>
+          </a:xfrm>
+          <a:prstGeom prst="rect">
+            <a:avLst/>
+          </a:prstGeom>
+        </p:spPr>
+      </p:pic>
+    </p:spTree>
+    <p:extLst>
+      <p:ext uri="{BB962C8B-B14F-4D97-AF65-F5344CB8AC3E}">
+        <p14:creationId xmlns:p14="http://schemas.microsoft.com/office/powerpoint/2010/main" val="2275947312"/>
+      </p:ext>
+    </p:extLst>
+  </p:cSld>
+  <p:clrMapOvr>
+    <a:masterClrMapping/>
+  </p:clrMapOvr>
+</p:sld>
+</file>
+
+<file path=ppt/slides/slide12.xml><?xml version="1.0" encoding="utf-8"?>
+<p:sld xmlns:a="http://schemas.openxmlformats.org/drawingml/2006/main" xmlns:r="http://schemas.openxmlformats.org/officeDocument/2006/relationships" xmlns:p="http://schemas.openxmlformats.org/presentationml/2006/main">
+  <p:cSld>
+    <p:spTree>
+      <p:nvGrpSpPr>
+        <p:cNvPr id="1" name="Shape 77"/>
+        <p:cNvGrpSpPr/>
+        <p:nvPr/>
+      </p:nvGrpSpPr>
+      <p:grpSpPr>
+        <a:xfrm>
+          <a:off x="0" y="0"/>
+          <a:ext cx="0" cy="0"/>
+          <a:chOff x="0" y="0"/>
+          <a:chExt cx="0" cy="0"/>
+        </a:xfrm>
+      </p:grpSpPr>
+      <p:sp>
+        <p:nvSpPr>
+          <p:cNvPr id="78" name="Google Shape;78;p17"/>
+          <p:cNvSpPr txBox="1">
+            <a:spLocks noGrp="1"/>
+          </p:cNvSpPr>
+          <p:nvPr>
+            <p:ph type="title"/>
+          </p:nvPr>
+        </p:nvSpPr>
+        <p:spPr>
+          <a:xfrm>
+            <a:off x="311700" y="445025"/>
+            <a:ext cx="8520600" cy="572700"/>
+          </a:xfrm>
+          <a:prstGeom prst="rect">
+            <a:avLst/>
+          </a:prstGeom>
+        </p:spPr>
+        <p:txBody>
+          <a:bodyPr spcFirstLastPara="1" wrap="square" lIns="91425" tIns="91425" rIns="91425" bIns="91425" anchor="t" anchorCtr="0">
+            <a:noAutofit/>
+          </a:bodyPr>
+          <a:lstStyle/>
+          <a:p>
+            <a:pPr marL="0" lvl="0" indent="0" algn="l" rtl="0">
+              <a:spcBef>
+                <a:spcPts val="0"/>
+              </a:spcBef>
+              <a:spcAft>
+                <a:spcPts val="0"/>
+              </a:spcAft>
+              <a:buNone/>
+            </a:pPr>
+            <a:r>
+              <a:rPr lang="en" dirty="0"/>
+              <a:t>Component 3 version 1 - Test Plan (and screenshot)</a:t>
+            </a:r>
+            <a:endParaRPr dirty="0"/>
+          </a:p>
+        </p:txBody>
+      </p:sp>
+      <p:graphicFrame>
+        <p:nvGraphicFramePr>
+          <p:cNvPr id="79" name="Google Shape;79;p17"/>
+          <p:cNvGraphicFramePr/>
+          <p:nvPr>
+            <p:extLst>
+              <p:ext uri="{D42A27DB-BD31-4B8C-83A1-F6EECF244321}">
+                <p14:modId xmlns:p14="http://schemas.microsoft.com/office/powerpoint/2010/main" val="1908895172"/>
+              </p:ext>
+            </p:extLst>
+          </p:nvPr>
+        </p:nvGraphicFramePr>
+        <p:xfrm>
+          <a:off x="311700" y="3428237"/>
+          <a:ext cx="8520600" cy="1462980"/>
+        </p:xfrm>
+        <a:graphic>
+          <a:graphicData uri="http://schemas.openxmlformats.org/drawingml/2006/table">
+            <a:tbl>
+              <a:tblPr>
+                <a:noFill/>
+                <a:tableStyleId>{E1099E06-0E6B-448D-9D27-60429F06E6F4}</a:tableStyleId>
+              </a:tblPr>
+              <a:tblGrid>
+                <a:gridCol w="4260300">
+                  <a:extLst>
+                    <a:ext uri="{9D8B030D-6E8A-4147-A177-3AD203B41FA5}">
+                      <a16:colId xmlns:a16="http://schemas.microsoft.com/office/drawing/2014/main" val="20000"/>
+                    </a:ext>
+                  </a:extLst>
+                </a:gridCol>
+                <a:gridCol w="4260300">
+                  <a:extLst>
+                    <a:ext uri="{9D8B030D-6E8A-4147-A177-3AD203B41FA5}">
+                      <a16:colId xmlns:a16="http://schemas.microsoft.com/office/drawing/2014/main" val="20001"/>
+                    </a:ext>
+                  </a:extLst>
+                </a:gridCol>
+              </a:tblGrid>
+              <a:tr h="381000">
+                <a:tc>
+                  <a:txBody>
+                    <a:bodyPr/>
+                    <a:lstStyle/>
+                    <a:p>
+                      <a:pPr marL="0" lvl="0" indent="0" algn="l" rtl="0">
+                        <a:spcBef>
+                          <a:spcPts val="0"/>
+                        </a:spcBef>
+                        <a:spcAft>
+                          <a:spcPts val="0"/>
+                        </a:spcAft>
+                        <a:buNone/>
+                      </a:pPr>
+                      <a:r>
+                        <a:rPr lang="en" sz="1800" b="1"/>
+                        <a:t>Test Case</a:t>
+                      </a:r>
+                      <a:endParaRPr sz="1800" b="1"/>
+                    </a:p>
+                  </a:txBody>
+                  <a:tcPr marL="91425" marR="91425" marT="91425" marB="91425">
+                    <a:solidFill>
+                      <a:srgbClr val="CCCCCC"/>
+                    </a:solidFill>
+                  </a:tcPr>
+                </a:tc>
+                <a:tc>
+                  <a:txBody>
+                    <a:bodyPr/>
+                    <a:lstStyle/>
+                    <a:p>
+                      <a:pPr marL="0" lvl="0" indent="0" algn="l" rtl="0">
+                        <a:spcBef>
+                          <a:spcPts val="0"/>
+                        </a:spcBef>
+                        <a:spcAft>
+                          <a:spcPts val="0"/>
+                        </a:spcAft>
+                        <a:buNone/>
+                      </a:pPr>
+                      <a:r>
+                        <a:rPr lang="en" sz="1800" b="1" dirty="0"/>
+                        <a:t>Expected Values</a:t>
+                      </a:r>
+                      <a:endParaRPr sz="1800" b="1" dirty="0"/>
+                    </a:p>
+                  </a:txBody>
+                  <a:tcPr marL="91425" marR="91425" marT="91425" marB="91425">
+                    <a:solidFill>
+                      <a:srgbClr val="CCCCCC"/>
+                    </a:solidFill>
+                  </a:tcPr>
+                </a:tc>
+                <a:extLst>
+                  <a:ext uri="{0D108BD9-81ED-4DB2-BD59-A6C34878D82A}">
+                    <a16:rowId xmlns:a16="http://schemas.microsoft.com/office/drawing/2014/main" val="10000"/>
+                  </a:ext>
+                </a:extLst>
+              </a:tr>
+              <a:tr h="396200">
+                <a:tc>
+                  <a:txBody>
+                    <a:bodyPr/>
+                    <a:lstStyle/>
+                    <a:p>
+                      <a:pPr marL="0" lvl="0" indent="0" algn="l" rtl="0">
+                        <a:spcBef>
+                          <a:spcPts val="0"/>
+                        </a:spcBef>
+                        <a:spcAft>
+                          <a:spcPts val="0"/>
+                        </a:spcAft>
+                        <a:buNone/>
+                      </a:pPr>
+                      <a:r>
+                        <a:rPr lang="en-US" sz="1800" dirty="0"/>
+                        <a:t>Input name</a:t>
+                      </a:r>
+                    </a:p>
+                    <a:p>
+                      <a:pPr marL="0" lvl="0" indent="0" algn="l" rtl="0">
+                        <a:spcBef>
+                          <a:spcPts val="0"/>
+                        </a:spcBef>
+                        <a:spcAft>
+                          <a:spcPts val="0"/>
+                        </a:spcAft>
+                        <a:buNone/>
+                      </a:pPr>
+                      <a:r>
+                        <a:rPr lang="en-US" sz="1800" dirty="0"/>
+                        <a:t>Input phone number</a:t>
+                      </a:r>
+                    </a:p>
+                    <a:p>
+                      <a:pPr marL="0" lvl="0" indent="0" algn="l" rtl="0">
+                        <a:spcBef>
+                          <a:spcPts val="0"/>
+                        </a:spcBef>
+                        <a:spcAft>
+                          <a:spcPts val="0"/>
+                        </a:spcAft>
+                        <a:buNone/>
+                      </a:pPr>
+                      <a:r>
+                        <a:rPr lang="en-US" sz="1800" dirty="0"/>
+                        <a:t>Left input blank</a:t>
+                      </a:r>
+                      <a:endParaRPr sz="1800" dirty="0"/>
+                    </a:p>
+                  </a:txBody>
+                  <a:tcPr marL="91425" marR="91425" marT="91425" marB="91425"/>
+                </a:tc>
+                <a:tc>
+                  <a:txBody>
+                    <a:bodyPr/>
+                    <a:lstStyle/>
+                    <a:p>
+                      <a:pPr marL="0" lvl="0" indent="0" algn="l" rtl="0">
+                        <a:spcBef>
+                          <a:spcPts val="0"/>
+                        </a:spcBef>
+                        <a:spcAft>
+                          <a:spcPts val="0"/>
+                        </a:spcAft>
+                        <a:buNone/>
+                      </a:pPr>
+                      <a:r>
+                        <a:rPr lang="en-US" sz="1800" dirty="0"/>
+                        <a:t>Printed name correctly</a:t>
+                      </a:r>
+                    </a:p>
+                    <a:p>
+                      <a:pPr marL="0" lvl="0" indent="0" algn="l" rtl="0">
+                        <a:spcBef>
+                          <a:spcPts val="0"/>
+                        </a:spcBef>
+                        <a:spcAft>
+                          <a:spcPts val="0"/>
+                        </a:spcAft>
+                        <a:buNone/>
+                      </a:pPr>
+                      <a:r>
+                        <a:rPr lang="en-US" sz="1800" dirty="0"/>
+                        <a:t>Printed phone number</a:t>
+                      </a:r>
+                    </a:p>
+                    <a:p>
+                      <a:pPr marL="0" lvl="0" indent="0" algn="l" rtl="0">
+                        <a:spcBef>
+                          <a:spcPts val="0"/>
+                        </a:spcBef>
+                        <a:spcAft>
+                          <a:spcPts val="0"/>
+                        </a:spcAft>
+                        <a:buNone/>
+                      </a:pPr>
+                      <a:r>
+                        <a:rPr lang="en-US" sz="1800" dirty="0"/>
+                        <a:t>Accepted blank and printed blank input</a:t>
+                      </a:r>
+                    </a:p>
+                  </a:txBody>
+                  <a:tcPr marL="91425" marR="91425" marT="91425" marB="91425"/>
+                </a:tc>
+                <a:extLst>
+                  <a:ext uri="{0D108BD9-81ED-4DB2-BD59-A6C34878D82A}">
+                    <a16:rowId xmlns:a16="http://schemas.microsoft.com/office/drawing/2014/main" val="10001"/>
+                  </a:ext>
+                </a:extLst>
+              </a:tr>
+            </a:tbl>
+          </a:graphicData>
+        </a:graphic>
+      </p:graphicFrame>
+      <p:pic>
+        <p:nvPicPr>
+          <p:cNvPr id="4" name="Picture 3">
+            <a:extLst>
+              <a:ext uri="{FF2B5EF4-FFF2-40B4-BE49-F238E27FC236}">
+                <a16:creationId xmlns:a16="http://schemas.microsoft.com/office/drawing/2014/main" id="{FE5E4D52-2794-4DBD-A8DC-0FCABE10AD22}"/>
+              </a:ext>
+            </a:extLst>
+          </p:cNvPr>
+          <p:cNvPicPr>
+            <a:picLocks noChangeAspect="1"/>
+          </p:cNvPicPr>
+          <p:nvPr/>
+        </p:nvPicPr>
+        <p:blipFill>
+          <a:blip r:embed="rId3"/>
+          <a:stretch>
+            <a:fillRect/>
+          </a:stretch>
+        </p:blipFill>
+        <p:spPr>
+          <a:xfrm>
+            <a:off x="364273" y="1135410"/>
+            <a:ext cx="3321570" cy="2028487"/>
+          </a:xfrm>
+          <a:prstGeom prst="rect">
+            <a:avLst/>
+          </a:prstGeom>
+        </p:spPr>
+      </p:pic>
+      <p:pic>
+        <p:nvPicPr>
+          <p:cNvPr id="8" name="Picture 7">
+            <a:extLst>
+              <a:ext uri="{FF2B5EF4-FFF2-40B4-BE49-F238E27FC236}">
+                <a16:creationId xmlns:a16="http://schemas.microsoft.com/office/drawing/2014/main" id="{564E5D0D-541D-45C6-996E-C47DB3827D47}"/>
+              </a:ext>
+            </a:extLst>
+          </p:cNvPr>
+          <p:cNvPicPr>
+            <a:picLocks noChangeAspect="1"/>
+          </p:cNvPicPr>
+          <p:nvPr/>
+        </p:nvPicPr>
+        <p:blipFill>
+          <a:blip r:embed="rId4"/>
+          <a:stretch>
+            <a:fillRect/>
+          </a:stretch>
+        </p:blipFill>
+        <p:spPr>
+          <a:xfrm>
+            <a:off x="4572000" y="1135188"/>
+            <a:ext cx="3347832" cy="2147997"/>
+          </a:xfrm>
+          <a:prstGeom prst="rect">
+            <a:avLst/>
+          </a:prstGeom>
+        </p:spPr>
+      </p:pic>
+    </p:spTree>
+    <p:extLst>
+      <p:ext uri="{BB962C8B-B14F-4D97-AF65-F5344CB8AC3E}">
+        <p14:creationId xmlns:p14="http://schemas.microsoft.com/office/powerpoint/2010/main" val="1837728961"/>
+      </p:ext>
+    </p:extLst>
+  </p:cSld>
+  <p:clrMapOvr>
+    <a:masterClrMapping/>
+  </p:clrMapOvr>
+</p:sld>
+</file>
+
+<file path=ppt/slides/slide13.xml><?xml version="1.0" encoding="utf-8"?>
+<p:sld xmlns:a="http://schemas.openxmlformats.org/drawingml/2006/main" xmlns:r="http://schemas.openxmlformats.org/officeDocument/2006/relationships" xmlns:p="http://schemas.openxmlformats.org/presentationml/2006/main">
+  <p:cSld>
+    <p:bg>
+      <p:bgPr>
+        <a:solidFill>
+          <a:srgbClr val="D9EAD3"/>
+        </a:solidFill>
+        <a:effectLst/>
+      </p:bgPr>
+    </p:bg>
+    <p:spTree>
+      <p:nvGrpSpPr>
         <p:cNvPr id="1" name="Shape 83"/>
         <p:cNvGrpSpPr/>
         <p:nvPr/>
@@ -7863,7 +8642,7 @@
 </p:sld>
 </file>
 
-<file path=ppt/slides/slide12.xml><?xml version="1.0" encoding="utf-8"?>
+<file path=ppt/slides/slide14.xml><?xml version="1.0" encoding="utf-8"?>
 <p:sld xmlns:a="http://schemas.openxmlformats.org/drawingml/2006/main" xmlns:r="http://schemas.openxmlformats.org/officeDocument/2006/relationships" xmlns:p="http://schemas.openxmlformats.org/presentationml/2006/main">
   <p:cSld>
     <p:bg>

--- a/022_91893+_+91897+Documentation.pptx
+++ b/022_91893+_+91897+Documentation.pptx
@@ -5,7 +5,7 @@
     <p:sldMasterId id="2147483659" r:id="rId1"/>
   </p:sldMasterIdLst>
   <p:notesMasterIdLst>
-    <p:notesMasterId r:id="rId16"/>
+    <p:notesMasterId r:id="rId18"/>
   </p:notesMasterIdLst>
   <p:sldIdLst>
     <p:sldId id="256" r:id="rId2"/>
@@ -20,8 +20,10 @@
     <p:sldId id="267" r:id="rId11"/>
     <p:sldId id="268" r:id="rId12"/>
     <p:sldId id="269" r:id="rId13"/>
-    <p:sldId id="261" r:id="rId14"/>
-    <p:sldId id="262" r:id="rId15"/>
+    <p:sldId id="271" r:id="rId14"/>
+    <p:sldId id="272" r:id="rId15"/>
+    <p:sldId id="261" r:id="rId16"/>
+    <p:sldId id="262" r:id="rId17"/>
   </p:sldIdLst>
   <p:sldSz cx="9144000" cy="5143500" type="screen16x9"/>
   <p:notesSz cx="6858000" cy="9144000"/>
@@ -276,7 +278,7 @@
 <file path=ppt/revisionInfo.xml><?xml version="1.0" encoding="utf-8"?>
 <p1510:revInfo xmlns:a="http://schemas.openxmlformats.org/drawingml/2006/main" xmlns:r="http://schemas.openxmlformats.org/officeDocument/2006/relationships" xmlns:p1510="http://schemas.microsoft.com/office/powerpoint/2015/10/main">
   <p1510:revLst>
-    <p1510:client id="{FAACEEAB-46CB-4F54-BC5F-BC4B34800FB7}" v="17" dt="2022-02-23T01:46:55.550"/>
+    <p1510:client id="{FAACEEAB-46CB-4F54-BC5F-BC4B34800FB7}" v="20" dt="2022-02-23T23:26:41.009"/>
   </p1510:revLst>
 </p1510:revInfo>
 </file>
@@ -286,7 +288,7 @@
   <pc:docChgLst>
     <pc:chgData name="Daniel Pereira" userId="9d9a6c6d5611e777" providerId="LiveId" clId="{FAACEEAB-46CB-4F54-BC5F-BC4B34800FB7}"/>
     <pc:docChg chg="undo custSel addSld delSld modSld sldOrd">
-      <pc:chgData name="Daniel Pereira" userId="9d9a6c6d5611e777" providerId="LiveId" clId="{FAACEEAB-46CB-4F54-BC5F-BC4B34800FB7}" dt="2022-02-23T01:50:28.033" v="949" actId="20577"/>
+      <pc:chgData name="Daniel Pereira" userId="9d9a6c6d5611e777" providerId="LiveId" clId="{FAACEEAB-46CB-4F54-BC5F-BC4B34800FB7}" dt="2022-02-27T23:44:34.484" v="1093" actId="14100"/>
       <pc:docMkLst>
         <pc:docMk/>
       </pc:docMkLst>
@@ -743,6 +745,131 @@
           <pc:sldMk cId="2247430348" sldId="269"/>
         </pc:sldMkLst>
       </pc:sldChg>
+      <pc:sldChg chg="delSp modSp add del mod">
+        <pc:chgData name="Daniel Pereira" userId="9d9a6c6d5611e777" providerId="LiveId" clId="{FAACEEAB-46CB-4F54-BC5F-BC4B34800FB7}" dt="2022-02-23T23:25:50.940" v="956" actId="47"/>
+        <pc:sldMkLst>
+          <pc:docMk/>
+          <pc:sldMk cId="4021916714" sldId="270"/>
+        </pc:sldMkLst>
+        <pc:spChg chg="mod">
+          <ac:chgData name="Daniel Pereira" userId="9d9a6c6d5611e777" providerId="LiveId" clId="{FAACEEAB-46CB-4F54-BC5F-BC4B34800FB7}" dt="2022-02-23T23:18:29.494" v="952" actId="20577"/>
+          <ac:spMkLst>
+            <pc:docMk/>
+            <pc:sldMk cId="4021916714" sldId="270"/>
+            <ac:spMk id="78" creationId="{00000000-0000-0000-0000-000000000000}"/>
+          </ac:spMkLst>
+        </pc:spChg>
+        <pc:picChg chg="del">
+          <ac:chgData name="Daniel Pereira" userId="9d9a6c6d5611e777" providerId="LiveId" clId="{FAACEEAB-46CB-4F54-BC5F-BC4B34800FB7}" dt="2022-02-23T23:18:31.885" v="953" actId="478"/>
+          <ac:picMkLst>
+            <pc:docMk/>
+            <pc:sldMk cId="4021916714" sldId="270"/>
+            <ac:picMk id="4" creationId="{FE5E4D52-2794-4DBD-A8DC-0FCABE10AD22}"/>
+          </ac:picMkLst>
+        </pc:picChg>
+        <pc:picChg chg="del">
+          <ac:chgData name="Daniel Pereira" userId="9d9a6c6d5611e777" providerId="LiveId" clId="{FAACEEAB-46CB-4F54-BC5F-BC4B34800FB7}" dt="2022-02-23T23:18:33.587" v="954" actId="478"/>
+          <ac:picMkLst>
+            <pc:docMk/>
+            <pc:sldMk cId="4021916714" sldId="270"/>
+            <ac:picMk id="8" creationId="{564E5D0D-541D-45C6-996E-C47DB3827D47}"/>
+          </ac:picMkLst>
+        </pc:picChg>
+      </pc:sldChg>
+      <pc:sldChg chg="addSp delSp modSp add mod setBg">
+        <pc:chgData name="Daniel Pereira" userId="9d9a6c6d5611e777" providerId="LiveId" clId="{FAACEEAB-46CB-4F54-BC5F-BC4B34800FB7}" dt="2022-02-27T23:39:59.501" v="990" actId="1076"/>
+        <pc:sldMkLst>
+          <pc:docMk/>
+          <pc:sldMk cId="77927224" sldId="271"/>
+        </pc:sldMkLst>
+        <pc:spChg chg="mod">
+          <ac:chgData name="Daniel Pereira" userId="9d9a6c6d5611e777" providerId="LiveId" clId="{FAACEEAB-46CB-4F54-BC5F-BC4B34800FB7}" dt="2022-02-23T23:26:29.809" v="984" actId="20577"/>
+          <ac:spMkLst>
+            <pc:docMk/>
+            <pc:sldMk cId="77927224" sldId="271"/>
+            <ac:spMk id="73" creationId="{00000000-0000-0000-0000-000000000000}"/>
+          </ac:spMkLst>
+        </pc:spChg>
+        <pc:picChg chg="add mod">
+          <ac:chgData name="Daniel Pereira" userId="9d9a6c6d5611e777" providerId="LiveId" clId="{FAACEEAB-46CB-4F54-BC5F-BC4B34800FB7}" dt="2022-02-27T23:39:59.501" v="990" actId="1076"/>
+          <ac:picMkLst>
+            <pc:docMk/>
+            <pc:sldMk cId="77927224" sldId="271"/>
+            <ac:picMk id="3" creationId="{078C3122-53AE-4A9B-AB46-0DAB2988D97E}"/>
+          </ac:picMkLst>
+        </pc:picChg>
+        <pc:picChg chg="del">
+          <ac:chgData name="Daniel Pereira" userId="9d9a6c6d5611e777" providerId="LiveId" clId="{FAACEEAB-46CB-4F54-BC5F-BC4B34800FB7}" dt="2022-02-23T23:26:32.125" v="985" actId="478"/>
+          <ac:picMkLst>
+            <pc:docMk/>
+            <pc:sldMk cId="77927224" sldId="271"/>
+            <ac:picMk id="4" creationId="{08263A9A-7C3C-40A4-AB23-1B639E2D11E3}"/>
+          </ac:picMkLst>
+        </pc:picChg>
+      </pc:sldChg>
+      <pc:sldChg chg="addSp delSp modSp add mod">
+        <pc:chgData name="Daniel Pereira" userId="9d9a6c6d5611e777" providerId="LiveId" clId="{FAACEEAB-46CB-4F54-BC5F-BC4B34800FB7}" dt="2022-02-27T23:44:34.484" v="1093" actId="14100"/>
+        <pc:sldMkLst>
+          <pc:docMk/>
+          <pc:sldMk cId="803237999" sldId="272"/>
+        </pc:sldMkLst>
+        <pc:spChg chg="mod">
+          <ac:chgData name="Daniel Pereira" userId="9d9a6c6d5611e777" providerId="LiveId" clId="{FAACEEAB-46CB-4F54-BC5F-BC4B34800FB7}" dt="2022-02-27T23:44:27.730" v="1090" actId="1076"/>
+          <ac:spMkLst>
+            <pc:docMk/>
+            <pc:sldMk cId="803237999" sldId="272"/>
+            <ac:spMk id="78" creationId="{00000000-0000-0000-0000-000000000000}"/>
+          </ac:spMkLst>
+        </pc:spChg>
+        <pc:graphicFrameChg chg="modGraphic">
+          <ac:chgData name="Daniel Pereira" userId="9d9a6c6d5611e777" providerId="LiveId" clId="{FAACEEAB-46CB-4F54-BC5F-BC4B34800FB7}" dt="2022-02-27T23:43:17.998" v="1084" actId="14734"/>
+          <ac:graphicFrameMkLst>
+            <pc:docMk/>
+            <pc:sldMk cId="803237999" sldId="272"/>
+            <ac:graphicFrameMk id="79" creationId="{00000000-0000-0000-0000-000000000000}"/>
+          </ac:graphicFrameMkLst>
+        </pc:graphicFrameChg>
+        <pc:picChg chg="add mod">
+          <ac:chgData name="Daniel Pereira" userId="9d9a6c6d5611e777" providerId="LiveId" clId="{FAACEEAB-46CB-4F54-BC5F-BC4B34800FB7}" dt="2022-02-27T23:44:29.814" v="1091" actId="1076"/>
+          <ac:picMkLst>
+            <pc:docMk/>
+            <pc:sldMk cId="803237999" sldId="272"/>
+            <ac:picMk id="3" creationId="{40CF3DCE-7738-42C9-82CA-808BB5640359}"/>
+          </ac:picMkLst>
+        </pc:picChg>
+        <pc:picChg chg="del">
+          <ac:chgData name="Daniel Pereira" userId="9d9a6c6d5611e777" providerId="LiveId" clId="{FAACEEAB-46CB-4F54-BC5F-BC4B34800FB7}" dt="2022-02-27T23:38:32.618" v="988" actId="478"/>
+          <ac:picMkLst>
+            <pc:docMk/>
+            <pc:sldMk cId="803237999" sldId="272"/>
+            <ac:picMk id="4" creationId="{FE5E4D52-2794-4DBD-A8DC-0FCABE10AD22}"/>
+          </ac:picMkLst>
+        </pc:picChg>
+        <pc:picChg chg="add mod">
+          <ac:chgData name="Daniel Pereira" userId="9d9a6c6d5611e777" providerId="LiveId" clId="{FAACEEAB-46CB-4F54-BC5F-BC4B34800FB7}" dt="2022-02-27T23:42:21.346" v="996" actId="1076"/>
+          <ac:picMkLst>
+            <pc:docMk/>
+            <pc:sldMk cId="803237999" sldId="272"/>
+            <ac:picMk id="6" creationId="{B62026F4-84FB-4934-83C1-DC3705340108}"/>
+          </ac:picMkLst>
+        </pc:picChg>
+        <pc:picChg chg="del">
+          <ac:chgData name="Daniel Pereira" userId="9d9a6c6d5611e777" providerId="LiveId" clId="{FAACEEAB-46CB-4F54-BC5F-BC4B34800FB7}" dt="2022-02-27T23:38:31.208" v="987" actId="478"/>
+          <ac:picMkLst>
+            <pc:docMk/>
+            <pc:sldMk cId="803237999" sldId="272"/>
+            <ac:picMk id="8" creationId="{564E5D0D-541D-45C6-996E-C47DB3827D47}"/>
+          </ac:picMkLst>
+        </pc:picChg>
+        <pc:picChg chg="add mod">
+          <ac:chgData name="Daniel Pereira" userId="9d9a6c6d5611e777" providerId="LiveId" clId="{FAACEEAB-46CB-4F54-BC5F-BC4B34800FB7}" dt="2022-02-27T23:44:34.484" v="1093" actId="14100"/>
+          <ac:picMkLst>
+            <pc:docMk/>
+            <pc:sldMk cId="803237999" sldId="272"/>
+            <ac:picMk id="9" creationId="{3E02905C-BFDC-4845-9E90-220C1706D28A}"/>
+          </ac:picMkLst>
+        </pc:picChg>
+      </pc:sldChg>
     </pc:docChg>
   </pc:docChgLst>
   <pc:docChgLst>
@@ -1664,6 +1791,224 @@
   <p:cSld>
     <p:spTree>
       <p:nvGrpSpPr>
+        <p:cNvPr id="1" name="Shape 69"/>
+        <p:cNvGrpSpPr/>
+        <p:nvPr/>
+      </p:nvGrpSpPr>
+      <p:grpSpPr>
+        <a:xfrm>
+          <a:off x="0" y="0"/>
+          <a:ext cx="0" cy="0"/>
+          <a:chOff x="0" y="0"/>
+          <a:chExt cx="0" cy="0"/>
+        </a:xfrm>
+      </p:grpSpPr>
+      <p:sp>
+        <p:nvSpPr>
+          <p:cNvPr id="70" name="Google Shape;70;gac10fef634_0_16:notes"/>
+          <p:cNvSpPr>
+            <a:spLocks noGrp="1" noRot="1" noChangeAspect="1"/>
+          </p:cNvSpPr>
+          <p:nvPr>
+            <p:ph type="sldImg" idx="2"/>
+          </p:nvPr>
+        </p:nvSpPr>
+        <p:spPr>
+          <a:xfrm>
+            <a:off x="381000" y="685800"/>
+            <a:ext cx="6096000" cy="3429000"/>
+          </a:xfrm>
+          <a:custGeom>
+            <a:avLst/>
+            <a:gdLst/>
+            <a:ahLst/>
+            <a:cxnLst/>
+            <a:rect l="l" t="t" r="r" b="b"/>
+            <a:pathLst>
+              <a:path w="120000" h="120000" extrusionOk="0">
+                <a:moveTo>
+                  <a:pt x="0" y="0"/>
+                </a:moveTo>
+                <a:lnTo>
+                  <a:pt x="120000" y="0"/>
+                </a:lnTo>
+                <a:lnTo>
+                  <a:pt x="120000" y="120000"/>
+                </a:lnTo>
+                <a:lnTo>
+                  <a:pt x="0" y="120000"/>
+                </a:lnTo>
+                <a:close/>
+              </a:path>
+            </a:pathLst>
+          </a:custGeom>
+        </p:spPr>
+      </p:sp>
+      <p:sp>
+        <p:nvSpPr>
+          <p:cNvPr id="71" name="Google Shape;71;gac10fef634_0_16:notes"/>
+          <p:cNvSpPr txBox="1">
+            <a:spLocks noGrp="1"/>
+          </p:cNvSpPr>
+          <p:nvPr>
+            <p:ph type="body" idx="1"/>
+          </p:nvPr>
+        </p:nvSpPr>
+        <p:spPr>
+          <a:xfrm>
+            <a:off x="685800" y="4343400"/>
+            <a:ext cx="5486400" cy="4114800"/>
+          </a:xfrm>
+          <a:prstGeom prst="rect">
+            <a:avLst/>
+          </a:prstGeom>
+        </p:spPr>
+        <p:txBody>
+          <a:bodyPr spcFirstLastPara="1" wrap="square" lIns="91425" tIns="91425" rIns="91425" bIns="91425" anchor="t" anchorCtr="0">
+            <a:noAutofit/>
+          </a:bodyPr>
+          <a:lstStyle/>
+          <a:p>
+            <a:pPr marL="0" lvl="0" indent="0" algn="l" rtl="0">
+              <a:spcBef>
+                <a:spcPts val="0"/>
+              </a:spcBef>
+              <a:spcAft>
+                <a:spcPts val="0"/>
+              </a:spcAft>
+              <a:buNone/>
+            </a:pPr>
+            <a:endParaRPr/>
+          </a:p>
+        </p:txBody>
+      </p:sp>
+    </p:spTree>
+    <p:extLst>
+      <p:ext uri="{BB962C8B-B14F-4D97-AF65-F5344CB8AC3E}">
+        <p14:creationId xmlns:p14="http://schemas.microsoft.com/office/powerpoint/2010/main" val="2805788633"/>
+      </p:ext>
+    </p:extLst>
+  </p:cSld>
+  <p:clrMapOvr>
+    <a:masterClrMapping/>
+  </p:clrMapOvr>
+</p:notes>
+</file>
+
+<file path=ppt/notesSlides/notesSlide14.xml><?xml version="1.0" encoding="utf-8"?>
+<p:notes xmlns:a="http://schemas.openxmlformats.org/drawingml/2006/main" xmlns:r="http://schemas.openxmlformats.org/officeDocument/2006/relationships" xmlns:p="http://schemas.openxmlformats.org/presentationml/2006/main" showMasterSp="0" showMasterPhAnim="0">
+  <p:cSld>
+    <p:spTree>
+      <p:nvGrpSpPr>
+        <p:cNvPr id="1" name="Shape 74"/>
+        <p:cNvGrpSpPr/>
+        <p:nvPr/>
+      </p:nvGrpSpPr>
+      <p:grpSpPr>
+        <a:xfrm>
+          <a:off x="0" y="0"/>
+          <a:ext cx="0" cy="0"/>
+          <a:chOff x="0" y="0"/>
+          <a:chExt cx="0" cy="0"/>
+        </a:xfrm>
+      </p:grpSpPr>
+      <p:sp>
+        <p:nvSpPr>
+          <p:cNvPr id="75" name="Google Shape;75;gac10fef634_0_20:notes"/>
+          <p:cNvSpPr>
+            <a:spLocks noGrp="1" noRot="1" noChangeAspect="1"/>
+          </p:cNvSpPr>
+          <p:nvPr>
+            <p:ph type="sldImg" idx="2"/>
+          </p:nvPr>
+        </p:nvSpPr>
+        <p:spPr>
+          <a:xfrm>
+            <a:off x="381000" y="685800"/>
+            <a:ext cx="6096000" cy="3429000"/>
+          </a:xfrm>
+          <a:custGeom>
+            <a:avLst/>
+            <a:gdLst/>
+            <a:ahLst/>
+            <a:cxnLst/>
+            <a:rect l="l" t="t" r="r" b="b"/>
+            <a:pathLst>
+              <a:path w="120000" h="120000" extrusionOk="0">
+                <a:moveTo>
+                  <a:pt x="0" y="0"/>
+                </a:moveTo>
+                <a:lnTo>
+                  <a:pt x="120000" y="0"/>
+                </a:lnTo>
+                <a:lnTo>
+                  <a:pt x="120000" y="120000"/>
+                </a:lnTo>
+                <a:lnTo>
+                  <a:pt x="0" y="120000"/>
+                </a:lnTo>
+                <a:close/>
+              </a:path>
+            </a:pathLst>
+          </a:custGeom>
+        </p:spPr>
+      </p:sp>
+      <p:sp>
+        <p:nvSpPr>
+          <p:cNvPr id="76" name="Google Shape;76;gac10fef634_0_20:notes"/>
+          <p:cNvSpPr txBox="1">
+            <a:spLocks noGrp="1"/>
+          </p:cNvSpPr>
+          <p:nvPr>
+            <p:ph type="body" idx="1"/>
+          </p:nvPr>
+        </p:nvSpPr>
+        <p:spPr>
+          <a:xfrm>
+            <a:off x="685800" y="4343400"/>
+            <a:ext cx="5486400" cy="4114800"/>
+          </a:xfrm>
+          <a:prstGeom prst="rect">
+            <a:avLst/>
+          </a:prstGeom>
+        </p:spPr>
+        <p:txBody>
+          <a:bodyPr spcFirstLastPara="1" wrap="square" lIns="91425" tIns="91425" rIns="91425" bIns="91425" anchor="t" anchorCtr="0">
+            <a:noAutofit/>
+          </a:bodyPr>
+          <a:lstStyle/>
+          <a:p>
+            <a:pPr marL="0" lvl="0" indent="0" algn="l" rtl="0">
+              <a:spcBef>
+                <a:spcPts val="0"/>
+              </a:spcBef>
+              <a:spcAft>
+                <a:spcPts val="0"/>
+              </a:spcAft>
+              <a:buNone/>
+            </a:pPr>
+            <a:endParaRPr/>
+          </a:p>
+        </p:txBody>
+      </p:sp>
+    </p:spTree>
+    <p:extLst>
+      <p:ext uri="{BB962C8B-B14F-4D97-AF65-F5344CB8AC3E}">
+        <p14:creationId xmlns:p14="http://schemas.microsoft.com/office/powerpoint/2010/main" val="2267714874"/>
+      </p:ext>
+    </p:extLst>
+  </p:cSld>
+  <p:clrMapOvr>
+    <a:masterClrMapping/>
+  </p:clrMapOvr>
+</p:notes>
+</file>
+
+<file path=ppt/notesSlides/notesSlide15.xml><?xml version="1.0" encoding="utf-8"?>
+<p:notes xmlns:a="http://schemas.openxmlformats.org/drawingml/2006/main" xmlns:r="http://schemas.openxmlformats.org/officeDocument/2006/relationships" xmlns:p="http://schemas.openxmlformats.org/presentationml/2006/main" showMasterSp="0" showMasterPhAnim="0">
+  <p:cSld>
+    <p:spTree>
+      <p:nvGrpSpPr>
         <p:cNvPr id="1" name="Shape 80"/>
         <p:cNvGrpSpPr/>
         <p:nvPr/>
@@ -1784,7 +2129,7 @@
 </p:notes>
 </file>
 
-<file path=ppt/notesSlides/notesSlide14.xml><?xml version="1.0" encoding="utf-8"?>
+<file path=ppt/notesSlides/notesSlide16.xml><?xml version="1.0" encoding="utf-8"?>
 <p:notes xmlns:a="http://schemas.openxmlformats.org/drawingml/2006/main" xmlns:r="http://schemas.openxmlformats.org/officeDocument/2006/relationships" xmlns:p="http://schemas.openxmlformats.org/presentationml/2006/main" showMasterSp="0" showMasterPhAnim="0">
   <p:cSld>
     <p:spTree>
@@ -8538,6 +8883,494 @@
     </p:bg>
     <p:spTree>
       <p:nvGrpSpPr>
+        <p:cNvPr id="1" name="Shape 72"/>
+        <p:cNvGrpSpPr/>
+        <p:nvPr/>
+      </p:nvGrpSpPr>
+      <p:grpSpPr>
+        <a:xfrm>
+          <a:off x="0" y="0"/>
+          <a:ext cx="0" cy="0"/>
+          <a:chOff x="0" y="0"/>
+          <a:chExt cx="0" cy="0"/>
+        </a:xfrm>
+      </p:grpSpPr>
+      <p:sp>
+        <p:nvSpPr>
+          <p:cNvPr id="73" name="Google Shape;73;p16"/>
+          <p:cNvSpPr txBox="1">
+            <a:spLocks noGrp="1"/>
+          </p:cNvSpPr>
+          <p:nvPr>
+            <p:ph type="title"/>
+          </p:nvPr>
+        </p:nvSpPr>
+        <p:spPr>
+          <a:xfrm>
+            <a:off x="311700" y="445025"/>
+            <a:ext cx="8520600" cy="572700"/>
+          </a:xfrm>
+          <a:prstGeom prst="rect">
+            <a:avLst/>
+          </a:prstGeom>
+        </p:spPr>
+        <p:txBody>
+          <a:bodyPr spcFirstLastPara="1" wrap="square" lIns="91425" tIns="91425" rIns="91425" bIns="91425" anchor="t" anchorCtr="0">
+            <a:noAutofit/>
+          </a:bodyPr>
+          <a:lstStyle/>
+          <a:p>
+            <a:pPr marL="0" lvl="0" indent="0" algn="l" rtl="0">
+              <a:spcBef>
+                <a:spcPts val="0"/>
+              </a:spcBef>
+              <a:spcAft>
+                <a:spcPts val="0"/>
+              </a:spcAft>
+              <a:buNone/>
+            </a:pPr>
+            <a:r>
+              <a:rPr lang="en" dirty="0"/>
+              <a:t>Component 3 Pick up info v2 (Trello screenshot)</a:t>
+            </a:r>
+            <a:endParaRPr dirty="0"/>
+          </a:p>
+        </p:txBody>
+      </p:sp>
+      <p:pic>
+        <p:nvPicPr>
+          <p:cNvPr id="3" name="Picture 2">
+            <a:extLst>
+              <a:ext uri="{FF2B5EF4-FFF2-40B4-BE49-F238E27FC236}">
+                <a16:creationId xmlns:a16="http://schemas.microsoft.com/office/drawing/2014/main" id="{078C3122-53AE-4A9B-AB46-0DAB2988D97E}"/>
+              </a:ext>
+            </a:extLst>
+          </p:cNvPr>
+          <p:cNvPicPr>
+            <a:picLocks noChangeAspect="1"/>
+          </p:cNvPicPr>
+          <p:nvPr/>
+        </p:nvPicPr>
+        <p:blipFill>
+          <a:blip r:embed="rId3"/>
+          <a:stretch>
+            <a:fillRect/>
+          </a:stretch>
+        </p:blipFill>
+        <p:spPr>
+          <a:xfrm>
+            <a:off x="441708" y="1125184"/>
+            <a:ext cx="7948349" cy="3696020"/>
+          </a:xfrm>
+          <a:prstGeom prst="rect">
+            <a:avLst/>
+          </a:prstGeom>
+        </p:spPr>
+      </p:pic>
+    </p:spTree>
+    <p:extLst>
+      <p:ext uri="{BB962C8B-B14F-4D97-AF65-F5344CB8AC3E}">
+        <p14:creationId xmlns:p14="http://schemas.microsoft.com/office/powerpoint/2010/main" val="77927224"/>
+      </p:ext>
+    </p:extLst>
+  </p:cSld>
+  <p:clrMapOvr>
+    <a:masterClrMapping/>
+  </p:clrMapOvr>
+</p:sld>
+</file>
+
+<file path=ppt/slides/slide14.xml><?xml version="1.0" encoding="utf-8"?>
+<p:sld xmlns:a="http://schemas.openxmlformats.org/drawingml/2006/main" xmlns:r="http://schemas.openxmlformats.org/officeDocument/2006/relationships" xmlns:p="http://schemas.openxmlformats.org/presentationml/2006/main">
+  <p:cSld>
+    <p:spTree>
+      <p:nvGrpSpPr>
+        <p:cNvPr id="1" name="Shape 77"/>
+        <p:cNvGrpSpPr/>
+        <p:nvPr/>
+      </p:nvGrpSpPr>
+      <p:grpSpPr>
+        <a:xfrm>
+          <a:off x="0" y="0"/>
+          <a:ext cx="0" cy="0"/>
+          <a:chOff x="0" y="0"/>
+          <a:chExt cx="0" cy="0"/>
+        </a:xfrm>
+      </p:grpSpPr>
+      <p:sp>
+        <p:nvSpPr>
+          <p:cNvPr id="78" name="Google Shape;78;p17"/>
+          <p:cNvSpPr txBox="1">
+            <a:spLocks noGrp="1"/>
+          </p:cNvSpPr>
+          <p:nvPr>
+            <p:ph type="title"/>
+          </p:nvPr>
+        </p:nvSpPr>
+        <p:spPr>
+          <a:xfrm>
+            <a:off x="311700" y="187580"/>
+            <a:ext cx="8520600" cy="572700"/>
+          </a:xfrm>
+          <a:prstGeom prst="rect">
+            <a:avLst/>
+          </a:prstGeom>
+        </p:spPr>
+        <p:txBody>
+          <a:bodyPr spcFirstLastPara="1" wrap="square" lIns="91425" tIns="91425" rIns="91425" bIns="91425" anchor="t" anchorCtr="0">
+            <a:noAutofit/>
+          </a:bodyPr>
+          <a:lstStyle/>
+          <a:p>
+            <a:pPr marL="0" lvl="0" indent="0" algn="l" rtl="0">
+              <a:spcBef>
+                <a:spcPts val="0"/>
+              </a:spcBef>
+              <a:spcAft>
+                <a:spcPts val="0"/>
+              </a:spcAft>
+              <a:buNone/>
+            </a:pPr>
+            <a:r>
+              <a:rPr lang="en" dirty="0"/>
+              <a:t>Component 3 version 2 - Test Plan (and screenshot)</a:t>
+            </a:r>
+            <a:endParaRPr dirty="0"/>
+          </a:p>
+        </p:txBody>
+      </p:sp>
+      <p:graphicFrame>
+        <p:nvGraphicFramePr>
+          <p:cNvPr id="79" name="Google Shape;79;p17"/>
+          <p:cNvGraphicFramePr/>
+          <p:nvPr>
+            <p:extLst>
+              <p:ext uri="{D42A27DB-BD31-4B8C-83A1-F6EECF244321}">
+                <p14:modId xmlns:p14="http://schemas.microsoft.com/office/powerpoint/2010/main" val="3504436790"/>
+              </p:ext>
+            </p:extLst>
+          </p:nvPr>
+        </p:nvGraphicFramePr>
+        <p:xfrm>
+          <a:off x="311700" y="3428237"/>
+          <a:ext cx="8520600" cy="1462980"/>
+        </p:xfrm>
+        <a:graphic>
+          <a:graphicData uri="http://schemas.openxmlformats.org/drawingml/2006/table">
+            <a:tbl>
+              <a:tblPr>
+                <a:noFill/>
+                <a:tableStyleId>{E1099E06-0E6B-448D-9D27-60429F06E6F4}</a:tableStyleId>
+              </a:tblPr>
+              <a:tblGrid>
+                <a:gridCol w="2438934">
+                  <a:extLst>
+                    <a:ext uri="{9D8B030D-6E8A-4147-A177-3AD203B41FA5}">
+                      <a16:colId xmlns:a16="http://schemas.microsoft.com/office/drawing/2014/main" val="20000"/>
+                    </a:ext>
+                  </a:extLst>
+                </a:gridCol>
+                <a:gridCol w="6081666">
+                  <a:extLst>
+                    <a:ext uri="{9D8B030D-6E8A-4147-A177-3AD203B41FA5}">
+                      <a16:colId xmlns:a16="http://schemas.microsoft.com/office/drawing/2014/main" val="20001"/>
+                    </a:ext>
+                  </a:extLst>
+                </a:gridCol>
+              </a:tblGrid>
+              <a:tr h="381000">
+                <a:tc>
+                  <a:txBody>
+                    <a:bodyPr/>
+                    <a:lstStyle/>
+                    <a:p>
+                      <a:pPr marL="0" lvl="0" indent="0" algn="l" rtl="0">
+                        <a:spcBef>
+                          <a:spcPts val="0"/>
+                        </a:spcBef>
+                        <a:spcAft>
+                          <a:spcPts val="0"/>
+                        </a:spcAft>
+                        <a:buNone/>
+                      </a:pPr>
+                      <a:r>
+                        <a:rPr lang="en" sz="1800" b="1"/>
+                        <a:t>Test Case</a:t>
+                      </a:r>
+                      <a:endParaRPr sz="1800" b="1"/>
+                    </a:p>
+                  </a:txBody>
+                  <a:tcPr marL="91425" marR="91425" marT="91425" marB="91425">
+                    <a:solidFill>
+                      <a:srgbClr val="CCCCCC"/>
+                    </a:solidFill>
+                  </a:tcPr>
+                </a:tc>
+                <a:tc>
+                  <a:txBody>
+                    <a:bodyPr/>
+                    <a:lstStyle/>
+                    <a:p>
+                      <a:pPr marL="0" lvl="0" indent="0" algn="l" rtl="0">
+                        <a:spcBef>
+                          <a:spcPts val="0"/>
+                        </a:spcBef>
+                        <a:spcAft>
+                          <a:spcPts val="0"/>
+                        </a:spcAft>
+                        <a:buNone/>
+                      </a:pPr>
+                      <a:r>
+                        <a:rPr lang="en" sz="1800" b="1" dirty="0"/>
+                        <a:t>Expected Values</a:t>
+                      </a:r>
+                      <a:endParaRPr sz="1800" b="1" dirty="0"/>
+                    </a:p>
+                  </a:txBody>
+                  <a:tcPr marL="91425" marR="91425" marT="91425" marB="91425">
+                    <a:solidFill>
+                      <a:srgbClr val="CCCCCC"/>
+                    </a:solidFill>
+                  </a:tcPr>
+                </a:tc>
+                <a:extLst>
+                  <a:ext uri="{0D108BD9-81ED-4DB2-BD59-A6C34878D82A}">
+                    <a16:rowId xmlns:a16="http://schemas.microsoft.com/office/drawing/2014/main" val="10000"/>
+                  </a:ext>
+                </a:extLst>
+              </a:tr>
+              <a:tr h="396200">
+                <a:tc>
+                  <a:txBody>
+                    <a:bodyPr/>
+                    <a:lstStyle/>
+                    <a:p>
+                      <a:pPr marL="0" lvl="0" indent="0" algn="l" rtl="0">
+                        <a:spcBef>
+                          <a:spcPts val="0"/>
+                        </a:spcBef>
+                        <a:spcAft>
+                          <a:spcPts val="0"/>
+                        </a:spcAft>
+                        <a:buNone/>
+                      </a:pPr>
+                      <a:r>
+                        <a:rPr lang="en-US" sz="1800" dirty="0"/>
+                        <a:t>Input name</a:t>
+                      </a:r>
+                    </a:p>
+                    <a:p>
+                      <a:pPr marL="0" lvl="0" indent="0" algn="l" rtl="0">
+                        <a:spcBef>
+                          <a:spcPts val="0"/>
+                        </a:spcBef>
+                        <a:spcAft>
+                          <a:spcPts val="0"/>
+                        </a:spcAft>
+                        <a:buNone/>
+                      </a:pPr>
+                      <a:r>
+                        <a:rPr lang="en-US" sz="1800" dirty="0"/>
+                        <a:t>Input phone number</a:t>
+                      </a:r>
+                    </a:p>
+                    <a:p>
+                      <a:pPr marL="0" lvl="0" indent="0" algn="l" rtl="0">
+                        <a:spcBef>
+                          <a:spcPts val="0"/>
+                        </a:spcBef>
+                        <a:spcAft>
+                          <a:spcPts val="0"/>
+                        </a:spcAft>
+                        <a:buNone/>
+                      </a:pPr>
+                      <a:r>
+                        <a:rPr lang="en-US" sz="1800" dirty="0"/>
+                        <a:t>Left input blank</a:t>
+                      </a:r>
+                      <a:endParaRPr sz="1800" dirty="0"/>
+                    </a:p>
+                  </a:txBody>
+                  <a:tcPr marL="91425" marR="91425" marT="91425" marB="91425"/>
+                </a:tc>
+                <a:tc>
+                  <a:txBody>
+                    <a:bodyPr/>
+                    <a:lstStyle/>
+                    <a:p>
+                      <a:pPr marL="0" lvl="0" indent="0" algn="l" rtl="0">
+                        <a:spcBef>
+                          <a:spcPts val="0"/>
+                        </a:spcBef>
+                        <a:spcAft>
+                          <a:spcPts val="0"/>
+                        </a:spcAft>
+                        <a:buNone/>
+                      </a:pPr>
+                      <a:r>
+                        <a:rPr lang="en-US" sz="1800" dirty="0"/>
+                        <a:t>Printed name correctly</a:t>
+                      </a:r>
+                    </a:p>
+                    <a:p>
+                      <a:pPr marL="0" lvl="0" indent="0" algn="l" rtl="0">
+                        <a:spcBef>
+                          <a:spcPts val="0"/>
+                        </a:spcBef>
+                        <a:spcAft>
+                          <a:spcPts val="0"/>
+                        </a:spcAft>
+                        <a:buNone/>
+                      </a:pPr>
+                      <a:r>
+                        <a:rPr lang="en-US" sz="1800" dirty="0"/>
+                        <a:t>Printed phone number</a:t>
+                      </a:r>
+                    </a:p>
+                    <a:p>
+                      <a:pPr marL="0" lvl="0" indent="0" algn="l" rtl="0">
+                        <a:spcBef>
+                          <a:spcPts val="0"/>
+                        </a:spcBef>
+                        <a:spcAft>
+                          <a:spcPts val="0"/>
+                        </a:spcAft>
+                        <a:buNone/>
+                      </a:pPr>
+                      <a:r>
+                        <a:rPr lang="en-US" sz="1800" dirty="0"/>
+                        <a:t>Prints “Sorry this cannot be blank – goes back to input</a:t>
+                      </a:r>
+                    </a:p>
+                  </a:txBody>
+                  <a:tcPr marL="91425" marR="91425" marT="91425" marB="91425"/>
+                </a:tc>
+                <a:extLst>
+                  <a:ext uri="{0D108BD9-81ED-4DB2-BD59-A6C34878D82A}">
+                    <a16:rowId xmlns:a16="http://schemas.microsoft.com/office/drawing/2014/main" val="10001"/>
+                  </a:ext>
+                </a:extLst>
+              </a:tr>
+            </a:tbl>
+          </a:graphicData>
+        </a:graphic>
+      </p:graphicFrame>
+      <p:pic>
+        <p:nvPicPr>
+          <p:cNvPr id="3" name="Picture 2">
+            <a:extLst>
+              <a:ext uri="{FF2B5EF4-FFF2-40B4-BE49-F238E27FC236}">
+                <a16:creationId xmlns:a16="http://schemas.microsoft.com/office/drawing/2014/main" id="{40CF3DCE-7738-42C9-82CA-808BB5640359}"/>
+              </a:ext>
+            </a:extLst>
+          </p:cNvPr>
+          <p:cNvPicPr>
+            <a:picLocks noChangeAspect="1"/>
+          </p:cNvPicPr>
+          <p:nvPr/>
+        </p:nvPicPr>
+        <p:blipFill>
+          <a:blip r:embed="rId3"/>
+          <a:stretch>
+            <a:fillRect/>
+          </a:stretch>
+        </p:blipFill>
+        <p:spPr>
+          <a:xfrm>
+            <a:off x="311700" y="908879"/>
+            <a:ext cx="2966759" cy="879432"/>
+          </a:xfrm>
+          <a:prstGeom prst="rect">
+            <a:avLst/>
+          </a:prstGeom>
+        </p:spPr>
+      </p:pic>
+      <p:pic>
+        <p:nvPicPr>
+          <p:cNvPr id="6" name="Picture 5">
+            <a:extLst>
+              <a:ext uri="{FF2B5EF4-FFF2-40B4-BE49-F238E27FC236}">
+                <a16:creationId xmlns:a16="http://schemas.microsoft.com/office/drawing/2014/main" id="{B62026F4-84FB-4934-83C1-DC3705340108}"/>
+              </a:ext>
+            </a:extLst>
+          </p:cNvPr>
+          <p:cNvPicPr>
+            <a:picLocks noChangeAspect="1"/>
+          </p:cNvPicPr>
+          <p:nvPr/>
+        </p:nvPicPr>
+        <p:blipFill>
+          <a:blip r:embed="rId4"/>
+          <a:stretch>
+            <a:fillRect/>
+          </a:stretch>
+        </p:blipFill>
+        <p:spPr>
+          <a:xfrm>
+            <a:off x="311700" y="1936910"/>
+            <a:ext cx="2798941" cy="1491327"/>
+          </a:xfrm>
+          <a:prstGeom prst="rect">
+            <a:avLst/>
+          </a:prstGeom>
+        </p:spPr>
+      </p:pic>
+      <p:pic>
+        <p:nvPicPr>
+          <p:cNvPr id="9" name="Picture 8">
+            <a:extLst>
+              <a:ext uri="{FF2B5EF4-FFF2-40B4-BE49-F238E27FC236}">
+                <a16:creationId xmlns:a16="http://schemas.microsoft.com/office/drawing/2014/main" id="{3E02905C-BFDC-4845-9E90-220C1706D28A}"/>
+              </a:ext>
+            </a:extLst>
+          </p:cNvPr>
+          <p:cNvPicPr>
+            <a:picLocks noChangeAspect="1"/>
+          </p:cNvPicPr>
+          <p:nvPr/>
+        </p:nvPicPr>
+        <p:blipFill>
+          <a:blip r:embed="rId5"/>
+          <a:stretch>
+            <a:fillRect/>
+          </a:stretch>
+        </p:blipFill>
+        <p:spPr>
+          <a:xfrm>
+            <a:off x="4233045" y="827419"/>
+            <a:ext cx="2598935" cy="2558840"/>
+          </a:xfrm>
+          <a:prstGeom prst="rect">
+            <a:avLst/>
+          </a:prstGeom>
+        </p:spPr>
+      </p:pic>
+    </p:spTree>
+    <p:extLst>
+      <p:ext uri="{BB962C8B-B14F-4D97-AF65-F5344CB8AC3E}">
+        <p14:creationId xmlns:p14="http://schemas.microsoft.com/office/powerpoint/2010/main" val="803237999"/>
+      </p:ext>
+    </p:extLst>
+  </p:cSld>
+  <p:clrMapOvr>
+    <a:masterClrMapping/>
+  </p:clrMapOvr>
+</p:sld>
+</file>
+
+<file path=ppt/slides/slide15.xml><?xml version="1.0" encoding="utf-8"?>
+<p:sld xmlns:a="http://schemas.openxmlformats.org/drawingml/2006/main" xmlns:r="http://schemas.openxmlformats.org/officeDocument/2006/relationships" xmlns:p="http://schemas.openxmlformats.org/presentationml/2006/main">
+  <p:cSld>
+    <p:bg>
+      <p:bgPr>
+        <a:solidFill>
+          <a:srgbClr val="D9EAD3"/>
+        </a:solidFill>
+        <a:effectLst/>
+      </p:bgPr>
+    </p:bg>
+    <p:spTree>
+      <p:nvGrpSpPr>
         <p:cNvPr id="1" name="Shape 83"/>
         <p:cNvGrpSpPr/>
         <p:nvPr/>
@@ -8642,7 +9475,7 @@
 </p:sld>
 </file>
 
-<file path=ppt/slides/slide14.xml><?xml version="1.0" encoding="utf-8"?>
+<file path=ppt/slides/slide16.xml><?xml version="1.0" encoding="utf-8"?>
 <p:sld xmlns:a="http://schemas.openxmlformats.org/drawingml/2006/main" xmlns:r="http://schemas.openxmlformats.org/officeDocument/2006/relationships" xmlns:p="http://schemas.openxmlformats.org/presentationml/2006/main">
   <p:cSld>
     <p:bg>

--- a/022_91893+_+91897+Documentation.pptx
+++ b/022_91893+_+91897+Documentation.pptx
@@ -5,7 +5,7 @@
     <p:sldMasterId id="2147483659" r:id="rId1"/>
   </p:sldMasterIdLst>
   <p:notesMasterIdLst>
-    <p:notesMasterId r:id="rId18"/>
+    <p:notesMasterId r:id="rId20"/>
   </p:notesMasterIdLst>
   <p:sldIdLst>
     <p:sldId id="256" r:id="rId2"/>
@@ -22,8 +22,10 @@
     <p:sldId id="269" r:id="rId13"/>
     <p:sldId id="271" r:id="rId14"/>
     <p:sldId id="272" r:id="rId15"/>
-    <p:sldId id="261" r:id="rId16"/>
-    <p:sldId id="262" r:id="rId17"/>
+    <p:sldId id="273" r:id="rId16"/>
+    <p:sldId id="274" r:id="rId17"/>
+    <p:sldId id="261" r:id="rId18"/>
+    <p:sldId id="262" r:id="rId19"/>
   </p:sldIdLst>
   <p:sldSz cx="9144000" cy="5143500" type="screen16x9"/>
   <p:notesSz cx="6858000" cy="9144000"/>
@@ -278,7 +280,7 @@
 <file path=ppt/revisionInfo.xml><?xml version="1.0" encoding="utf-8"?>
 <p1510:revInfo xmlns:a="http://schemas.openxmlformats.org/drawingml/2006/main" xmlns:r="http://schemas.openxmlformats.org/officeDocument/2006/relationships" xmlns:p1510="http://schemas.microsoft.com/office/powerpoint/2015/10/main">
   <p1510:revLst>
-    <p1510:client id="{FAACEEAB-46CB-4F54-BC5F-BC4B34800FB7}" v="20" dt="2022-02-23T23:26:41.009"/>
+    <p1510:client id="{FAACEEAB-46CB-4F54-BC5F-BC4B34800FB7}" v="22" dt="2022-02-27T23:57:30.552"/>
   </p1510:revLst>
 </p1510:revInfo>
 </file>
@@ -288,7 +290,7 @@
   <pc:docChgLst>
     <pc:chgData name="Daniel Pereira" userId="9d9a6c6d5611e777" providerId="LiveId" clId="{FAACEEAB-46CB-4F54-BC5F-BC4B34800FB7}"/>
     <pc:docChg chg="undo custSel addSld delSld modSld sldOrd">
-      <pc:chgData name="Daniel Pereira" userId="9d9a6c6d5611e777" providerId="LiveId" clId="{FAACEEAB-46CB-4F54-BC5F-BC4B34800FB7}" dt="2022-02-27T23:44:34.484" v="1093" actId="14100"/>
+      <pc:chgData name="Daniel Pereira" userId="9d9a6c6d5611e777" providerId="LiveId" clId="{FAACEEAB-46CB-4F54-BC5F-BC4B34800FB7}" dt="2022-02-28T00:02:07.168" v="1114" actId="1076"/>
       <pc:docMkLst>
         <pc:docMk/>
       </pc:docMkLst>
@@ -870,6 +872,92 @@
           </ac:picMkLst>
         </pc:picChg>
       </pc:sldChg>
+      <pc:sldChg chg="addSp delSp modSp add mod setBg">
+        <pc:chgData name="Daniel Pereira" userId="9d9a6c6d5611e777" providerId="LiveId" clId="{FAACEEAB-46CB-4F54-BC5F-BC4B34800FB7}" dt="2022-02-27T23:58:53.196" v="1106" actId="1076"/>
+        <pc:sldMkLst>
+          <pc:docMk/>
+          <pc:sldMk cId="545600867" sldId="273"/>
+        </pc:sldMkLst>
+        <pc:spChg chg="mod">
+          <ac:chgData name="Daniel Pereira" userId="9d9a6c6d5611e777" providerId="LiveId" clId="{FAACEEAB-46CB-4F54-BC5F-BC4B34800FB7}" dt="2022-02-27T23:57:04.536" v="1096" actId="20577"/>
+          <ac:spMkLst>
+            <pc:docMk/>
+            <pc:sldMk cId="545600867" sldId="273"/>
+            <ac:spMk id="73" creationId="{00000000-0000-0000-0000-000000000000}"/>
+          </ac:spMkLst>
+        </pc:spChg>
+        <pc:picChg chg="del">
+          <ac:chgData name="Daniel Pereira" userId="9d9a6c6d5611e777" providerId="LiveId" clId="{FAACEEAB-46CB-4F54-BC5F-BC4B34800FB7}" dt="2022-02-27T23:57:11.800" v="1097" actId="478"/>
+          <ac:picMkLst>
+            <pc:docMk/>
+            <pc:sldMk cId="545600867" sldId="273"/>
+            <ac:picMk id="3" creationId="{078C3122-53AE-4A9B-AB46-0DAB2988D97E}"/>
+          </ac:picMkLst>
+        </pc:picChg>
+        <pc:picChg chg="add mod">
+          <ac:chgData name="Daniel Pereira" userId="9d9a6c6d5611e777" providerId="LiveId" clId="{FAACEEAB-46CB-4F54-BC5F-BC4B34800FB7}" dt="2022-02-27T23:58:53.196" v="1106" actId="1076"/>
+          <ac:picMkLst>
+            <pc:docMk/>
+            <pc:sldMk cId="545600867" sldId="273"/>
+            <ac:picMk id="4" creationId="{59D61C05-A7FB-497C-AD8B-C839205B5287}"/>
+          </ac:picMkLst>
+        </pc:picChg>
+      </pc:sldChg>
+      <pc:sldChg chg="addSp delSp modSp add mod">
+        <pc:chgData name="Daniel Pereira" userId="9d9a6c6d5611e777" providerId="LiveId" clId="{FAACEEAB-46CB-4F54-BC5F-BC4B34800FB7}" dt="2022-02-28T00:02:07.168" v="1114" actId="1076"/>
+        <pc:sldMkLst>
+          <pc:docMk/>
+          <pc:sldMk cId="2234532897" sldId="274"/>
+        </pc:sldMkLst>
+        <pc:spChg chg="mod">
+          <ac:chgData name="Daniel Pereira" userId="9d9a6c6d5611e777" providerId="LiveId" clId="{FAACEEAB-46CB-4F54-BC5F-BC4B34800FB7}" dt="2022-02-27T23:57:15.299" v="1099" actId="20577"/>
+          <ac:spMkLst>
+            <pc:docMk/>
+            <pc:sldMk cId="2234532897" sldId="274"/>
+            <ac:spMk id="78" creationId="{00000000-0000-0000-0000-000000000000}"/>
+          </ac:spMkLst>
+        </pc:spChg>
+        <pc:picChg chg="del">
+          <ac:chgData name="Daniel Pereira" userId="9d9a6c6d5611e777" providerId="LiveId" clId="{FAACEEAB-46CB-4F54-BC5F-BC4B34800FB7}" dt="2022-02-27T23:57:19.152" v="1100" actId="478"/>
+          <ac:picMkLst>
+            <pc:docMk/>
+            <pc:sldMk cId="2234532897" sldId="274"/>
+            <ac:picMk id="3" creationId="{40CF3DCE-7738-42C9-82CA-808BB5640359}"/>
+          </ac:picMkLst>
+        </pc:picChg>
+        <pc:picChg chg="add mod">
+          <ac:chgData name="Daniel Pereira" userId="9d9a6c6d5611e777" providerId="LiveId" clId="{FAACEEAB-46CB-4F54-BC5F-BC4B34800FB7}" dt="2022-02-28T00:00:07.786" v="1110" actId="1076"/>
+          <ac:picMkLst>
+            <pc:docMk/>
+            <pc:sldMk cId="2234532897" sldId="274"/>
+            <ac:picMk id="4" creationId="{F555AD1F-5539-449B-BDA7-90CD4472E176}"/>
+          </ac:picMkLst>
+        </pc:picChg>
+        <pc:picChg chg="del">
+          <ac:chgData name="Daniel Pereira" userId="9d9a6c6d5611e777" providerId="LiveId" clId="{FAACEEAB-46CB-4F54-BC5F-BC4B34800FB7}" dt="2022-02-27T23:57:20.110" v="1101" actId="478"/>
+          <ac:picMkLst>
+            <pc:docMk/>
+            <pc:sldMk cId="2234532897" sldId="274"/>
+            <ac:picMk id="6" creationId="{B62026F4-84FB-4934-83C1-DC3705340108}"/>
+          </ac:picMkLst>
+        </pc:picChg>
+        <pc:picChg chg="add mod">
+          <ac:chgData name="Daniel Pereira" userId="9d9a6c6d5611e777" providerId="LiveId" clId="{FAACEEAB-46CB-4F54-BC5F-BC4B34800FB7}" dt="2022-02-28T00:02:07.168" v="1114" actId="1076"/>
+          <ac:picMkLst>
+            <pc:docMk/>
+            <pc:sldMk cId="2234532897" sldId="274"/>
+            <ac:picMk id="7" creationId="{E8986E32-5521-415C-B003-26C71A7FAAE0}"/>
+          </ac:picMkLst>
+        </pc:picChg>
+        <pc:picChg chg="del">
+          <ac:chgData name="Daniel Pereira" userId="9d9a6c6d5611e777" providerId="LiveId" clId="{FAACEEAB-46CB-4F54-BC5F-BC4B34800FB7}" dt="2022-02-27T23:57:21.934" v="1102" actId="478"/>
+          <ac:picMkLst>
+            <pc:docMk/>
+            <pc:sldMk cId="2234532897" sldId="274"/>
+            <ac:picMk id="9" creationId="{3E02905C-BFDC-4845-9E90-220C1706D28A}"/>
+          </ac:picMkLst>
+        </pc:picChg>
+      </pc:sldChg>
     </pc:docChg>
   </pc:docChgLst>
   <pc:docChgLst>
@@ -2009,6 +2097,224 @@
   <p:cSld>
     <p:spTree>
       <p:nvGrpSpPr>
+        <p:cNvPr id="1" name="Shape 69"/>
+        <p:cNvGrpSpPr/>
+        <p:nvPr/>
+      </p:nvGrpSpPr>
+      <p:grpSpPr>
+        <a:xfrm>
+          <a:off x="0" y="0"/>
+          <a:ext cx="0" cy="0"/>
+          <a:chOff x="0" y="0"/>
+          <a:chExt cx="0" cy="0"/>
+        </a:xfrm>
+      </p:grpSpPr>
+      <p:sp>
+        <p:nvSpPr>
+          <p:cNvPr id="70" name="Google Shape;70;gac10fef634_0_16:notes"/>
+          <p:cNvSpPr>
+            <a:spLocks noGrp="1" noRot="1" noChangeAspect="1"/>
+          </p:cNvSpPr>
+          <p:nvPr>
+            <p:ph type="sldImg" idx="2"/>
+          </p:nvPr>
+        </p:nvSpPr>
+        <p:spPr>
+          <a:xfrm>
+            <a:off x="381000" y="685800"/>
+            <a:ext cx="6096000" cy="3429000"/>
+          </a:xfrm>
+          <a:custGeom>
+            <a:avLst/>
+            <a:gdLst/>
+            <a:ahLst/>
+            <a:cxnLst/>
+            <a:rect l="l" t="t" r="r" b="b"/>
+            <a:pathLst>
+              <a:path w="120000" h="120000" extrusionOk="0">
+                <a:moveTo>
+                  <a:pt x="0" y="0"/>
+                </a:moveTo>
+                <a:lnTo>
+                  <a:pt x="120000" y="0"/>
+                </a:lnTo>
+                <a:lnTo>
+                  <a:pt x="120000" y="120000"/>
+                </a:lnTo>
+                <a:lnTo>
+                  <a:pt x="0" y="120000"/>
+                </a:lnTo>
+                <a:close/>
+              </a:path>
+            </a:pathLst>
+          </a:custGeom>
+        </p:spPr>
+      </p:sp>
+      <p:sp>
+        <p:nvSpPr>
+          <p:cNvPr id="71" name="Google Shape;71;gac10fef634_0_16:notes"/>
+          <p:cNvSpPr txBox="1">
+            <a:spLocks noGrp="1"/>
+          </p:cNvSpPr>
+          <p:nvPr>
+            <p:ph type="body" idx="1"/>
+          </p:nvPr>
+        </p:nvSpPr>
+        <p:spPr>
+          <a:xfrm>
+            <a:off x="685800" y="4343400"/>
+            <a:ext cx="5486400" cy="4114800"/>
+          </a:xfrm>
+          <a:prstGeom prst="rect">
+            <a:avLst/>
+          </a:prstGeom>
+        </p:spPr>
+        <p:txBody>
+          <a:bodyPr spcFirstLastPara="1" wrap="square" lIns="91425" tIns="91425" rIns="91425" bIns="91425" anchor="t" anchorCtr="0">
+            <a:noAutofit/>
+          </a:bodyPr>
+          <a:lstStyle/>
+          <a:p>
+            <a:pPr marL="0" lvl="0" indent="0" algn="l" rtl="0">
+              <a:spcBef>
+                <a:spcPts val="0"/>
+              </a:spcBef>
+              <a:spcAft>
+                <a:spcPts val="0"/>
+              </a:spcAft>
+              <a:buNone/>
+            </a:pPr>
+            <a:endParaRPr/>
+          </a:p>
+        </p:txBody>
+      </p:sp>
+    </p:spTree>
+    <p:extLst>
+      <p:ext uri="{BB962C8B-B14F-4D97-AF65-F5344CB8AC3E}">
+        <p14:creationId xmlns:p14="http://schemas.microsoft.com/office/powerpoint/2010/main" val="3338803869"/>
+      </p:ext>
+    </p:extLst>
+  </p:cSld>
+  <p:clrMapOvr>
+    <a:masterClrMapping/>
+  </p:clrMapOvr>
+</p:notes>
+</file>
+
+<file path=ppt/notesSlides/notesSlide16.xml><?xml version="1.0" encoding="utf-8"?>
+<p:notes xmlns:a="http://schemas.openxmlformats.org/drawingml/2006/main" xmlns:r="http://schemas.openxmlformats.org/officeDocument/2006/relationships" xmlns:p="http://schemas.openxmlformats.org/presentationml/2006/main" showMasterSp="0" showMasterPhAnim="0">
+  <p:cSld>
+    <p:spTree>
+      <p:nvGrpSpPr>
+        <p:cNvPr id="1" name="Shape 74"/>
+        <p:cNvGrpSpPr/>
+        <p:nvPr/>
+      </p:nvGrpSpPr>
+      <p:grpSpPr>
+        <a:xfrm>
+          <a:off x="0" y="0"/>
+          <a:ext cx="0" cy="0"/>
+          <a:chOff x="0" y="0"/>
+          <a:chExt cx="0" cy="0"/>
+        </a:xfrm>
+      </p:grpSpPr>
+      <p:sp>
+        <p:nvSpPr>
+          <p:cNvPr id="75" name="Google Shape;75;gac10fef634_0_20:notes"/>
+          <p:cNvSpPr>
+            <a:spLocks noGrp="1" noRot="1" noChangeAspect="1"/>
+          </p:cNvSpPr>
+          <p:nvPr>
+            <p:ph type="sldImg" idx="2"/>
+          </p:nvPr>
+        </p:nvSpPr>
+        <p:spPr>
+          <a:xfrm>
+            <a:off x="381000" y="685800"/>
+            <a:ext cx="6096000" cy="3429000"/>
+          </a:xfrm>
+          <a:custGeom>
+            <a:avLst/>
+            <a:gdLst/>
+            <a:ahLst/>
+            <a:cxnLst/>
+            <a:rect l="l" t="t" r="r" b="b"/>
+            <a:pathLst>
+              <a:path w="120000" h="120000" extrusionOk="0">
+                <a:moveTo>
+                  <a:pt x="0" y="0"/>
+                </a:moveTo>
+                <a:lnTo>
+                  <a:pt x="120000" y="0"/>
+                </a:lnTo>
+                <a:lnTo>
+                  <a:pt x="120000" y="120000"/>
+                </a:lnTo>
+                <a:lnTo>
+                  <a:pt x="0" y="120000"/>
+                </a:lnTo>
+                <a:close/>
+              </a:path>
+            </a:pathLst>
+          </a:custGeom>
+        </p:spPr>
+      </p:sp>
+      <p:sp>
+        <p:nvSpPr>
+          <p:cNvPr id="76" name="Google Shape;76;gac10fef634_0_20:notes"/>
+          <p:cNvSpPr txBox="1">
+            <a:spLocks noGrp="1"/>
+          </p:cNvSpPr>
+          <p:nvPr>
+            <p:ph type="body" idx="1"/>
+          </p:nvPr>
+        </p:nvSpPr>
+        <p:spPr>
+          <a:xfrm>
+            <a:off x="685800" y="4343400"/>
+            <a:ext cx="5486400" cy="4114800"/>
+          </a:xfrm>
+          <a:prstGeom prst="rect">
+            <a:avLst/>
+          </a:prstGeom>
+        </p:spPr>
+        <p:txBody>
+          <a:bodyPr spcFirstLastPara="1" wrap="square" lIns="91425" tIns="91425" rIns="91425" bIns="91425" anchor="t" anchorCtr="0">
+            <a:noAutofit/>
+          </a:bodyPr>
+          <a:lstStyle/>
+          <a:p>
+            <a:pPr marL="0" lvl="0" indent="0" algn="l" rtl="0">
+              <a:spcBef>
+                <a:spcPts val="0"/>
+              </a:spcBef>
+              <a:spcAft>
+                <a:spcPts val="0"/>
+              </a:spcAft>
+              <a:buNone/>
+            </a:pPr>
+            <a:endParaRPr/>
+          </a:p>
+        </p:txBody>
+      </p:sp>
+    </p:spTree>
+    <p:extLst>
+      <p:ext uri="{BB962C8B-B14F-4D97-AF65-F5344CB8AC3E}">
+        <p14:creationId xmlns:p14="http://schemas.microsoft.com/office/powerpoint/2010/main" val="3688956706"/>
+      </p:ext>
+    </p:extLst>
+  </p:cSld>
+  <p:clrMapOvr>
+    <a:masterClrMapping/>
+  </p:clrMapOvr>
+</p:notes>
+</file>
+
+<file path=ppt/notesSlides/notesSlide17.xml><?xml version="1.0" encoding="utf-8"?>
+<p:notes xmlns:a="http://schemas.openxmlformats.org/drawingml/2006/main" xmlns:r="http://schemas.openxmlformats.org/officeDocument/2006/relationships" xmlns:p="http://schemas.openxmlformats.org/presentationml/2006/main" showMasterSp="0" showMasterPhAnim="0">
+  <p:cSld>
+    <p:spTree>
+      <p:nvGrpSpPr>
         <p:cNvPr id="1" name="Shape 80"/>
         <p:cNvGrpSpPr/>
         <p:nvPr/>
@@ -2129,7 +2435,7 @@
 </p:notes>
 </file>
 
-<file path=ppt/notesSlides/notesSlide16.xml><?xml version="1.0" encoding="utf-8"?>
+<file path=ppt/notesSlides/notesSlide18.xml><?xml version="1.0" encoding="utf-8"?>
 <p:notes xmlns:a="http://schemas.openxmlformats.org/drawingml/2006/main" xmlns:r="http://schemas.openxmlformats.org/officeDocument/2006/relationships" xmlns:p="http://schemas.openxmlformats.org/presentationml/2006/main" showMasterSp="0" showMasterPhAnim="0">
   <p:cSld>
     <p:spTree>
@@ -9371,6 +9677,458 @@
     </p:bg>
     <p:spTree>
       <p:nvGrpSpPr>
+        <p:cNvPr id="1" name="Shape 72"/>
+        <p:cNvGrpSpPr/>
+        <p:nvPr/>
+      </p:nvGrpSpPr>
+      <p:grpSpPr>
+        <a:xfrm>
+          <a:off x="0" y="0"/>
+          <a:ext cx="0" cy="0"/>
+          <a:chOff x="0" y="0"/>
+          <a:chExt cx="0" cy="0"/>
+        </a:xfrm>
+      </p:grpSpPr>
+      <p:sp>
+        <p:nvSpPr>
+          <p:cNvPr id="73" name="Google Shape;73;p16"/>
+          <p:cNvSpPr txBox="1">
+            <a:spLocks noGrp="1"/>
+          </p:cNvSpPr>
+          <p:nvPr>
+            <p:ph type="title"/>
+          </p:nvPr>
+        </p:nvSpPr>
+        <p:spPr>
+          <a:xfrm>
+            <a:off x="311700" y="445025"/>
+            <a:ext cx="8520600" cy="572700"/>
+          </a:xfrm>
+          <a:prstGeom prst="rect">
+            <a:avLst/>
+          </a:prstGeom>
+        </p:spPr>
+        <p:txBody>
+          <a:bodyPr spcFirstLastPara="1" wrap="square" lIns="91425" tIns="91425" rIns="91425" bIns="91425" anchor="t" anchorCtr="0">
+            <a:noAutofit/>
+          </a:bodyPr>
+          <a:lstStyle/>
+          <a:p>
+            <a:pPr marL="0" lvl="0" indent="0" algn="l" rtl="0">
+              <a:spcBef>
+                <a:spcPts val="0"/>
+              </a:spcBef>
+              <a:spcAft>
+                <a:spcPts val="0"/>
+              </a:spcAft>
+              <a:buNone/>
+            </a:pPr>
+            <a:r>
+              <a:rPr lang="en" dirty="0"/>
+              <a:t>Component 3 Pick up info v3 (Trello screenshot)</a:t>
+            </a:r>
+            <a:endParaRPr dirty="0"/>
+          </a:p>
+        </p:txBody>
+      </p:sp>
+      <p:pic>
+        <p:nvPicPr>
+          <p:cNvPr id="4" name="Picture 3">
+            <a:extLst>
+              <a:ext uri="{FF2B5EF4-FFF2-40B4-BE49-F238E27FC236}">
+                <a16:creationId xmlns:a16="http://schemas.microsoft.com/office/drawing/2014/main" id="{59D61C05-A7FB-497C-AD8B-C839205B5287}"/>
+              </a:ext>
+            </a:extLst>
+          </p:cNvPr>
+          <p:cNvPicPr>
+            <a:picLocks noChangeAspect="1"/>
+          </p:cNvPicPr>
+          <p:nvPr/>
+        </p:nvPicPr>
+        <p:blipFill>
+          <a:blip r:embed="rId3"/>
+          <a:stretch>
+            <a:fillRect/>
+          </a:stretch>
+        </p:blipFill>
+        <p:spPr>
+          <a:xfrm>
+            <a:off x="810322" y="1155320"/>
+            <a:ext cx="6754358" cy="3665910"/>
+          </a:xfrm>
+          <a:prstGeom prst="rect">
+            <a:avLst/>
+          </a:prstGeom>
+        </p:spPr>
+      </p:pic>
+    </p:spTree>
+    <p:extLst>
+      <p:ext uri="{BB962C8B-B14F-4D97-AF65-F5344CB8AC3E}">
+        <p14:creationId xmlns:p14="http://schemas.microsoft.com/office/powerpoint/2010/main" val="545600867"/>
+      </p:ext>
+    </p:extLst>
+  </p:cSld>
+  <p:clrMapOvr>
+    <a:masterClrMapping/>
+  </p:clrMapOvr>
+</p:sld>
+</file>
+
+<file path=ppt/slides/slide16.xml><?xml version="1.0" encoding="utf-8"?>
+<p:sld xmlns:a="http://schemas.openxmlformats.org/drawingml/2006/main" xmlns:r="http://schemas.openxmlformats.org/officeDocument/2006/relationships" xmlns:p="http://schemas.openxmlformats.org/presentationml/2006/main">
+  <p:cSld>
+    <p:spTree>
+      <p:nvGrpSpPr>
+        <p:cNvPr id="1" name="Shape 77"/>
+        <p:cNvGrpSpPr/>
+        <p:nvPr/>
+      </p:nvGrpSpPr>
+      <p:grpSpPr>
+        <a:xfrm>
+          <a:off x="0" y="0"/>
+          <a:ext cx="0" cy="0"/>
+          <a:chOff x="0" y="0"/>
+          <a:chExt cx="0" cy="0"/>
+        </a:xfrm>
+      </p:grpSpPr>
+      <p:sp>
+        <p:nvSpPr>
+          <p:cNvPr id="78" name="Google Shape;78;p17"/>
+          <p:cNvSpPr txBox="1">
+            <a:spLocks noGrp="1"/>
+          </p:cNvSpPr>
+          <p:nvPr>
+            <p:ph type="title"/>
+          </p:nvPr>
+        </p:nvSpPr>
+        <p:spPr>
+          <a:xfrm>
+            <a:off x="311700" y="187580"/>
+            <a:ext cx="8520600" cy="572700"/>
+          </a:xfrm>
+          <a:prstGeom prst="rect">
+            <a:avLst/>
+          </a:prstGeom>
+        </p:spPr>
+        <p:txBody>
+          <a:bodyPr spcFirstLastPara="1" wrap="square" lIns="91425" tIns="91425" rIns="91425" bIns="91425" anchor="t" anchorCtr="0">
+            <a:noAutofit/>
+          </a:bodyPr>
+          <a:lstStyle/>
+          <a:p>
+            <a:pPr marL="0" lvl="0" indent="0" algn="l" rtl="0">
+              <a:spcBef>
+                <a:spcPts val="0"/>
+              </a:spcBef>
+              <a:spcAft>
+                <a:spcPts val="0"/>
+              </a:spcAft>
+              <a:buNone/>
+            </a:pPr>
+            <a:r>
+              <a:rPr lang="en" dirty="0"/>
+              <a:t>Component 3 version 3 - Test Plan (and screenshot)</a:t>
+            </a:r>
+            <a:endParaRPr dirty="0"/>
+          </a:p>
+        </p:txBody>
+      </p:sp>
+      <p:graphicFrame>
+        <p:nvGraphicFramePr>
+          <p:cNvPr id="79" name="Google Shape;79;p17"/>
+          <p:cNvGraphicFramePr/>
+          <p:nvPr/>
+        </p:nvGraphicFramePr>
+        <p:xfrm>
+          <a:off x="311700" y="3428237"/>
+          <a:ext cx="8520600" cy="1462980"/>
+        </p:xfrm>
+        <a:graphic>
+          <a:graphicData uri="http://schemas.openxmlformats.org/drawingml/2006/table">
+            <a:tbl>
+              <a:tblPr>
+                <a:noFill/>
+                <a:tableStyleId>{E1099E06-0E6B-448D-9D27-60429F06E6F4}</a:tableStyleId>
+              </a:tblPr>
+              <a:tblGrid>
+                <a:gridCol w="2438934">
+                  <a:extLst>
+                    <a:ext uri="{9D8B030D-6E8A-4147-A177-3AD203B41FA5}">
+                      <a16:colId xmlns:a16="http://schemas.microsoft.com/office/drawing/2014/main" val="20000"/>
+                    </a:ext>
+                  </a:extLst>
+                </a:gridCol>
+                <a:gridCol w="6081666">
+                  <a:extLst>
+                    <a:ext uri="{9D8B030D-6E8A-4147-A177-3AD203B41FA5}">
+                      <a16:colId xmlns:a16="http://schemas.microsoft.com/office/drawing/2014/main" val="20001"/>
+                    </a:ext>
+                  </a:extLst>
+                </a:gridCol>
+              </a:tblGrid>
+              <a:tr h="381000">
+                <a:tc>
+                  <a:txBody>
+                    <a:bodyPr/>
+                    <a:lstStyle/>
+                    <a:p>
+                      <a:pPr marL="0" lvl="0" indent="0" algn="l" rtl="0">
+                        <a:spcBef>
+                          <a:spcPts val="0"/>
+                        </a:spcBef>
+                        <a:spcAft>
+                          <a:spcPts val="0"/>
+                        </a:spcAft>
+                        <a:buNone/>
+                      </a:pPr>
+                      <a:r>
+                        <a:rPr lang="en" sz="1800" b="1"/>
+                        <a:t>Test Case</a:t>
+                      </a:r>
+                      <a:endParaRPr sz="1800" b="1"/>
+                    </a:p>
+                  </a:txBody>
+                  <a:tcPr marL="91425" marR="91425" marT="91425" marB="91425">
+                    <a:solidFill>
+                      <a:srgbClr val="CCCCCC"/>
+                    </a:solidFill>
+                  </a:tcPr>
+                </a:tc>
+                <a:tc>
+                  <a:txBody>
+                    <a:bodyPr/>
+                    <a:lstStyle/>
+                    <a:p>
+                      <a:pPr marL="0" lvl="0" indent="0" algn="l" rtl="0">
+                        <a:spcBef>
+                          <a:spcPts val="0"/>
+                        </a:spcBef>
+                        <a:spcAft>
+                          <a:spcPts val="0"/>
+                        </a:spcAft>
+                        <a:buNone/>
+                      </a:pPr>
+                      <a:r>
+                        <a:rPr lang="en" sz="1800" b="1" dirty="0"/>
+                        <a:t>Expected Values</a:t>
+                      </a:r>
+                      <a:endParaRPr sz="1800" b="1" dirty="0"/>
+                    </a:p>
+                  </a:txBody>
+                  <a:tcPr marL="91425" marR="91425" marT="91425" marB="91425">
+                    <a:solidFill>
+                      <a:srgbClr val="CCCCCC"/>
+                    </a:solidFill>
+                  </a:tcPr>
+                </a:tc>
+                <a:extLst>
+                  <a:ext uri="{0D108BD9-81ED-4DB2-BD59-A6C34878D82A}">
+                    <a16:rowId xmlns:a16="http://schemas.microsoft.com/office/drawing/2014/main" val="10000"/>
+                  </a:ext>
+                </a:extLst>
+              </a:tr>
+              <a:tr h="396200">
+                <a:tc>
+                  <a:txBody>
+                    <a:bodyPr/>
+                    <a:lstStyle/>
+                    <a:p>
+                      <a:pPr marL="0" lvl="0" indent="0" algn="l" rtl="0">
+                        <a:spcBef>
+                          <a:spcPts val="0"/>
+                        </a:spcBef>
+                        <a:spcAft>
+                          <a:spcPts val="0"/>
+                        </a:spcAft>
+                        <a:buNone/>
+                      </a:pPr>
+                      <a:r>
+                        <a:rPr lang="en-US" sz="1800" dirty="0"/>
+                        <a:t>Input name</a:t>
+                      </a:r>
+                    </a:p>
+                    <a:p>
+                      <a:pPr marL="0" lvl="0" indent="0" algn="l" rtl="0">
+                        <a:spcBef>
+                          <a:spcPts val="0"/>
+                        </a:spcBef>
+                        <a:spcAft>
+                          <a:spcPts val="0"/>
+                        </a:spcAft>
+                        <a:buNone/>
+                      </a:pPr>
+                      <a:r>
+                        <a:rPr lang="en-US" sz="1800" dirty="0"/>
+                        <a:t>Input phone number</a:t>
+                      </a:r>
+                    </a:p>
+                    <a:p>
+                      <a:pPr marL="0" lvl="0" indent="0" algn="l" rtl="0">
+                        <a:spcBef>
+                          <a:spcPts val="0"/>
+                        </a:spcBef>
+                        <a:spcAft>
+                          <a:spcPts val="0"/>
+                        </a:spcAft>
+                        <a:buNone/>
+                      </a:pPr>
+                      <a:r>
+                        <a:rPr lang="en-US" sz="1800" dirty="0"/>
+                        <a:t>Left input blank</a:t>
+                      </a:r>
+                      <a:endParaRPr sz="1800" dirty="0"/>
+                    </a:p>
+                  </a:txBody>
+                  <a:tcPr marL="91425" marR="91425" marT="91425" marB="91425"/>
+                </a:tc>
+                <a:tc>
+                  <a:txBody>
+                    <a:bodyPr/>
+                    <a:lstStyle/>
+                    <a:p>
+                      <a:pPr marL="0" lvl="0" indent="0" algn="l" rtl="0">
+                        <a:spcBef>
+                          <a:spcPts val="0"/>
+                        </a:spcBef>
+                        <a:spcAft>
+                          <a:spcPts val="0"/>
+                        </a:spcAft>
+                        <a:buNone/>
+                      </a:pPr>
+                      <a:r>
+                        <a:rPr lang="en-US" sz="1800" dirty="0"/>
+                        <a:t>Printed name correctly</a:t>
+                      </a:r>
+                    </a:p>
+                    <a:p>
+                      <a:pPr marL="0" lvl="0" indent="0" algn="l" rtl="0">
+                        <a:spcBef>
+                          <a:spcPts val="0"/>
+                        </a:spcBef>
+                        <a:spcAft>
+                          <a:spcPts val="0"/>
+                        </a:spcAft>
+                        <a:buNone/>
+                      </a:pPr>
+                      <a:r>
+                        <a:rPr lang="en-US" sz="1800" dirty="0"/>
+                        <a:t>Printed phone number</a:t>
+                      </a:r>
+                    </a:p>
+                    <a:p>
+                      <a:pPr marL="0" lvl="0" indent="0" algn="l" rtl="0">
+                        <a:spcBef>
+                          <a:spcPts val="0"/>
+                        </a:spcBef>
+                        <a:spcAft>
+                          <a:spcPts val="0"/>
+                        </a:spcAft>
+                        <a:buNone/>
+                      </a:pPr>
+                      <a:r>
+                        <a:rPr lang="en-US" sz="1800" dirty="0"/>
+                        <a:t>Prints “Sorry this cannot be blank – goes back to input</a:t>
+                      </a:r>
+                    </a:p>
+                  </a:txBody>
+                  <a:tcPr marL="91425" marR="91425" marT="91425" marB="91425"/>
+                </a:tc>
+                <a:extLst>
+                  <a:ext uri="{0D108BD9-81ED-4DB2-BD59-A6C34878D82A}">
+                    <a16:rowId xmlns:a16="http://schemas.microsoft.com/office/drawing/2014/main" val="10001"/>
+                  </a:ext>
+                </a:extLst>
+              </a:tr>
+            </a:tbl>
+          </a:graphicData>
+        </a:graphic>
+      </p:graphicFrame>
+      <p:pic>
+        <p:nvPicPr>
+          <p:cNvPr id="4" name="Picture 3">
+            <a:extLst>
+              <a:ext uri="{FF2B5EF4-FFF2-40B4-BE49-F238E27FC236}">
+                <a16:creationId xmlns:a16="http://schemas.microsoft.com/office/drawing/2014/main" id="{F555AD1F-5539-449B-BDA7-90CD4472E176}"/>
+              </a:ext>
+            </a:extLst>
+          </p:cNvPr>
+          <p:cNvPicPr>
+            <a:picLocks noChangeAspect="1"/>
+          </p:cNvPicPr>
+          <p:nvPr/>
+        </p:nvPicPr>
+        <p:blipFill>
+          <a:blip r:embed="rId3"/>
+          <a:stretch>
+            <a:fillRect/>
+          </a:stretch>
+        </p:blipFill>
+        <p:spPr>
+          <a:xfrm>
+            <a:off x="311700" y="693373"/>
+            <a:ext cx="3693756" cy="2665817"/>
+          </a:xfrm>
+          <a:prstGeom prst="rect">
+            <a:avLst/>
+          </a:prstGeom>
+        </p:spPr>
+      </p:pic>
+      <p:pic>
+        <p:nvPicPr>
+          <p:cNvPr id="7" name="Picture 6">
+            <a:extLst>
+              <a:ext uri="{FF2B5EF4-FFF2-40B4-BE49-F238E27FC236}">
+                <a16:creationId xmlns:a16="http://schemas.microsoft.com/office/drawing/2014/main" id="{E8986E32-5521-415C-B003-26C71A7FAAE0}"/>
+              </a:ext>
+            </a:extLst>
+          </p:cNvPr>
+          <p:cNvPicPr>
+            <a:picLocks noChangeAspect="1"/>
+          </p:cNvPicPr>
+          <p:nvPr/>
+        </p:nvPicPr>
+        <p:blipFill>
+          <a:blip r:embed="rId4"/>
+          <a:stretch>
+            <a:fillRect/>
+          </a:stretch>
+        </p:blipFill>
+        <p:spPr>
+          <a:xfrm>
+            <a:off x="4259765" y="1007718"/>
+            <a:ext cx="3528766" cy="2037126"/>
+          </a:xfrm>
+          <a:prstGeom prst="rect">
+            <a:avLst/>
+          </a:prstGeom>
+        </p:spPr>
+      </p:pic>
+    </p:spTree>
+    <p:extLst>
+      <p:ext uri="{BB962C8B-B14F-4D97-AF65-F5344CB8AC3E}">
+        <p14:creationId xmlns:p14="http://schemas.microsoft.com/office/powerpoint/2010/main" val="2234532897"/>
+      </p:ext>
+    </p:extLst>
+  </p:cSld>
+  <p:clrMapOvr>
+    <a:masterClrMapping/>
+  </p:clrMapOvr>
+</p:sld>
+</file>
+
+<file path=ppt/slides/slide17.xml><?xml version="1.0" encoding="utf-8"?>
+<p:sld xmlns:a="http://schemas.openxmlformats.org/drawingml/2006/main" xmlns:r="http://schemas.openxmlformats.org/officeDocument/2006/relationships" xmlns:p="http://schemas.openxmlformats.org/presentationml/2006/main">
+  <p:cSld>
+    <p:bg>
+      <p:bgPr>
+        <a:solidFill>
+          <a:srgbClr val="D9EAD3"/>
+        </a:solidFill>
+        <a:effectLst/>
+      </p:bgPr>
+    </p:bg>
+    <p:spTree>
+      <p:nvGrpSpPr>
         <p:cNvPr id="1" name="Shape 83"/>
         <p:cNvGrpSpPr/>
         <p:nvPr/>
@@ -9475,7 +10233,7 @@
 </p:sld>
 </file>
 
-<file path=ppt/slides/slide16.xml><?xml version="1.0" encoding="utf-8"?>
+<file path=ppt/slides/slide18.xml><?xml version="1.0" encoding="utf-8"?>
 <p:sld xmlns:a="http://schemas.openxmlformats.org/drawingml/2006/main" xmlns:r="http://schemas.openxmlformats.org/officeDocument/2006/relationships" xmlns:p="http://schemas.openxmlformats.org/presentationml/2006/main">
   <p:cSld>
     <p:bg>

--- a/022_91893+_+91897+Documentation.pptx
+++ b/022_91893+_+91897+Documentation.pptx
@@ -5,7 +5,7 @@
     <p:sldMasterId id="2147483659" r:id="rId1"/>
   </p:sldMasterIdLst>
   <p:notesMasterIdLst>
-    <p:notesMasterId r:id="rId20"/>
+    <p:notesMasterId r:id="rId22"/>
   </p:notesMasterIdLst>
   <p:sldIdLst>
     <p:sldId id="256" r:id="rId2"/>
@@ -24,8 +24,10 @@
     <p:sldId id="272" r:id="rId15"/>
     <p:sldId id="273" r:id="rId16"/>
     <p:sldId id="274" r:id="rId17"/>
-    <p:sldId id="261" r:id="rId18"/>
-    <p:sldId id="262" r:id="rId19"/>
+    <p:sldId id="275" r:id="rId18"/>
+    <p:sldId id="276" r:id="rId19"/>
+    <p:sldId id="261" r:id="rId20"/>
+    <p:sldId id="262" r:id="rId21"/>
   </p:sldIdLst>
   <p:sldSz cx="9144000" cy="5143500" type="screen16x9"/>
   <p:notesSz cx="6858000" cy="9144000"/>
@@ -280,7 +282,7 @@
 <file path=ppt/revisionInfo.xml><?xml version="1.0" encoding="utf-8"?>
 <p1510:revInfo xmlns:a="http://schemas.openxmlformats.org/drawingml/2006/main" xmlns:r="http://schemas.openxmlformats.org/officeDocument/2006/relationships" xmlns:p1510="http://schemas.microsoft.com/office/powerpoint/2015/10/main">
   <p1510:revLst>
-    <p1510:client id="{FAACEEAB-46CB-4F54-BC5F-BC4B34800FB7}" v="22" dt="2022-02-27T23:57:30.552"/>
+    <p1510:client id="{FAACEEAB-46CB-4F54-BC5F-BC4B34800FB7}" v="26" dt="2022-02-28T00:18:11.068"/>
   </p1510:revLst>
 </p1510:revInfo>
 </file>
@@ -290,7 +292,7 @@
   <pc:docChgLst>
     <pc:chgData name="Daniel Pereira" userId="9d9a6c6d5611e777" providerId="LiveId" clId="{FAACEEAB-46CB-4F54-BC5F-BC4B34800FB7}"/>
     <pc:docChg chg="undo custSel addSld delSld modSld sldOrd">
-      <pc:chgData name="Daniel Pereira" userId="9d9a6c6d5611e777" providerId="LiveId" clId="{FAACEEAB-46CB-4F54-BC5F-BC4B34800FB7}" dt="2022-02-28T00:02:07.168" v="1114" actId="1076"/>
+      <pc:chgData name="Daniel Pereira" userId="9d9a6c6d5611e777" providerId="LiveId" clId="{FAACEEAB-46CB-4F54-BC5F-BC4B34800FB7}" dt="2022-02-28T21:42:39.966" v="1143" actId="1076"/>
       <pc:docMkLst>
         <pc:docMk/>
       </pc:docMkLst>
@@ -904,7 +906,7 @@
         </pc:picChg>
       </pc:sldChg>
       <pc:sldChg chg="addSp delSp modSp add mod">
-        <pc:chgData name="Daniel Pereira" userId="9d9a6c6d5611e777" providerId="LiveId" clId="{FAACEEAB-46CB-4F54-BC5F-BC4B34800FB7}" dt="2022-02-28T00:02:07.168" v="1114" actId="1076"/>
+        <pc:chgData name="Daniel Pereira" userId="9d9a6c6d5611e777" providerId="LiveId" clId="{FAACEEAB-46CB-4F54-BC5F-BC4B34800FB7}" dt="2022-02-28T21:25:17.053" v="1137" actId="14100"/>
         <pc:sldMkLst>
           <pc:docMk/>
           <pc:sldMk cId="2234532897" sldId="274"/>
@@ -926,7 +928,15 @@
           </ac:picMkLst>
         </pc:picChg>
         <pc:picChg chg="add mod">
-          <ac:chgData name="Daniel Pereira" userId="9d9a6c6d5611e777" providerId="LiveId" clId="{FAACEEAB-46CB-4F54-BC5F-BC4B34800FB7}" dt="2022-02-28T00:00:07.786" v="1110" actId="1076"/>
+          <ac:chgData name="Daniel Pereira" userId="9d9a6c6d5611e777" providerId="LiveId" clId="{FAACEEAB-46CB-4F54-BC5F-BC4B34800FB7}" dt="2022-02-28T21:25:17.053" v="1137" actId="14100"/>
+          <ac:picMkLst>
+            <pc:docMk/>
+            <pc:sldMk cId="2234532897" sldId="274"/>
+            <ac:picMk id="3" creationId="{95882CB0-BC7B-4165-8588-C70C54ED2B48}"/>
+          </ac:picMkLst>
+        </pc:picChg>
+        <pc:picChg chg="add del mod">
+          <ac:chgData name="Daniel Pereira" userId="9d9a6c6d5611e777" providerId="LiveId" clId="{FAACEEAB-46CB-4F54-BC5F-BC4B34800FB7}" dt="2022-02-28T00:19:00.633" v="1129" actId="478"/>
           <ac:picMkLst>
             <pc:docMk/>
             <pc:sldMk cId="2234532897" sldId="274"/>
@@ -942,7 +952,15 @@
           </ac:picMkLst>
         </pc:picChg>
         <pc:picChg chg="add mod">
-          <ac:chgData name="Daniel Pereira" userId="9d9a6c6d5611e777" providerId="LiveId" clId="{FAACEEAB-46CB-4F54-BC5F-BC4B34800FB7}" dt="2022-02-28T00:02:07.168" v="1114" actId="1076"/>
+          <ac:chgData name="Daniel Pereira" userId="9d9a6c6d5611e777" providerId="LiveId" clId="{FAACEEAB-46CB-4F54-BC5F-BC4B34800FB7}" dt="2022-02-28T00:20:48.747" v="1136" actId="1076"/>
+          <ac:picMkLst>
+            <pc:docMk/>
+            <pc:sldMk cId="2234532897" sldId="274"/>
+            <ac:picMk id="6" creationId="{E3C44CCC-160A-4FD5-A702-189EECE4D157}"/>
+          </ac:picMkLst>
+        </pc:picChg>
+        <pc:picChg chg="add del mod">
+          <ac:chgData name="Daniel Pereira" userId="9d9a6c6d5611e777" providerId="LiveId" clId="{FAACEEAB-46CB-4F54-BC5F-BC4B34800FB7}" dt="2022-02-28T00:19:02.147" v="1130" actId="478"/>
           <ac:picMkLst>
             <pc:docMk/>
             <pc:sldMk cId="2234532897" sldId="274"/>
@@ -957,6 +975,98 @@
             <ac:picMk id="9" creationId="{3E02905C-BFDC-4845-9E90-220C1706D28A}"/>
           </ac:picMkLst>
         </pc:picChg>
+      </pc:sldChg>
+      <pc:sldChg chg="addSp delSp modSp add mod setBg">
+        <pc:chgData name="Daniel Pereira" userId="9d9a6c6d5611e777" providerId="LiveId" clId="{FAACEEAB-46CB-4F54-BC5F-BC4B34800FB7}" dt="2022-02-28T00:18:11.068" v="1126"/>
+        <pc:sldMkLst>
+          <pc:docMk/>
+          <pc:sldMk cId="3516985148" sldId="275"/>
+        </pc:sldMkLst>
+        <pc:spChg chg="mod">
+          <ac:chgData name="Daniel Pereira" userId="9d9a6c6d5611e777" providerId="LiveId" clId="{FAACEEAB-46CB-4F54-BC5F-BC4B34800FB7}" dt="2022-02-28T00:16:59.284" v="1117" actId="20577"/>
+          <ac:spMkLst>
+            <pc:docMk/>
+            <pc:sldMk cId="3516985148" sldId="275"/>
+            <ac:spMk id="73" creationId="{00000000-0000-0000-0000-000000000000}"/>
+          </ac:spMkLst>
+        </pc:spChg>
+        <pc:picChg chg="add mod">
+          <ac:chgData name="Daniel Pereira" userId="9d9a6c6d5611e777" providerId="LiveId" clId="{FAACEEAB-46CB-4F54-BC5F-BC4B34800FB7}" dt="2022-02-28T00:17:27.172" v="1125" actId="1076"/>
+          <ac:picMkLst>
+            <pc:docMk/>
+            <pc:sldMk cId="3516985148" sldId="275"/>
+            <ac:picMk id="3" creationId="{213EB8C9-42E0-4622-A7F2-8DC0A5945C1C}"/>
+          </ac:picMkLst>
+        </pc:picChg>
+        <pc:picChg chg="del">
+          <ac:chgData name="Daniel Pereira" userId="9d9a6c6d5611e777" providerId="LiveId" clId="{FAACEEAB-46CB-4F54-BC5F-BC4B34800FB7}" dt="2022-02-28T00:17:21.457" v="1123" actId="478"/>
+          <ac:picMkLst>
+            <pc:docMk/>
+            <pc:sldMk cId="3516985148" sldId="275"/>
+            <ac:picMk id="4" creationId="{59D61C05-A7FB-497C-AD8B-C839205B5287}"/>
+          </ac:picMkLst>
+        </pc:picChg>
+      </pc:sldChg>
+      <pc:sldChg chg="addSp delSp modSp add mod">
+        <pc:chgData name="Daniel Pereira" userId="9d9a6c6d5611e777" providerId="LiveId" clId="{FAACEEAB-46CB-4F54-BC5F-BC4B34800FB7}" dt="2022-02-28T21:42:39.966" v="1143" actId="1076"/>
+        <pc:sldMkLst>
+          <pc:docMk/>
+          <pc:sldMk cId="158089656" sldId="276"/>
+        </pc:sldMkLst>
+        <pc:spChg chg="mod">
+          <ac:chgData name="Daniel Pereira" userId="9d9a6c6d5611e777" providerId="LiveId" clId="{FAACEEAB-46CB-4F54-BC5F-BC4B34800FB7}" dt="2022-02-28T00:17:05.449" v="1119" actId="20577"/>
+          <ac:spMkLst>
+            <pc:docMk/>
+            <pc:sldMk cId="158089656" sldId="276"/>
+            <ac:spMk id="78" creationId="{00000000-0000-0000-0000-000000000000}"/>
+          </ac:spMkLst>
+        </pc:spChg>
+        <pc:picChg chg="add mod">
+          <ac:chgData name="Daniel Pereira" userId="9d9a6c6d5611e777" providerId="LiveId" clId="{FAACEEAB-46CB-4F54-BC5F-BC4B34800FB7}" dt="2022-02-28T21:41:44.863" v="1141" actId="14100"/>
+          <ac:picMkLst>
+            <pc:docMk/>
+            <pc:sldMk cId="158089656" sldId="276"/>
+            <ac:picMk id="3" creationId="{377AA1D5-1A7B-4E5F-8FFC-F66336C88291}"/>
+          </ac:picMkLst>
+        </pc:picChg>
+        <pc:picChg chg="del">
+          <ac:chgData name="Daniel Pereira" userId="9d9a6c6d5611e777" providerId="LiveId" clId="{FAACEEAB-46CB-4F54-BC5F-BC4B34800FB7}" dt="2022-02-28T00:18:21.644" v="1127" actId="478"/>
+          <ac:picMkLst>
+            <pc:docMk/>
+            <pc:sldMk cId="158089656" sldId="276"/>
+            <ac:picMk id="4" creationId="{F555AD1F-5539-449B-BDA7-90CD4472E176}"/>
+          </ac:picMkLst>
+        </pc:picChg>
+        <pc:picChg chg="add mod">
+          <ac:chgData name="Daniel Pereira" userId="9d9a6c6d5611e777" providerId="LiveId" clId="{FAACEEAB-46CB-4F54-BC5F-BC4B34800FB7}" dt="2022-02-28T21:42:39.966" v="1143" actId="1076"/>
+          <ac:picMkLst>
+            <pc:docMk/>
+            <pc:sldMk cId="158089656" sldId="276"/>
+            <ac:picMk id="5" creationId="{17ECF7AA-3427-4AEB-93CD-BD0EC2EACA51}"/>
+          </ac:picMkLst>
+        </pc:picChg>
+        <pc:picChg chg="del">
+          <ac:chgData name="Daniel Pereira" userId="9d9a6c6d5611e777" providerId="LiveId" clId="{FAACEEAB-46CB-4F54-BC5F-BC4B34800FB7}" dt="2022-02-28T00:18:23.761" v="1128" actId="478"/>
+          <ac:picMkLst>
+            <pc:docMk/>
+            <pc:sldMk cId="158089656" sldId="276"/>
+            <ac:picMk id="7" creationId="{E8986E32-5521-415C-B003-26C71A7FAAE0}"/>
+          </ac:picMkLst>
+        </pc:picChg>
+      </pc:sldChg>
+      <pc:sldChg chg="add del setBg">
+        <pc:chgData name="Daniel Pereira" userId="9d9a6c6d5611e777" providerId="LiveId" clId="{FAACEEAB-46CB-4F54-BC5F-BC4B34800FB7}" dt="2022-02-28T00:17:10.513" v="1121"/>
+        <pc:sldMkLst>
+          <pc:docMk/>
+          <pc:sldMk cId="3304953820" sldId="277"/>
+        </pc:sldMkLst>
+      </pc:sldChg>
+      <pc:sldChg chg="add del">
+        <pc:chgData name="Daniel Pereira" userId="9d9a6c6d5611e777" providerId="LiveId" clId="{FAACEEAB-46CB-4F54-BC5F-BC4B34800FB7}" dt="2022-02-28T00:17:10.513" v="1121"/>
+        <pc:sldMkLst>
+          <pc:docMk/>
+          <pc:sldMk cId="2888259117" sldId="278"/>
+        </pc:sldMkLst>
       </pc:sldChg>
     </pc:docChg>
   </pc:docChgLst>
@@ -2315,6 +2425,224 @@
   <p:cSld>
     <p:spTree>
       <p:nvGrpSpPr>
+        <p:cNvPr id="1" name="Shape 69"/>
+        <p:cNvGrpSpPr/>
+        <p:nvPr/>
+      </p:nvGrpSpPr>
+      <p:grpSpPr>
+        <a:xfrm>
+          <a:off x="0" y="0"/>
+          <a:ext cx="0" cy="0"/>
+          <a:chOff x="0" y="0"/>
+          <a:chExt cx="0" cy="0"/>
+        </a:xfrm>
+      </p:grpSpPr>
+      <p:sp>
+        <p:nvSpPr>
+          <p:cNvPr id="70" name="Google Shape;70;gac10fef634_0_16:notes"/>
+          <p:cNvSpPr>
+            <a:spLocks noGrp="1" noRot="1" noChangeAspect="1"/>
+          </p:cNvSpPr>
+          <p:nvPr>
+            <p:ph type="sldImg" idx="2"/>
+          </p:nvPr>
+        </p:nvSpPr>
+        <p:spPr>
+          <a:xfrm>
+            <a:off x="381000" y="685800"/>
+            <a:ext cx="6096000" cy="3429000"/>
+          </a:xfrm>
+          <a:custGeom>
+            <a:avLst/>
+            <a:gdLst/>
+            <a:ahLst/>
+            <a:cxnLst/>
+            <a:rect l="l" t="t" r="r" b="b"/>
+            <a:pathLst>
+              <a:path w="120000" h="120000" extrusionOk="0">
+                <a:moveTo>
+                  <a:pt x="0" y="0"/>
+                </a:moveTo>
+                <a:lnTo>
+                  <a:pt x="120000" y="0"/>
+                </a:lnTo>
+                <a:lnTo>
+                  <a:pt x="120000" y="120000"/>
+                </a:lnTo>
+                <a:lnTo>
+                  <a:pt x="0" y="120000"/>
+                </a:lnTo>
+                <a:close/>
+              </a:path>
+            </a:pathLst>
+          </a:custGeom>
+        </p:spPr>
+      </p:sp>
+      <p:sp>
+        <p:nvSpPr>
+          <p:cNvPr id="71" name="Google Shape;71;gac10fef634_0_16:notes"/>
+          <p:cNvSpPr txBox="1">
+            <a:spLocks noGrp="1"/>
+          </p:cNvSpPr>
+          <p:nvPr>
+            <p:ph type="body" idx="1"/>
+          </p:nvPr>
+        </p:nvSpPr>
+        <p:spPr>
+          <a:xfrm>
+            <a:off x="685800" y="4343400"/>
+            <a:ext cx="5486400" cy="4114800"/>
+          </a:xfrm>
+          <a:prstGeom prst="rect">
+            <a:avLst/>
+          </a:prstGeom>
+        </p:spPr>
+        <p:txBody>
+          <a:bodyPr spcFirstLastPara="1" wrap="square" lIns="91425" tIns="91425" rIns="91425" bIns="91425" anchor="t" anchorCtr="0">
+            <a:noAutofit/>
+          </a:bodyPr>
+          <a:lstStyle/>
+          <a:p>
+            <a:pPr marL="0" lvl="0" indent="0" algn="l" rtl="0">
+              <a:spcBef>
+                <a:spcPts val="0"/>
+              </a:spcBef>
+              <a:spcAft>
+                <a:spcPts val="0"/>
+              </a:spcAft>
+              <a:buNone/>
+            </a:pPr>
+            <a:endParaRPr/>
+          </a:p>
+        </p:txBody>
+      </p:sp>
+    </p:spTree>
+    <p:extLst>
+      <p:ext uri="{BB962C8B-B14F-4D97-AF65-F5344CB8AC3E}">
+        <p14:creationId xmlns:p14="http://schemas.microsoft.com/office/powerpoint/2010/main" val="2510196762"/>
+      </p:ext>
+    </p:extLst>
+  </p:cSld>
+  <p:clrMapOvr>
+    <a:masterClrMapping/>
+  </p:clrMapOvr>
+</p:notes>
+</file>
+
+<file path=ppt/notesSlides/notesSlide18.xml><?xml version="1.0" encoding="utf-8"?>
+<p:notes xmlns:a="http://schemas.openxmlformats.org/drawingml/2006/main" xmlns:r="http://schemas.openxmlformats.org/officeDocument/2006/relationships" xmlns:p="http://schemas.openxmlformats.org/presentationml/2006/main" showMasterSp="0" showMasterPhAnim="0">
+  <p:cSld>
+    <p:spTree>
+      <p:nvGrpSpPr>
+        <p:cNvPr id="1" name="Shape 74"/>
+        <p:cNvGrpSpPr/>
+        <p:nvPr/>
+      </p:nvGrpSpPr>
+      <p:grpSpPr>
+        <a:xfrm>
+          <a:off x="0" y="0"/>
+          <a:ext cx="0" cy="0"/>
+          <a:chOff x="0" y="0"/>
+          <a:chExt cx="0" cy="0"/>
+        </a:xfrm>
+      </p:grpSpPr>
+      <p:sp>
+        <p:nvSpPr>
+          <p:cNvPr id="75" name="Google Shape;75;gac10fef634_0_20:notes"/>
+          <p:cNvSpPr>
+            <a:spLocks noGrp="1" noRot="1" noChangeAspect="1"/>
+          </p:cNvSpPr>
+          <p:nvPr>
+            <p:ph type="sldImg" idx="2"/>
+          </p:nvPr>
+        </p:nvSpPr>
+        <p:spPr>
+          <a:xfrm>
+            <a:off x="381000" y="685800"/>
+            <a:ext cx="6096000" cy="3429000"/>
+          </a:xfrm>
+          <a:custGeom>
+            <a:avLst/>
+            <a:gdLst/>
+            <a:ahLst/>
+            <a:cxnLst/>
+            <a:rect l="l" t="t" r="r" b="b"/>
+            <a:pathLst>
+              <a:path w="120000" h="120000" extrusionOk="0">
+                <a:moveTo>
+                  <a:pt x="0" y="0"/>
+                </a:moveTo>
+                <a:lnTo>
+                  <a:pt x="120000" y="0"/>
+                </a:lnTo>
+                <a:lnTo>
+                  <a:pt x="120000" y="120000"/>
+                </a:lnTo>
+                <a:lnTo>
+                  <a:pt x="0" y="120000"/>
+                </a:lnTo>
+                <a:close/>
+              </a:path>
+            </a:pathLst>
+          </a:custGeom>
+        </p:spPr>
+      </p:sp>
+      <p:sp>
+        <p:nvSpPr>
+          <p:cNvPr id="76" name="Google Shape;76;gac10fef634_0_20:notes"/>
+          <p:cNvSpPr txBox="1">
+            <a:spLocks noGrp="1"/>
+          </p:cNvSpPr>
+          <p:nvPr>
+            <p:ph type="body" idx="1"/>
+          </p:nvPr>
+        </p:nvSpPr>
+        <p:spPr>
+          <a:xfrm>
+            <a:off x="685800" y="4343400"/>
+            <a:ext cx="5486400" cy="4114800"/>
+          </a:xfrm>
+          <a:prstGeom prst="rect">
+            <a:avLst/>
+          </a:prstGeom>
+        </p:spPr>
+        <p:txBody>
+          <a:bodyPr spcFirstLastPara="1" wrap="square" lIns="91425" tIns="91425" rIns="91425" bIns="91425" anchor="t" anchorCtr="0">
+            <a:noAutofit/>
+          </a:bodyPr>
+          <a:lstStyle/>
+          <a:p>
+            <a:pPr marL="0" lvl="0" indent="0" algn="l" rtl="0">
+              <a:spcBef>
+                <a:spcPts val="0"/>
+              </a:spcBef>
+              <a:spcAft>
+                <a:spcPts val="0"/>
+              </a:spcAft>
+              <a:buNone/>
+            </a:pPr>
+            <a:endParaRPr/>
+          </a:p>
+        </p:txBody>
+      </p:sp>
+    </p:spTree>
+    <p:extLst>
+      <p:ext uri="{BB962C8B-B14F-4D97-AF65-F5344CB8AC3E}">
+        <p14:creationId xmlns:p14="http://schemas.microsoft.com/office/powerpoint/2010/main" val="196764122"/>
+      </p:ext>
+    </p:extLst>
+  </p:cSld>
+  <p:clrMapOvr>
+    <a:masterClrMapping/>
+  </p:clrMapOvr>
+</p:notes>
+</file>
+
+<file path=ppt/notesSlides/notesSlide19.xml><?xml version="1.0" encoding="utf-8"?>
+<p:notes xmlns:a="http://schemas.openxmlformats.org/drawingml/2006/main" xmlns:r="http://schemas.openxmlformats.org/officeDocument/2006/relationships" xmlns:p="http://schemas.openxmlformats.org/presentationml/2006/main" showMasterSp="0" showMasterPhAnim="0">
+  <p:cSld>
+    <p:spTree>
+      <p:nvGrpSpPr>
         <p:cNvPr id="1" name="Shape 80"/>
         <p:cNvGrpSpPr/>
         <p:nvPr/>
@@ -2423,114 +2751,6 @@
               </a:spcAft>
               <a:buNone/>
             </a:pPr>
-            <a:endParaRPr/>
-          </a:p>
-        </p:txBody>
-      </p:sp>
-    </p:spTree>
-  </p:cSld>
-  <p:clrMapOvr>
-    <a:masterClrMapping/>
-  </p:clrMapOvr>
-</p:notes>
-</file>
-
-<file path=ppt/notesSlides/notesSlide18.xml><?xml version="1.0" encoding="utf-8"?>
-<p:notes xmlns:a="http://schemas.openxmlformats.org/drawingml/2006/main" xmlns:r="http://schemas.openxmlformats.org/officeDocument/2006/relationships" xmlns:p="http://schemas.openxmlformats.org/presentationml/2006/main" showMasterSp="0" showMasterPhAnim="0">
-  <p:cSld>
-    <p:spTree>
-      <p:nvGrpSpPr>
-        <p:cNvPr id="1" name="Shape 86"/>
-        <p:cNvGrpSpPr/>
-        <p:nvPr/>
-      </p:nvGrpSpPr>
-      <p:grpSpPr>
-        <a:xfrm>
-          <a:off x="0" y="0"/>
-          <a:ext cx="0" cy="0"/>
-          <a:chOff x="0" y="0"/>
-          <a:chExt cx="0" cy="0"/>
-        </a:xfrm>
-      </p:grpSpPr>
-      <p:sp>
-        <p:nvSpPr>
-          <p:cNvPr id="87" name="Google Shape;87;gac10fef634_0_30:notes"/>
-          <p:cNvSpPr>
-            <a:spLocks noGrp="1" noRot="1" noChangeAspect="1"/>
-          </p:cNvSpPr>
-          <p:nvPr>
-            <p:ph type="sldImg" idx="2"/>
-          </p:nvPr>
-        </p:nvSpPr>
-        <p:spPr>
-          <a:xfrm>
-            <a:off x="381000" y="685800"/>
-            <a:ext cx="6096000" cy="3429000"/>
-          </a:xfrm>
-          <a:custGeom>
-            <a:avLst/>
-            <a:gdLst/>
-            <a:ahLst/>
-            <a:cxnLst/>
-            <a:rect l="l" t="t" r="r" b="b"/>
-            <a:pathLst>
-              <a:path w="120000" h="120000" extrusionOk="0">
-                <a:moveTo>
-                  <a:pt x="0" y="0"/>
-                </a:moveTo>
-                <a:lnTo>
-                  <a:pt x="120000" y="0"/>
-                </a:lnTo>
-                <a:lnTo>
-                  <a:pt x="120000" y="120000"/>
-                </a:lnTo>
-                <a:lnTo>
-                  <a:pt x="0" y="120000"/>
-                </a:lnTo>
-                <a:close/>
-              </a:path>
-            </a:pathLst>
-          </a:custGeom>
-        </p:spPr>
-      </p:sp>
-      <p:sp>
-        <p:nvSpPr>
-          <p:cNvPr id="88" name="Google Shape;88;gac10fef634_0_30:notes"/>
-          <p:cNvSpPr txBox="1">
-            <a:spLocks noGrp="1"/>
-          </p:cNvSpPr>
-          <p:nvPr>
-            <p:ph type="body" idx="1"/>
-          </p:nvPr>
-        </p:nvSpPr>
-        <p:spPr>
-          <a:xfrm>
-            <a:off x="685800" y="4343400"/>
-            <a:ext cx="5486400" cy="4114800"/>
-          </a:xfrm>
-          <a:prstGeom prst="rect">
-            <a:avLst/>
-          </a:prstGeom>
-        </p:spPr>
-        <p:txBody>
-          <a:bodyPr spcFirstLastPara="1" wrap="square" lIns="91425" tIns="91425" rIns="91425" bIns="91425" anchor="t" anchorCtr="0">
-            <a:noAutofit/>
-          </a:bodyPr>
-          <a:lstStyle/>
-          <a:p>
-            <a:pPr marL="0" lvl="0" indent="0" algn="l" rtl="0">
-              <a:spcBef>
-                <a:spcPts val="0"/>
-              </a:spcBef>
-              <a:spcAft>
-                <a:spcPts val="0"/>
-              </a:spcAft>
-              <a:buNone/>
-            </a:pPr>
-            <a:r>
-              <a:rPr lang="en"/>
-              <a:t>Discusses how the information from planning, testing and trialling of components assisted in the development of a high-quality outcome</a:t>
-            </a:r>
             <a:endParaRPr/>
           </a:p>
         </p:txBody>
@@ -2638,6 +2858,114 @@
             <a:r>
               <a:rPr lang="en"/>
               <a:t>Explain the relevant implications here.  Then as you work, develop your code, discuss how the implications are being met.</a:t>
+            </a:r>
+            <a:endParaRPr/>
+          </a:p>
+        </p:txBody>
+      </p:sp>
+    </p:spTree>
+  </p:cSld>
+  <p:clrMapOvr>
+    <a:masterClrMapping/>
+  </p:clrMapOvr>
+</p:notes>
+</file>
+
+<file path=ppt/notesSlides/notesSlide20.xml><?xml version="1.0" encoding="utf-8"?>
+<p:notes xmlns:a="http://schemas.openxmlformats.org/drawingml/2006/main" xmlns:r="http://schemas.openxmlformats.org/officeDocument/2006/relationships" xmlns:p="http://schemas.openxmlformats.org/presentationml/2006/main" showMasterSp="0" showMasterPhAnim="0">
+  <p:cSld>
+    <p:spTree>
+      <p:nvGrpSpPr>
+        <p:cNvPr id="1" name="Shape 86"/>
+        <p:cNvGrpSpPr/>
+        <p:nvPr/>
+      </p:nvGrpSpPr>
+      <p:grpSpPr>
+        <a:xfrm>
+          <a:off x="0" y="0"/>
+          <a:ext cx="0" cy="0"/>
+          <a:chOff x="0" y="0"/>
+          <a:chExt cx="0" cy="0"/>
+        </a:xfrm>
+      </p:grpSpPr>
+      <p:sp>
+        <p:nvSpPr>
+          <p:cNvPr id="87" name="Google Shape;87;gac10fef634_0_30:notes"/>
+          <p:cNvSpPr>
+            <a:spLocks noGrp="1" noRot="1" noChangeAspect="1"/>
+          </p:cNvSpPr>
+          <p:nvPr>
+            <p:ph type="sldImg" idx="2"/>
+          </p:nvPr>
+        </p:nvSpPr>
+        <p:spPr>
+          <a:xfrm>
+            <a:off x="381000" y="685800"/>
+            <a:ext cx="6096000" cy="3429000"/>
+          </a:xfrm>
+          <a:custGeom>
+            <a:avLst/>
+            <a:gdLst/>
+            <a:ahLst/>
+            <a:cxnLst/>
+            <a:rect l="l" t="t" r="r" b="b"/>
+            <a:pathLst>
+              <a:path w="120000" h="120000" extrusionOk="0">
+                <a:moveTo>
+                  <a:pt x="0" y="0"/>
+                </a:moveTo>
+                <a:lnTo>
+                  <a:pt x="120000" y="0"/>
+                </a:lnTo>
+                <a:lnTo>
+                  <a:pt x="120000" y="120000"/>
+                </a:lnTo>
+                <a:lnTo>
+                  <a:pt x="0" y="120000"/>
+                </a:lnTo>
+                <a:close/>
+              </a:path>
+            </a:pathLst>
+          </a:custGeom>
+        </p:spPr>
+      </p:sp>
+      <p:sp>
+        <p:nvSpPr>
+          <p:cNvPr id="88" name="Google Shape;88;gac10fef634_0_30:notes"/>
+          <p:cNvSpPr txBox="1">
+            <a:spLocks noGrp="1"/>
+          </p:cNvSpPr>
+          <p:nvPr>
+            <p:ph type="body" idx="1"/>
+          </p:nvPr>
+        </p:nvSpPr>
+        <p:spPr>
+          <a:xfrm>
+            <a:off x="685800" y="4343400"/>
+            <a:ext cx="5486400" cy="4114800"/>
+          </a:xfrm>
+          <a:prstGeom prst="rect">
+            <a:avLst/>
+          </a:prstGeom>
+        </p:spPr>
+        <p:txBody>
+          <a:bodyPr spcFirstLastPara="1" wrap="square" lIns="91425" tIns="91425" rIns="91425" bIns="91425" anchor="t" anchorCtr="0">
+            <a:noAutofit/>
+          </a:bodyPr>
+          <a:lstStyle/>
+          <a:p>
+            <a:pPr marL="0" lvl="0" indent="0" algn="l" rtl="0">
+              <a:spcBef>
+                <a:spcPts val="0"/>
+              </a:spcBef>
+              <a:spcAft>
+                <a:spcPts val="0"/>
+              </a:spcAft>
+              <a:buNone/>
+            </a:pPr>
+            <a:r>
+              <a:rPr lang="en"/>
+              <a:t>Discusses how the information from planning, testing and trialling of components assisted in the development of a high-quality outcome</a:t>
             </a:r>
             <a:endParaRPr/>
           </a:p>
@@ -10045,10 +10373,10 @@
       </p:graphicFrame>
       <p:pic>
         <p:nvPicPr>
-          <p:cNvPr id="4" name="Picture 3">
+          <p:cNvPr id="3" name="Picture 2">
             <a:extLst>
               <a:ext uri="{FF2B5EF4-FFF2-40B4-BE49-F238E27FC236}">
-                <a16:creationId xmlns:a16="http://schemas.microsoft.com/office/drawing/2014/main" id="{F555AD1F-5539-449B-BDA7-90CD4472E176}"/>
+                <a16:creationId xmlns:a16="http://schemas.microsoft.com/office/drawing/2014/main" id="{95882CB0-BC7B-4165-8588-C70C54ED2B48}"/>
               </a:ext>
             </a:extLst>
           </p:cNvPr>
@@ -10065,8 +10393,8 @@
         </p:blipFill>
         <p:spPr>
           <a:xfrm>
-            <a:off x="311700" y="693373"/>
-            <a:ext cx="3693756" cy="2665817"/>
+            <a:off x="572429" y="827324"/>
+            <a:ext cx="2982887" cy="2355843"/>
           </a:xfrm>
           <a:prstGeom prst="rect">
             <a:avLst/>
@@ -10075,10 +10403,10 @@
       </p:pic>
       <p:pic>
         <p:nvPicPr>
-          <p:cNvPr id="7" name="Picture 6">
+          <p:cNvPr id="6" name="Picture 5">
             <a:extLst>
               <a:ext uri="{FF2B5EF4-FFF2-40B4-BE49-F238E27FC236}">
-                <a16:creationId xmlns:a16="http://schemas.microsoft.com/office/drawing/2014/main" id="{E8986E32-5521-415C-B003-26C71A7FAAE0}"/>
+                <a16:creationId xmlns:a16="http://schemas.microsoft.com/office/drawing/2014/main" id="{E3C44CCC-160A-4FD5-A702-189EECE4D157}"/>
               </a:ext>
             </a:extLst>
           </p:cNvPr>
@@ -10095,8 +10423,8 @@
         </p:blipFill>
         <p:spPr>
           <a:xfrm>
-            <a:off x="4259765" y="1007718"/>
-            <a:ext cx="3528766" cy="2037126"/>
+            <a:off x="4359757" y="820161"/>
+            <a:ext cx="3564534" cy="2363006"/>
           </a:xfrm>
           <a:prstGeom prst="rect">
             <a:avLst/>
@@ -10117,6 +10445,458 @@
 </file>
 
 <file path=ppt/slides/slide17.xml><?xml version="1.0" encoding="utf-8"?>
+<p:sld xmlns:a="http://schemas.openxmlformats.org/drawingml/2006/main" xmlns:r="http://schemas.openxmlformats.org/officeDocument/2006/relationships" xmlns:p="http://schemas.openxmlformats.org/presentationml/2006/main">
+  <p:cSld>
+    <p:bg>
+      <p:bgPr>
+        <a:solidFill>
+          <a:srgbClr val="D9EAD3"/>
+        </a:solidFill>
+        <a:effectLst/>
+      </p:bgPr>
+    </p:bg>
+    <p:spTree>
+      <p:nvGrpSpPr>
+        <p:cNvPr id="1" name="Shape 72"/>
+        <p:cNvGrpSpPr/>
+        <p:nvPr/>
+      </p:nvGrpSpPr>
+      <p:grpSpPr>
+        <a:xfrm>
+          <a:off x="0" y="0"/>
+          <a:ext cx="0" cy="0"/>
+          <a:chOff x="0" y="0"/>
+          <a:chExt cx="0" cy="0"/>
+        </a:xfrm>
+      </p:grpSpPr>
+      <p:sp>
+        <p:nvSpPr>
+          <p:cNvPr id="73" name="Google Shape;73;p16"/>
+          <p:cNvSpPr txBox="1">
+            <a:spLocks noGrp="1"/>
+          </p:cNvSpPr>
+          <p:nvPr>
+            <p:ph type="title"/>
+          </p:nvPr>
+        </p:nvSpPr>
+        <p:spPr>
+          <a:xfrm>
+            <a:off x="311700" y="445025"/>
+            <a:ext cx="8520600" cy="572700"/>
+          </a:xfrm>
+          <a:prstGeom prst="rect">
+            <a:avLst/>
+          </a:prstGeom>
+        </p:spPr>
+        <p:txBody>
+          <a:bodyPr spcFirstLastPara="1" wrap="square" lIns="91425" tIns="91425" rIns="91425" bIns="91425" anchor="t" anchorCtr="0">
+            <a:noAutofit/>
+          </a:bodyPr>
+          <a:lstStyle/>
+          <a:p>
+            <a:pPr marL="0" lvl="0" indent="0" algn="l" rtl="0">
+              <a:spcBef>
+                <a:spcPts val="0"/>
+              </a:spcBef>
+              <a:spcAft>
+                <a:spcPts val="0"/>
+              </a:spcAft>
+              <a:buNone/>
+            </a:pPr>
+            <a:r>
+              <a:rPr lang="en" dirty="0"/>
+              <a:t>Component 3 Pick up info v4 (Trello screenshot)</a:t>
+            </a:r>
+            <a:endParaRPr dirty="0"/>
+          </a:p>
+        </p:txBody>
+      </p:sp>
+      <p:pic>
+        <p:nvPicPr>
+          <p:cNvPr id="3" name="Picture 2">
+            <a:extLst>
+              <a:ext uri="{FF2B5EF4-FFF2-40B4-BE49-F238E27FC236}">
+                <a16:creationId xmlns:a16="http://schemas.microsoft.com/office/drawing/2014/main" id="{213EB8C9-42E0-4622-A7F2-8DC0A5945C1C}"/>
+              </a:ext>
+            </a:extLst>
+          </p:cNvPr>
+          <p:cNvPicPr>
+            <a:picLocks noChangeAspect="1"/>
+          </p:cNvPicPr>
+          <p:nvPr/>
+        </p:nvPicPr>
+        <p:blipFill>
+          <a:blip r:embed="rId3"/>
+          <a:stretch>
+            <a:fillRect/>
+          </a:stretch>
+        </p:blipFill>
+        <p:spPr>
+          <a:xfrm>
+            <a:off x="880946" y="1495466"/>
+            <a:ext cx="7382107" cy="2788321"/>
+          </a:xfrm>
+          <a:prstGeom prst="rect">
+            <a:avLst/>
+          </a:prstGeom>
+        </p:spPr>
+      </p:pic>
+    </p:spTree>
+    <p:extLst>
+      <p:ext uri="{BB962C8B-B14F-4D97-AF65-F5344CB8AC3E}">
+        <p14:creationId xmlns:p14="http://schemas.microsoft.com/office/powerpoint/2010/main" val="3516985148"/>
+      </p:ext>
+    </p:extLst>
+  </p:cSld>
+  <p:clrMapOvr>
+    <a:masterClrMapping/>
+  </p:clrMapOvr>
+</p:sld>
+</file>
+
+<file path=ppt/slides/slide18.xml><?xml version="1.0" encoding="utf-8"?>
+<p:sld xmlns:a="http://schemas.openxmlformats.org/drawingml/2006/main" xmlns:r="http://schemas.openxmlformats.org/officeDocument/2006/relationships" xmlns:p="http://schemas.openxmlformats.org/presentationml/2006/main">
+  <p:cSld>
+    <p:spTree>
+      <p:nvGrpSpPr>
+        <p:cNvPr id="1" name="Shape 77"/>
+        <p:cNvGrpSpPr/>
+        <p:nvPr/>
+      </p:nvGrpSpPr>
+      <p:grpSpPr>
+        <a:xfrm>
+          <a:off x="0" y="0"/>
+          <a:ext cx="0" cy="0"/>
+          <a:chOff x="0" y="0"/>
+          <a:chExt cx="0" cy="0"/>
+        </a:xfrm>
+      </p:grpSpPr>
+      <p:sp>
+        <p:nvSpPr>
+          <p:cNvPr id="78" name="Google Shape;78;p17"/>
+          <p:cNvSpPr txBox="1">
+            <a:spLocks noGrp="1"/>
+          </p:cNvSpPr>
+          <p:nvPr>
+            <p:ph type="title"/>
+          </p:nvPr>
+        </p:nvSpPr>
+        <p:spPr>
+          <a:xfrm>
+            <a:off x="311700" y="187580"/>
+            <a:ext cx="8520600" cy="572700"/>
+          </a:xfrm>
+          <a:prstGeom prst="rect">
+            <a:avLst/>
+          </a:prstGeom>
+        </p:spPr>
+        <p:txBody>
+          <a:bodyPr spcFirstLastPara="1" wrap="square" lIns="91425" tIns="91425" rIns="91425" bIns="91425" anchor="t" anchorCtr="0">
+            <a:noAutofit/>
+          </a:bodyPr>
+          <a:lstStyle/>
+          <a:p>
+            <a:pPr marL="0" lvl="0" indent="0" algn="l" rtl="0">
+              <a:spcBef>
+                <a:spcPts val="0"/>
+              </a:spcBef>
+              <a:spcAft>
+                <a:spcPts val="0"/>
+              </a:spcAft>
+              <a:buNone/>
+            </a:pPr>
+            <a:r>
+              <a:rPr lang="en" dirty="0"/>
+              <a:t>Component 3 version 4 - Test Plan (and screenshot)</a:t>
+            </a:r>
+            <a:endParaRPr dirty="0"/>
+          </a:p>
+        </p:txBody>
+      </p:sp>
+      <p:graphicFrame>
+        <p:nvGraphicFramePr>
+          <p:cNvPr id="79" name="Google Shape;79;p17"/>
+          <p:cNvGraphicFramePr/>
+          <p:nvPr/>
+        </p:nvGraphicFramePr>
+        <p:xfrm>
+          <a:off x="311700" y="3428237"/>
+          <a:ext cx="8520600" cy="1462980"/>
+        </p:xfrm>
+        <a:graphic>
+          <a:graphicData uri="http://schemas.openxmlformats.org/drawingml/2006/table">
+            <a:tbl>
+              <a:tblPr>
+                <a:noFill/>
+                <a:tableStyleId>{E1099E06-0E6B-448D-9D27-60429F06E6F4}</a:tableStyleId>
+              </a:tblPr>
+              <a:tblGrid>
+                <a:gridCol w="2438934">
+                  <a:extLst>
+                    <a:ext uri="{9D8B030D-6E8A-4147-A177-3AD203B41FA5}">
+                      <a16:colId xmlns:a16="http://schemas.microsoft.com/office/drawing/2014/main" val="20000"/>
+                    </a:ext>
+                  </a:extLst>
+                </a:gridCol>
+                <a:gridCol w="6081666">
+                  <a:extLst>
+                    <a:ext uri="{9D8B030D-6E8A-4147-A177-3AD203B41FA5}">
+                      <a16:colId xmlns:a16="http://schemas.microsoft.com/office/drawing/2014/main" val="20001"/>
+                    </a:ext>
+                  </a:extLst>
+                </a:gridCol>
+              </a:tblGrid>
+              <a:tr h="381000">
+                <a:tc>
+                  <a:txBody>
+                    <a:bodyPr/>
+                    <a:lstStyle/>
+                    <a:p>
+                      <a:pPr marL="0" lvl="0" indent="0" algn="l" rtl="0">
+                        <a:spcBef>
+                          <a:spcPts val="0"/>
+                        </a:spcBef>
+                        <a:spcAft>
+                          <a:spcPts val="0"/>
+                        </a:spcAft>
+                        <a:buNone/>
+                      </a:pPr>
+                      <a:r>
+                        <a:rPr lang="en" sz="1800" b="1"/>
+                        <a:t>Test Case</a:t>
+                      </a:r>
+                      <a:endParaRPr sz="1800" b="1"/>
+                    </a:p>
+                  </a:txBody>
+                  <a:tcPr marL="91425" marR="91425" marT="91425" marB="91425">
+                    <a:solidFill>
+                      <a:srgbClr val="CCCCCC"/>
+                    </a:solidFill>
+                  </a:tcPr>
+                </a:tc>
+                <a:tc>
+                  <a:txBody>
+                    <a:bodyPr/>
+                    <a:lstStyle/>
+                    <a:p>
+                      <a:pPr marL="0" lvl="0" indent="0" algn="l" rtl="0">
+                        <a:spcBef>
+                          <a:spcPts val="0"/>
+                        </a:spcBef>
+                        <a:spcAft>
+                          <a:spcPts val="0"/>
+                        </a:spcAft>
+                        <a:buNone/>
+                      </a:pPr>
+                      <a:r>
+                        <a:rPr lang="en" sz="1800" b="1" dirty="0"/>
+                        <a:t>Expected Values</a:t>
+                      </a:r>
+                      <a:endParaRPr sz="1800" b="1" dirty="0"/>
+                    </a:p>
+                  </a:txBody>
+                  <a:tcPr marL="91425" marR="91425" marT="91425" marB="91425">
+                    <a:solidFill>
+                      <a:srgbClr val="CCCCCC"/>
+                    </a:solidFill>
+                  </a:tcPr>
+                </a:tc>
+                <a:extLst>
+                  <a:ext uri="{0D108BD9-81ED-4DB2-BD59-A6C34878D82A}">
+                    <a16:rowId xmlns:a16="http://schemas.microsoft.com/office/drawing/2014/main" val="10000"/>
+                  </a:ext>
+                </a:extLst>
+              </a:tr>
+              <a:tr h="396200">
+                <a:tc>
+                  <a:txBody>
+                    <a:bodyPr/>
+                    <a:lstStyle/>
+                    <a:p>
+                      <a:pPr marL="0" lvl="0" indent="0" algn="l" rtl="0">
+                        <a:spcBef>
+                          <a:spcPts val="0"/>
+                        </a:spcBef>
+                        <a:spcAft>
+                          <a:spcPts val="0"/>
+                        </a:spcAft>
+                        <a:buNone/>
+                      </a:pPr>
+                      <a:r>
+                        <a:rPr lang="en-US" sz="1800" dirty="0"/>
+                        <a:t>Input name</a:t>
+                      </a:r>
+                    </a:p>
+                    <a:p>
+                      <a:pPr marL="0" lvl="0" indent="0" algn="l" rtl="0">
+                        <a:spcBef>
+                          <a:spcPts val="0"/>
+                        </a:spcBef>
+                        <a:spcAft>
+                          <a:spcPts val="0"/>
+                        </a:spcAft>
+                        <a:buNone/>
+                      </a:pPr>
+                      <a:r>
+                        <a:rPr lang="en-US" sz="1800" dirty="0"/>
+                        <a:t>Input phone number</a:t>
+                      </a:r>
+                    </a:p>
+                    <a:p>
+                      <a:pPr marL="0" lvl="0" indent="0" algn="l" rtl="0">
+                        <a:spcBef>
+                          <a:spcPts val="0"/>
+                        </a:spcBef>
+                        <a:spcAft>
+                          <a:spcPts val="0"/>
+                        </a:spcAft>
+                        <a:buNone/>
+                      </a:pPr>
+                      <a:r>
+                        <a:rPr lang="en-US" sz="1800" dirty="0"/>
+                        <a:t>Left input blank</a:t>
+                      </a:r>
+                      <a:endParaRPr sz="1800" dirty="0"/>
+                    </a:p>
+                  </a:txBody>
+                  <a:tcPr marL="91425" marR="91425" marT="91425" marB="91425"/>
+                </a:tc>
+                <a:tc>
+                  <a:txBody>
+                    <a:bodyPr/>
+                    <a:lstStyle/>
+                    <a:p>
+                      <a:pPr marL="0" lvl="0" indent="0" algn="l" rtl="0">
+                        <a:spcBef>
+                          <a:spcPts val="0"/>
+                        </a:spcBef>
+                        <a:spcAft>
+                          <a:spcPts val="0"/>
+                        </a:spcAft>
+                        <a:buNone/>
+                      </a:pPr>
+                      <a:r>
+                        <a:rPr lang="en-US" sz="1800" dirty="0"/>
+                        <a:t>Printed name correctly</a:t>
+                      </a:r>
+                    </a:p>
+                    <a:p>
+                      <a:pPr marL="0" lvl="0" indent="0" algn="l" rtl="0">
+                        <a:spcBef>
+                          <a:spcPts val="0"/>
+                        </a:spcBef>
+                        <a:spcAft>
+                          <a:spcPts val="0"/>
+                        </a:spcAft>
+                        <a:buNone/>
+                      </a:pPr>
+                      <a:r>
+                        <a:rPr lang="en-US" sz="1800" dirty="0"/>
+                        <a:t>Printed phone number</a:t>
+                      </a:r>
+                    </a:p>
+                    <a:p>
+                      <a:pPr marL="0" lvl="0" indent="0" algn="l" rtl="0">
+                        <a:spcBef>
+                          <a:spcPts val="0"/>
+                        </a:spcBef>
+                        <a:spcAft>
+                          <a:spcPts val="0"/>
+                        </a:spcAft>
+                        <a:buNone/>
+                      </a:pPr>
+                      <a:r>
+                        <a:rPr lang="en-US" sz="1800" dirty="0"/>
+                        <a:t>Prints “Sorry this cannot be blank – goes back to input</a:t>
+                      </a:r>
+                    </a:p>
+                  </a:txBody>
+                  <a:tcPr marL="91425" marR="91425" marT="91425" marB="91425"/>
+                </a:tc>
+                <a:extLst>
+                  <a:ext uri="{0D108BD9-81ED-4DB2-BD59-A6C34878D82A}">
+                    <a16:rowId xmlns:a16="http://schemas.microsoft.com/office/drawing/2014/main" val="10001"/>
+                  </a:ext>
+                </a:extLst>
+              </a:tr>
+            </a:tbl>
+          </a:graphicData>
+        </a:graphic>
+      </p:graphicFrame>
+      <p:pic>
+        <p:nvPicPr>
+          <p:cNvPr id="3" name="Picture 2">
+            <a:extLst>
+              <a:ext uri="{FF2B5EF4-FFF2-40B4-BE49-F238E27FC236}">
+                <a16:creationId xmlns:a16="http://schemas.microsoft.com/office/drawing/2014/main" id="{377AA1D5-1A7B-4E5F-8FFC-F66336C88291}"/>
+              </a:ext>
+            </a:extLst>
+          </p:cNvPr>
+          <p:cNvPicPr>
+            <a:picLocks noChangeAspect="1"/>
+          </p:cNvPicPr>
+          <p:nvPr/>
+        </p:nvPicPr>
+        <p:blipFill>
+          <a:blip r:embed="rId3"/>
+          <a:stretch>
+            <a:fillRect/>
+          </a:stretch>
+        </p:blipFill>
+        <p:spPr>
+          <a:xfrm>
+            <a:off x="544882" y="760280"/>
+            <a:ext cx="2517985" cy="2437908"/>
+          </a:xfrm>
+          <a:prstGeom prst="rect">
+            <a:avLst/>
+          </a:prstGeom>
+        </p:spPr>
+      </p:pic>
+      <p:pic>
+        <p:nvPicPr>
+          <p:cNvPr id="5" name="Picture 4">
+            <a:extLst>
+              <a:ext uri="{FF2B5EF4-FFF2-40B4-BE49-F238E27FC236}">
+                <a16:creationId xmlns:a16="http://schemas.microsoft.com/office/drawing/2014/main" id="{17ECF7AA-3427-4AEB-93CD-BD0EC2EACA51}"/>
+              </a:ext>
+            </a:extLst>
+          </p:cNvPr>
+          <p:cNvPicPr>
+            <a:picLocks noChangeAspect="1"/>
+          </p:cNvPicPr>
+          <p:nvPr/>
+        </p:nvPicPr>
+        <p:blipFill>
+          <a:blip r:embed="rId4"/>
+          <a:stretch>
+            <a:fillRect/>
+          </a:stretch>
+        </p:blipFill>
+        <p:spPr>
+          <a:xfrm>
+            <a:off x="3533166" y="990329"/>
+            <a:ext cx="4397121" cy="1356478"/>
+          </a:xfrm>
+          <a:prstGeom prst="rect">
+            <a:avLst/>
+          </a:prstGeom>
+        </p:spPr>
+      </p:pic>
+    </p:spTree>
+    <p:extLst>
+      <p:ext uri="{BB962C8B-B14F-4D97-AF65-F5344CB8AC3E}">
+        <p14:creationId xmlns:p14="http://schemas.microsoft.com/office/powerpoint/2010/main" val="158089656"/>
+      </p:ext>
+    </p:extLst>
+  </p:cSld>
+  <p:clrMapOvr>
+    <a:masterClrMapping/>
+  </p:clrMapOvr>
+</p:sld>
+</file>
+
+<file path=ppt/slides/slide19.xml><?xml version="1.0" encoding="utf-8"?>
 <p:sld xmlns:a="http://schemas.openxmlformats.org/drawingml/2006/main" xmlns:r="http://schemas.openxmlformats.org/officeDocument/2006/relationships" xmlns:p="http://schemas.openxmlformats.org/presentationml/2006/main">
   <p:cSld>
     <p:bg>
@@ -10222,85 +11002,6 @@
               <a:t>Your version control evidence should go here.  This could be in the form of annotated screenshots which show you you managed this process or you could make a brief screencast explaining how you implemented version control.</a:t>
             </a:r>
             <a:endParaRPr i="1"/>
-          </a:p>
-        </p:txBody>
-      </p:sp>
-    </p:spTree>
-  </p:cSld>
-  <p:clrMapOvr>
-    <a:masterClrMapping/>
-  </p:clrMapOvr>
-</p:sld>
-</file>
-
-<file path=ppt/slides/slide18.xml><?xml version="1.0" encoding="utf-8"?>
-<p:sld xmlns:a="http://schemas.openxmlformats.org/drawingml/2006/main" xmlns:r="http://schemas.openxmlformats.org/officeDocument/2006/relationships" xmlns:p="http://schemas.openxmlformats.org/presentationml/2006/main">
-  <p:cSld>
-    <p:bg>
-      <p:bgPr>
-        <a:solidFill>
-          <a:srgbClr val="FFE599"/>
-        </a:solidFill>
-        <a:effectLst/>
-      </p:bgPr>
-    </p:bg>
-    <p:spTree>
-      <p:nvGrpSpPr>
-        <p:cNvPr id="1" name="Shape 89"/>
-        <p:cNvGrpSpPr/>
-        <p:nvPr/>
-      </p:nvGrpSpPr>
-      <p:grpSpPr>
-        <a:xfrm>
-          <a:off x="0" y="0"/>
-          <a:ext cx="0" cy="0"/>
-          <a:chOff x="0" y="0"/>
-          <a:chExt cx="0" cy="0"/>
-        </a:xfrm>
-      </p:grpSpPr>
-      <p:sp>
-        <p:nvSpPr>
-          <p:cNvPr id="90" name="Google Shape;90;p19"/>
-          <p:cNvSpPr txBox="1">
-            <a:spLocks noGrp="1"/>
-          </p:cNvSpPr>
-          <p:nvPr>
-            <p:ph type="body" idx="1"/>
-          </p:nvPr>
-        </p:nvSpPr>
-        <p:spPr>
-          <a:xfrm>
-            <a:off x="311700" y="397700"/>
-            <a:ext cx="8520600" cy="4171200"/>
-          </a:xfrm>
-          <a:prstGeom prst="rect">
-            <a:avLst/>
-          </a:prstGeom>
-        </p:spPr>
-        <p:txBody>
-          <a:bodyPr spcFirstLastPara="1" wrap="square" lIns="91425" tIns="91425" rIns="91425" bIns="91425" anchor="t" anchorCtr="0">
-            <a:noAutofit/>
-          </a:bodyPr>
-          <a:lstStyle/>
-          <a:p>
-            <a:pPr marL="0" lvl="0" indent="0" algn="l" rtl="0">
-              <a:spcBef>
-                <a:spcPts val="0"/>
-              </a:spcBef>
-              <a:spcAft>
-                <a:spcPts val="1600"/>
-              </a:spcAft>
-              <a:buNone/>
-            </a:pPr>
-            <a:r>
-              <a:rPr lang="en" b="1" i="1">
-                <a:solidFill>
-                  <a:srgbClr val="595959"/>
-                </a:solidFill>
-              </a:rPr>
-              <a:t>Discusses how the information from planning, testing and trialling of components assisted in the development of a high-quality outcome</a:t>
-            </a:r>
-            <a:endParaRPr/>
           </a:p>
         </p:txBody>
       </p:sp>
@@ -10463,6 +11164,85 @@
               <a:t> to learn how to do this.</a:t>
             </a:r>
             <a:endParaRPr dirty="0"/>
+          </a:p>
+        </p:txBody>
+      </p:sp>
+    </p:spTree>
+  </p:cSld>
+  <p:clrMapOvr>
+    <a:masterClrMapping/>
+  </p:clrMapOvr>
+</p:sld>
+</file>
+
+<file path=ppt/slides/slide20.xml><?xml version="1.0" encoding="utf-8"?>
+<p:sld xmlns:a="http://schemas.openxmlformats.org/drawingml/2006/main" xmlns:r="http://schemas.openxmlformats.org/officeDocument/2006/relationships" xmlns:p="http://schemas.openxmlformats.org/presentationml/2006/main">
+  <p:cSld>
+    <p:bg>
+      <p:bgPr>
+        <a:solidFill>
+          <a:srgbClr val="FFE599"/>
+        </a:solidFill>
+        <a:effectLst/>
+      </p:bgPr>
+    </p:bg>
+    <p:spTree>
+      <p:nvGrpSpPr>
+        <p:cNvPr id="1" name="Shape 89"/>
+        <p:cNvGrpSpPr/>
+        <p:nvPr/>
+      </p:nvGrpSpPr>
+      <p:grpSpPr>
+        <a:xfrm>
+          <a:off x="0" y="0"/>
+          <a:ext cx="0" cy="0"/>
+          <a:chOff x="0" y="0"/>
+          <a:chExt cx="0" cy="0"/>
+        </a:xfrm>
+      </p:grpSpPr>
+      <p:sp>
+        <p:nvSpPr>
+          <p:cNvPr id="90" name="Google Shape;90;p19"/>
+          <p:cNvSpPr txBox="1">
+            <a:spLocks noGrp="1"/>
+          </p:cNvSpPr>
+          <p:nvPr>
+            <p:ph type="body" idx="1"/>
+          </p:nvPr>
+        </p:nvSpPr>
+        <p:spPr>
+          <a:xfrm>
+            <a:off x="311700" y="397700"/>
+            <a:ext cx="8520600" cy="4171200"/>
+          </a:xfrm>
+          <a:prstGeom prst="rect">
+            <a:avLst/>
+          </a:prstGeom>
+        </p:spPr>
+        <p:txBody>
+          <a:bodyPr spcFirstLastPara="1" wrap="square" lIns="91425" tIns="91425" rIns="91425" bIns="91425" anchor="t" anchorCtr="0">
+            <a:noAutofit/>
+          </a:bodyPr>
+          <a:lstStyle/>
+          <a:p>
+            <a:pPr marL="0" lvl="0" indent="0" algn="l" rtl="0">
+              <a:spcBef>
+                <a:spcPts val="0"/>
+              </a:spcBef>
+              <a:spcAft>
+                <a:spcPts val="1600"/>
+              </a:spcAft>
+              <a:buNone/>
+            </a:pPr>
+            <a:r>
+              <a:rPr lang="en" b="1" i="1">
+                <a:solidFill>
+                  <a:srgbClr val="595959"/>
+                </a:solidFill>
+              </a:rPr>
+              <a:t>Discusses how the information from planning, testing and trialling of components assisted in the development of a high-quality outcome</a:t>
+            </a:r>
+            <a:endParaRPr/>
           </a:p>
         </p:txBody>
       </p:sp>
